--- a/template/Project_2-Aviation Events_Ideas.pptx
+++ b/template/Project_2-Aviation Events_Ideas.pptx
@@ -16,7 +16,10 @@
     <p:sldId id="323" r:id="rId10"/>
     <p:sldId id="321" r:id="rId11"/>
     <p:sldId id="318" r:id="rId12"/>
-    <p:sldId id="320" r:id="rId13"/>
+    <p:sldId id="327" r:id="rId13"/>
+    <p:sldId id="320" r:id="rId14"/>
+    <p:sldId id="328" r:id="rId15"/>
+    <p:sldId id="329" r:id="rId16"/>
   </p:sldIdLst>
   <p:sldSz cx="12192000" cy="6858000"/>
   <p:notesSz cx="6858000" cy="9144000"/>
@@ -121,6 +124,5279 @@
     </p:ext>
   </p:extLst>
 </p:presentation>
+</file>
+
+<file path=ppt/charts/chart1.xml><?xml version="1.0" encoding="utf-8"?>
+<c:chartSpace xmlns:c="http://schemas.openxmlformats.org/drawingml/2006/chart" xmlns:a="http://schemas.openxmlformats.org/drawingml/2006/main" xmlns:r="http://schemas.openxmlformats.org/officeDocument/2006/relationships" xmlns:c16r2="http://schemas.microsoft.com/office/drawing/2015/06/chart">
+  <c:date1904 val="0"/>
+  <c:lang val="en-US"/>
+  <c:roundedCorners val="0"/>
+  <mc:AlternateContent xmlns:mc="http://schemas.openxmlformats.org/markup-compatibility/2006">
+    <mc:Choice xmlns:c14="http://schemas.microsoft.com/office/drawing/2007/8/2/chart" Requires="c14">
+      <c14:style val="102"/>
+    </mc:Choice>
+    <mc:Fallback>
+      <c:style val="2"/>
+    </mc:Fallback>
+  </mc:AlternateContent>
+  <c:chart>
+    <c:autoTitleDeleted val="1"/>
+    <c:plotArea>
+      <c:layout/>
+      <c:lineChart>
+        <c:grouping val="stacked"/>
+        <c:varyColors val="0"/>
+        <c:ser>
+          <c:idx val="1"/>
+          <c:order val="0"/>
+          <c:tx>
+            <c:strRef>
+              <c:f>Year!$B$1</c:f>
+              <c:strCache>
+                <c:ptCount val="1"/>
+                <c:pt idx="0">
+                  <c:v>Total Serious Injuries</c:v>
+                </c:pt>
+              </c:strCache>
+            </c:strRef>
+          </c:tx>
+          <c:spPr>
+            <a:ln w="28575" cap="rnd">
+              <a:solidFill>
+                <a:schemeClr val="accent2"/>
+              </a:solidFill>
+              <a:round/>
+            </a:ln>
+            <a:effectLst/>
+          </c:spPr>
+          <c:marker>
+            <c:symbol val="circle"/>
+            <c:size val="5"/>
+            <c:spPr>
+              <a:solidFill>
+                <a:schemeClr val="accent2"/>
+              </a:solidFill>
+              <a:ln w="9525">
+                <a:solidFill>
+                  <a:schemeClr val="accent2"/>
+                </a:solidFill>
+              </a:ln>
+              <a:effectLst/>
+            </c:spPr>
+          </c:marker>
+          <c:cat>
+            <c:numRef>
+              <c:f>Year!$A$2:$A$45</c:f>
+              <c:numCache>
+                <c:formatCode>General</c:formatCode>
+                <c:ptCount val="44"/>
+                <c:pt idx="0">
+                  <c:v>1948</c:v>
+                </c:pt>
+                <c:pt idx="1">
+                  <c:v>1962</c:v>
+                </c:pt>
+                <c:pt idx="2">
+                  <c:v>1974</c:v>
+                </c:pt>
+                <c:pt idx="3">
+                  <c:v>1977</c:v>
+                </c:pt>
+                <c:pt idx="4">
+                  <c:v>1979</c:v>
+                </c:pt>
+                <c:pt idx="5">
+                  <c:v>1981</c:v>
+                </c:pt>
+                <c:pt idx="6">
+                  <c:v>1982</c:v>
+                </c:pt>
+                <c:pt idx="7">
+                  <c:v>1983</c:v>
+                </c:pt>
+                <c:pt idx="8">
+                  <c:v>1984</c:v>
+                </c:pt>
+                <c:pt idx="9">
+                  <c:v>1985</c:v>
+                </c:pt>
+                <c:pt idx="10">
+                  <c:v>1986</c:v>
+                </c:pt>
+                <c:pt idx="11">
+                  <c:v>1987</c:v>
+                </c:pt>
+                <c:pt idx="12">
+                  <c:v>1988</c:v>
+                </c:pt>
+                <c:pt idx="13">
+                  <c:v>1989</c:v>
+                </c:pt>
+                <c:pt idx="14">
+                  <c:v>1990</c:v>
+                </c:pt>
+                <c:pt idx="15">
+                  <c:v>1991</c:v>
+                </c:pt>
+                <c:pt idx="16">
+                  <c:v>1992</c:v>
+                </c:pt>
+                <c:pt idx="17">
+                  <c:v>1993</c:v>
+                </c:pt>
+                <c:pt idx="18">
+                  <c:v>1994</c:v>
+                </c:pt>
+                <c:pt idx="19">
+                  <c:v>1995</c:v>
+                </c:pt>
+                <c:pt idx="20">
+                  <c:v>1996</c:v>
+                </c:pt>
+                <c:pt idx="21">
+                  <c:v>1997</c:v>
+                </c:pt>
+                <c:pt idx="22">
+                  <c:v>1998</c:v>
+                </c:pt>
+                <c:pt idx="23">
+                  <c:v>1999</c:v>
+                </c:pt>
+                <c:pt idx="24">
+                  <c:v>2000</c:v>
+                </c:pt>
+                <c:pt idx="25">
+                  <c:v>2001</c:v>
+                </c:pt>
+                <c:pt idx="26">
+                  <c:v>2002</c:v>
+                </c:pt>
+                <c:pt idx="27">
+                  <c:v>2003</c:v>
+                </c:pt>
+                <c:pt idx="28">
+                  <c:v>2004</c:v>
+                </c:pt>
+                <c:pt idx="29">
+                  <c:v>2005</c:v>
+                </c:pt>
+                <c:pt idx="30">
+                  <c:v>2006</c:v>
+                </c:pt>
+                <c:pt idx="31">
+                  <c:v>2007</c:v>
+                </c:pt>
+                <c:pt idx="32">
+                  <c:v>2008</c:v>
+                </c:pt>
+                <c:pt idx="33">
+                  <c:v>2009</c:v>
+                </c:pt>
+                <c:pt idx="34">
+                  <c:v>2010</c:v>
+                </c:pt>
+                <c:pt idx="35">
+                  <c:v>2011</c:v>
+                </c:pt>
+                <c:pt idx="36">
+                  <c:v>2012</c:v>
+                </c:pt>
+                <c:pt idx="37">
+                  <c:v>2013</c:v>
+                </c:pt>
+                <c:pt idx="38">
+                  <c:v>2014</c:v>
+                </c:pt>
+                <c:pt idx="39">
+                  <c:v>2015</c:v>
+                </c:pt>
+                <c:pt idx="40">
+                  <c:v>2016</c:v>
+                </c:pt>
+                <c:pt idx="41">
+                  <c:v>2017</c:v>
+                </c:pt>
+                <c:pt idx="42">
+                  <c:v>2018</c:v>
+                </c:pt>
+                <c:pt idx="43">
+                  <c:v>2019</c:v>
+                </c:pt>
+              </c:numCache>
+            </c:numRef>
+          </c:cat>
+          <c:val>
+            <c:numRef>
+              <c:f>Year!$B$2:$B$45</c:f>
+              <c:numCache>
+                <c:formatCode>General</c:formatCode>
+                <c:ptCount val="44"/>
+                <c:pt idx="0">
+                  <c:v>0</c:v>
+                </c:pt>
+                <c:pt idx="1">
+                  <c:v>0</c:v>
+                </c:pt>
+                <c:pt idx="3">
+                  <c:v>0</c:v>
+                </c:pt>
+                <c:pt idx="4">
+                  <c:v>2</c:v>
+                </c:pt>
+                <c:pt idx="5">
+                  <c:v>0</c:v>
+                </c:pt>
+                <c:pt idx="6">
+                  <c:v>727</c:v>
+                </c:pt>
+                <c:pt idx="7">
+                  <c:v>673</c:v>
+                </c:pt>
+                <c:pt idx="8">
+                  <c:v>697</c:v>
+                </c:pt>
+                <c:pt idx="9">
+                  <c:v>612</c:v>
+                </c:pt>
+                <c:pt idx="10">
+                  <c:v>619</c:v>
+                </c:pt>
+                <c:pt idx="11">
+                  <c:v>554</c:v>
+                </c:pt>
+                <c:pt idx="12">
+                  <c:v>620</c:v>
+                </c:pt>
+                <c:pt idx="13">
+                  <c:v>518</c:v>
+                </c:pt>
+                <c:pt idx="14">
+                  <c:v>589</c:v>
+                </c:pt>
+                <c:pt idx="15">
+                  <c:v>535</c:v>
+                </c:pt>
+                <c:pt idx="16">
+                  <c:v>609</c:v>
+                </c:pt>
+                <c:pt idx="17">
+                  <c:v>505</c:v>
+                </c:pt>
+                <c:pt idx="18">
+                  <c:v>529</c:v>
+                </c:pt>
+                <c:pt idx="19">
+                  <c:v>480</c:v>
+                </c:pt>
+                <c:pt idx="20">
+                  <c:v>532</c:v>
+                </c:pt>
+                <c:pt idx="21">
+                  <c:v>497</c:v>
+                </c:pt>
+                <c:pt idx="22">
+                  <c:v>388</c:v>
+                </c:pt>
+                <c:pt idx="23">
+                  <c:v>491</c:v>
+                </c:pt>
+                <c:pt idx="24">
+                  <c:v>501</c:v>
+                </c:pt>
+                <c:pt idx="25">
+                  <c:v>478</c:v>
+                </c:pt>
+                <c:pt idx="26">
+                  <c:v>432</c:v>
+                </c:pt>
+                <c:pt idx="27">
+                  <c:v>480</c:v>
+                </c:pt>
+                <c:pt idx="28">
+                  <c:v>457</c:v>
+                </c:pt>
+                <c:pt idx="29">
+                  <c:v>426</c:v>
+                </c:pt>
+                <c:pt idx="30">
+                  <c:v>420</c:v>
+                </c:pt>
+                <c:pt idx="31">
+                  <c:v>402</c:v>
+                </c:pt>
+                <c:pt idx="32">
+                  <c:v>511</c:v>
+                </c:pt>
+                <c:pt idx="33">
+                  <c:v>381</c:v>
+                </c:pt>
+                <c:pt idx="34">
+                  <c:v>343</c:v>
+                </c:pt>
+                <c:pt idx="35">
+                  <c:v>432</c:v>
+                </c:pt>
+                <c:pt idx="36">
+                  <c:v>336</c:v>
+                </c:pt>
+                <c:pt idx="37">
+                  <c:v>358</c:v>
+                </c:pt>
+                <c:pt idx="38">
+                  <c:v>321</c:v>
+                </c:pt>
+                <c:pt idx="39">
+                  <c:v>364</c:v>
+                </c:pt>
+                <c:pt idx="40">
+                  <c:v>298</c:v>
+                </c:pt>
+                <c:pt idx="41">
+                  <c:v>294</c:v>
+                </c:pt>
+                <c:pt idx="42">
+                  <c:v>334</c:v>
+                </c:pt>
+                <c:pt idx="43">
+                  <c:v>295</c:v>
+                </c:pt>
+              </c:numCache>
+            </c:numRef>
+          </c:val>
+          <c:smooth val="0"/>
+          <c:extLst>
+            <c:ext xmlns:c16="http://schemas.microsoft.com/office/drawing/2014/chart" uri="{C3380CC4-5D6E-409C-BE32-E72D297353CC}">
+              <c16:uniqueId val="{00000000-D782-403E-A938-A588EE2A5F56}"/>
+            </c:ext>
+          </c:extLst>
+        </c:ser>
+        <c:ser>
+          <c:idx val="2"/>
+          <c:order val="1"/>
+          <c:tx>
+            <c:strRef>
+              <c:f>Year!$C$1</c:f>
+              <c:strCache>
+                <c:ptCount val="1"/>
+                <c:pt idx="0">
+                  <c:v>Total Fatal Injuries</c:v>
+                </c:pt>
+              </c:strCache>
+            </c:strRef>
+          </c:tx>
+          <c:spPr>
+            <a:ln w="28575" cap="rnd">
+              <a:solidFill>
+                <a:schemeClr val="accent3"/>
+              </a:solidFill>
+              <a:round/>
+            </a:ln>
+            <a:effectLst/>
+          </c:spPr>
+          <c:marker>
+            <c:symbol val="circle"/>
+            <c:size val="5"/>
+            <c:spPr>
+              <a:solidFill>
+                <a:schemeClr val="accent3"/>
+              </a:solidFill>
+              <a:ln w="9525">
+                <a:solidFill>
+                  <a:schemeClr val="accent3"/>
+                </a:solidFill>
+              </a:ln>
+              <a:effectLst/>
+            </c:spPr>
+          </c:marker>
+          <c:cat>
+            <c:numRef>
+              <c:f>Year!$A$2:$A$45</c:f>
+              <c:numCache>
+                <c:formatCode>General</c:formatCode>
+                <c:ptCount val="44"/>
+                <c:pt idx="0">
+                  <c:v>1948</c:v>
+                </c:pt>
+                <c:pt idx="1">
+                  <c:v>1962</c:v>
+                </c:pt>
+                <c:pt idx="2">
+                  <c:v>1974</c:v>
+                </c:pt>
+                <c:pt idx="3">
+                  <c:v>1977</c:v>
+                </c:pt>
+                <c:pt idx="4">
+                  <c:v>1979</c:v>
+                </c:pt>
+                <c:pt idx="5">
+                  <c:v>1981</c:v>
+                </c:pt>
+                <c:pt idx="6">
+                  <c:v>1982</c:v>
+                </c:pt>
+                <c:pt idx="7">
+                  <c:v>1983</c:v>
+                </c:pt>
+                <c:pt idx="8">
+                  <c:v>1984</c:v>
+                </c:pt>
+                <c:pt idx="9">
+                  <c:v>1985</c:v>
+                </c:pt>
+                <c:pt idx="10">
+                  <c:v>1986</c:v>
+                </c:pt>
+                <c:pt idx="11">
+                  <c:v>1987</c:v>
+                </c:pt>
+                <c:pt idx="12">
+                  <c:v>1988</c:v>
+                </c:pt>
+                <c:pt idx="13">
+                  <c:v>1989</c:v>
+                </c:pt>
+                <c:pt idx="14">
+                  <c:v>1990</c:v>
+                </c:pt>
+                <c:pt idx="15">
+                  <c:v>1991</c:v>
+                </c:pt>
+                <c:pt idx="16">
+                  <c:v>1992</c:v>
+                </c:pt>
+                <c:pt idx="17">
+                  <c:v>1993</c:v>
+                </c:pt>
+                <c:pt idx="18">
+                  <c:v>1994</c:v>
+                </c:pt>
+                <c:pt idx="19">
+                  <c:v>1995</c:v>
+                </c:pt>
+                <c:pt idx="20">
+                  <c:v>1996</c:v>
+                </c:pt>
+                <c:pt idx="21">
+                  <c:v>1997</c:v>
+                </c:pt>
+                <c:pt idx="22">
+                  <c:v>1998</c:v>
+                </c:pt>
+                <c:pt idx="23">
+                  <c:v>1999</c:v>
+                </c:pt>
+                <c:pt idx="24">
+                  <c:v>2000</c:v>
+                </c:pt>
+                <c:pt idx="25">
+                  <c:v>2001</c:v>
+                </c:pt>
+                <c:pt idx="26">
+                  <c:v>2002</c:v>
+                </c:pt>
+                <c:pt idx="27">
+                  <c:v>2003</c:v>
+                </c:pt>
+                <c:pt idx="28">
+                  <c:v>2004</c:v>
+                </c:pt>
+                <c:pt idx="29">
+                  <c:v>2005</c:v>
+                </c:pt>
+                <c:pt idx="30">
+                  <c:v>2006</c:v>
+                </c:pt>
+                <c:pt idx="31">
+                  <c:v>2007</c:v>
+                </c:pt>
+                <c:pt idx="32">
+                  <c:v>2008</c:v>
+                </c:pt>
+                <c:pt idx="33">
+                  <c:v>2009</c:v>
+                </c:pt>
+                <c:pt idx="34">
+                  <c:v>2010</c:v>
+                </c:pt>
+                <c:pt idx="35">
+                  <c:v>2011</c:v>
+                </c:pt>
+                <c:pt idx="36">
+                  <c:v>2012</c:v>
+                </c:pt>
+                <c:pt idx="37">
+                  <c:v>2013</c:v>
+                </c:pt>
+                <c:pt idx="38">
+                  <c:v>2014</c:v>
+                </c:pt>
+                <c:pt idx="39">
+                  <c:v>2015</c:v>
+                </c:pt>
+                <c:pt idx="40">
+                  <c:v>2016</c:v>
+                </c:pt>
+                <c:pt idx="41">
+                  <c:v>2017</c:v>
+                </c:pt>
+                <c:pt idx="42">
+                  <c:v>2018</c:v>
+                </c:pt>
+                <c:pt idx="43">
+                  <c:v>2019</c:v>
+                </c:pt>
+              </c:numCache>
+            </c:numRef>
+          </c:cat>
+          <c:val>
+            <c:numRef>
+              <c:f>Year!$C$2:$C$45</c:f>
+              <c:numCache>
+                <c:formatCode>General</c:formatCode>
+                <c:ptCount val="44"/>
+                <c:pt idx="0">
+                  <c:v>2</c:v>
+                </c:pt>
+                <c:pt idx="1">
+                  <c:v>4</c:v>
+                </c:pt>
+                <c:pt idx="2">
+                  <c:v>3</c:v>
+                </c:pt>
+                <c:pt idx="3">
+                  <c:v>2</c:v>
+                </c:pt>
+                <c:pt idx="4">
+                  <c:v>1</c:v>
+                </c:pt>
+                <c:pt idx="5">
+                  <c:v>4</c:v>
+                </c:pt>
+                <c:pt idx="6">
+                  <c:v>1585</c:v>
+                </c:pt>
+                <c:pt idx="7">
+                  <c:v>1273</c:v>
+                </c:pt>
+                <c:pt idx="8">
+                  <c:v>1229</c:v>
+                </c:pt>
+                <c:pt idx="9">
+                  <c:v>1648</c:v>
+                </c:pt>
+                <c:pt idx="10">
+                  <c:v>1180</c:v>
+                </c:pt>
+                <c:pt idx="11">
+                  <c:v>1237</c:v>
+                </c:pt>
+                <c:pt idx="12">
+                  <c:v>1195</c:v>
+                </c:pt>
+                <c:pt idx="13">
+                  <c:v>1532</c:v>
+                </c:pt>
+                <c:pt idx="14">
+                  <c:v>999</c:v>
+                </c:pt>
+                <c:pt idx="15">
+                  <c:v>1087</c:v>
+                </c:pt>
+                <c:pt idx="16">
+                  <c:v>1273</c:v>
+                </c:pt>
+                <c:pt idx="17">
+                  <c:v>865</c:v>
+                </c:pt>
+                <c:pt idx="18">
+                  <c:v>1183</c:v>
+                </c:pt>
+                <c:pt idx="19">
+                  <c:v>1236</c:v>
+                </c:pt>
+                <c:pt idx="20">
+                  <c:v>2533</c:v>
+                </c:pt>
+                <c:pt idx="21">
+                  <c:v>1296</c:v>
+                </c:pt>
+                <c:pt idx="22">
+                  <c:v>1325</c:v>
+                </c:pt>
+                <c:pt idx="23">
+                  <c:v>1221</c:v>
+                </c:pt>
+                <c:pt idx="24">
+                  <c:v>1765</c:v>
+                </c:pt>
+                <c:pt idx="25">
+                  <c:v>1709</c:v>
+                </c:pt>
+                <c:pt idx="26">
+                  <c:v>1386</c:v>
+                </c:pt>
+                <c:pt idx="27">
+                  <c:v>1374</c:v>
+                </c:pt>
+                <c:pt idx="28">
+                  <c:v>978</c:v>
+                </c:pt>
+                <c:pt idx="29">
+                  <c:v>1689</c:v>
+                </c:pt>
+                <c:pt idx="30">
+                  <c:v>1489</c:v>
+                </c:pt>
+                <c:pt idx="31">
+                  <c:v>1335</c:v>
+                </c:pt>
+                <c:pt idx="32">
+                  <c:v>1293</c:v>
+                </c:pt>
+                <c:pt idx="33">
+                  <c:v>1209</c:v>
+                </c:pt>
+                <c:pt idx="34">
+                  <c:v>1390</c:v>
+                </c:pt>
+                <c:pt idx="35">
+                  <c:v>959</c:v>
+                </c:pt>
+                <c:pt idx="36">
+                  <c:v>1007</c:v>
+                </c:pt>
+                <c:pt idx="37">
+                  <c:v>839</c:v>
+                </c:pt>
+                <c:pt idx="38">
+                  <c:v>1438</c:v>
+                </c:pt>
+                <c:pt idx="39">
+                  <c:v>1112</c:v>
+                </c:pt>
+                <c:pt idx="40">
+                  <c:v>835</c:v>
+                </c:pt>
+                <c:pt idx="41">
+                  <c:v>677</c:v>
+                </c:pt>
+                <c:pt idx="42">
+                  <c:v>1050</c:v>
+                </c:pt>
+                <c:pt idx="43">
+                  <c:v>917</c:v>
+                </c:pt>
+              </c:numCache>
+            </c:numRef>
+          </c:val>
+          <c:smooth val="0"/>
+          <c:extLst>
+            <c:ext xmlns:c16="http://schemas.microsoft.com/office/drawing/2014/chart" uri="{C3380CC4-5D6E-409C-BE32-E72D297353CC}">
+              <c16:uniqueId val="{00000001-D782-403E-A938-A588EE2A5F56}"/>
+            </c:ext>
+          </c:extLst>
+        </c:ser>
+        <c:ser>
+          <c:idx val="3"/>
+          <c:order val="2"/>
+          <c:tx>
+            <c:strRef>
+              <c:f>Year!$D$1</c:f>
+              <c:strCache>
+                <c:ptCount val="1"/>
+                <c:pt idx="0">
+                  <c:v>Total Minor Injuries</c:v>
+                </c:pt>
+              </c:strCache>
+            </c:strRef>
+          </c:tx>
+          <c:spPr>
+            <a:ln w="28575" cap="rnd">
+              <a:solidFill>
+                <a:schemeClr val="accent4"/>
+              </a:solidFill>
+              <a:round/>
+            </a:ln>
+            <a:effectLst/>
+          </c:spPr>
+          <c:marker>
+            <c:symbol val="circle"/>
+            <c:size val="5"/>
+            <c:spPr>
+              <a:solidFill>
+                <a:schemeClr val="accent4"/>
+              </a:solidFill>
+              <a:ln w="9525">
+                <a:solidFill>
+                  <a:schemeClr val="accent4"/>
+                </a:solidFill>
+              </a:ln>
+              <a:effectLst/>
+            </c:spPr>
+          </c:marker>
+          <c:cat>
+            <c:numRef>
+              <c:f>Year!$A$2:$A$45</c:f>
+              <c:numCache>
+                <c:formatCode>General</c:formatCode>
+                <c:ptCount val="44"/>
+                <c:pt idx="0">
+                  <c:v>1948</c:v>
+                </c:pt>
+                <c:pt idx="1">
+                  <c:v>1962</c:v>
+                </c:pt>
+                <c:pt idx="2">
+                  <c:v>1974</c:v>
+                </c:pt>
+                <c:pt idx="3">
+                  <c:v>1977</c:v>
+                </c:pt>
+                <c:pt idx="4">
+                  <c:v>1979</c:v>
+                </c:pt>
+                <c:pt idx="5">
+                  <c:v>1981</c:v>
+                </c:pt>
+                <c:pt idx="6">
+                  <c:v>1982</c:v>
+                </c:pt>
+                <c:pt idx="7">
+                  <c:v>1983</c:v>
+                </c:pt>
+                <c:pt idx="8">
+                  <c:v>1984</c:v>
+                </c:pt>
+                <c:pt idx="9">
+                  <c:v>1985</c:v>
+                </c:pt>
+                <c:pt idx="10">
+                  <c:v>1986</c:v>
+                </c:pt>
+                <c:pt idx="11">
+                  <c:v>1987</c:v>
+                </c:pt>
+                <c:pt idx="12">
+                  <c:v>1988</c:v>
+                </c:pt>
+                <c:pt idx="13">
+                  <c:v>1989</c:v>
+                </c:pt>
+                <c:pt idx="14">
+                  <c:v>1990</c:v>
+                </c:pt>
+                <c:pt idx="15">
+                  <c:v>1991</c:v>
+                </c:pt>
+                <c:pt idx="16">
+                  <c:v>1992</c:v>
+                </c:pt>
+                <c:pt idx="17">
+                  <c:v>1993</c:v>
+                </c:pt>
+                <c:pt idx="18">
+                  <c:v>1994</c:v>
+                </c:pt>
+                <c:pt idx="19">
+                  <c:v>1995</c:v>
+                </c:pt>
+                <c:pt idx="20">
+                  <c:v>1996</c:v>
+                </c:pt>
+                <c:pt idx="21">
+                  <c:v>1997</c:v>
+                </c:pt>
+                <c:pt idx="22">
+                  <c:v>1998</c:v>
+                </c:pt>
+                <c:pt idx="23">
+                  <c:v>1999</c:v>
+                </c:pt>
+                <c:pt idx="24">
+                  <c:v>2000</c:v>
+                </c:pt>
+                <c:pt idx="25">
+                  <c:v>2001</c:v>
+                </c:pt>
+                <c:pt idx="26">
+                  <c:v>2002</c:v>
+                </c:pt>
+                <c:pt idx="27">
+                  <c:v>2003</c:v>
+                </c:pt>
+                <c:pt idx="28">
+                  <c:v>2004</c:v>
+                </c:pt>
+                <c:pt idx="29">
+                  <c:v>2005</c:v>
+                </c:pt>
+                <c:pt idx="30">
+                  <c:v>2006</c:v>
+                </c:pt>
+                <c:pt idx="31">
+                  <c:v>2007</c:v>
+                </c:pt>
+                <c:pt idx="32">
+                  <c:v>2008</c:v>
+                </c:pt>
+                <c:pt idx="33">
+                  <c:v>2009</c:v>
+                </c:pt>
+                <c:pt idx="34">
+                  <c:v>2010</c:v>
+                </c:pt>
+                <c:pt idx="35">
+                  <c:v>2011</c:v>
+                </c:pt>
+                <c:pt idx="36">
+                  <c:v>2012</c:v>
+                </c:pt>
+                <c:pt idx="37">
+                  <c:v>2013</c:v>
+                </c:pt>
+                <c:pt idx="38">
+                  <c:v>2014</c:v>
+                </c:pt>
+                <c:pt idx="39">
+                  <c:v>2015</c:v>
+                </c:pt>
+                <c:pt idx="40">
+                  <c:v>2016</c:v>
+                </c:pt>
+                <c:pt idx="41">
+                  <c:v>2017</c:v>
+                </c:pt>
+                <c:pt idx="42">
+                  <c:v>2018</c:v>
+                </c:pt>
+                <c:pt idx="43">
+                  <c:v>2019</c:v>
+                </c:pt>
+              </c:numCache>
+            </c:numRef>
+          </c:cat>
+          <c:val>
+            <c:numRef>
+              <c:f>Year!$D$2:$D$45</c:f>
+              <c:numCache>
+                <c:formatCode>General</c:formatCode>
+                <c:ptCount val="44"/>
+                <c:pt idx="0">
+                  <c:v>0</c:v>
+                </c:pt>
+                <c:pt idx="1">
+                  <c:v>0</c:v>
+                </c:pt>
+                <c:pt idx="3">
+                  <c:v>0</c:v>
+                </c:pt>
+                <c:pt idx="4">
+                  <c:v>1</c:v>
+                </c:pt>
+                <c:pt idx="5">
+                  <c:v>0</c:v>
+                </c:pt>
+                <c:pt idx="6">
+                  <c:v>998</c:v>
+                </c:pt>
+                <c:pt idx="7">
+                  <c:v>1048</c:v>
+                </c:pt>
+                <c:pt idx="8">
+                  <c:v>1047</c:v>
+                </c:pt>
+                <c:pt idx="9">
+                  <c:v>1108</c:v>
+                </c:pt>
+                <c:pt idx="10">
+                  <c:v>970</c:v>
+                </c:pt>
+                <c:pt idx="11">
+                  <c:v>936</c:v>
+                </c:pt>
+                <c:pt idx="12">
+                  <c:v>1117</c:v>
+                </c:pt>
+                <c:pt idx="13">
+                  <c:v>1029</c:v>
+                </c:pt>
+                <c:pt idx="14">
+                  <c:v>908</c:v>
+                </c:pt>
+                <c:pt idx="15">
+                  <c:v>913</c:v>
+                </c:pt>
+                <c:pt idx="16">
+                  <c:v>775</c:v>
+                </c:pt>
+                <c:pt idx="17">
+                  <c:v>910</c:v>
+                </c:pt>
+                <c:pt idx="18">
+                  <c:v>763</c:v>
+                </c:pt>
+                <c:pt idx="19">
+                  <c:v>731</c:v>
+                </c:pt>
+                <c:pt idx="20">
+                  <c:v>729</c:v>
+                </c:pt>
+                <c:pt idx="21">
+                  <c:v>1026</c:v>
+                </c:pt>
+                <c:pt idx="22">
+                  <c:v>807</c:v>
+                </c:pt>
+                <c:pt idx="23">
+                  <c:v>1206</c:v>
+                </c:pt>
+                <c:pt idx="24">
+                  <c:v>1256</c:v>
+                </c:pt>
+                <c:pt idx="25">
+                  <c:v>612</c:v>
+                </c:pt>
+                <c:pt idx="26">
+                  <c:v>706</c:v>
+                </c:pt>
+                <c:pt idx="27">
+                  <c:v>772</c:v>
+                </c:pt>
+                <c:pt idx="28">
+                  <c:v>603</c:v>
+                </c:pt>
+                <c:pt idx="29">
+                  <c:v>620</c:v>
+                </c:pt>
+                <c:pt idx="30">
+                  <c:v>473</c:v>
+                </c:pt>
+                <c:pt idx="31">
+                  <c:v>543</c:v>
+                </c:pt>
+                <c:pt idx="32">
+                  <c:v>786</c:v>
+                </c:pt>
+                <c:pt idx="33">
+                  <c:v>625</c:v>
+                </c:pt>
+                <c:pt idx="34">
+                  <c:v>589</c:v>
+                </c:pt>
+                <c:pt idx="35">
+                  <c:v>488</c:v>
+                </c:pt>
+                <c:pt idx="36">
+                  <c:v>464</c:v>
+                </c:pt>
+                <c:pt idx="37">
+                  <c:v>671</c:v>
+                </c:pt>
+                <c:pt idx="38">
+                  <c:v>469</c:v>
+                </c:pt>
+                <c:pt idx="39">
+                  <c:v>473</c:v>
+                </c:pt>
+                <c:pt idx="40">
+                  <c:v>467</c:v>
+                </c:pt>
+                <c:pt idx="41">
+                  <c:v>406</c:v>
+                </c:pt>
+                <c:pt idx="42">
+                  <c:v>451</c:v>
+                </c:pt>
+                <c:pt idx="43">
+                  <c:v>340</c:v>
+                </c:pt>
+              </c:numCache>
+            </c:numRef>
+          </c:val>
+          <c:smooth val="0"/>
+          <c:extLst>
+            <c:ext xmlns:c16="http://schemas.microsoft.com/office/drawing/2014/chart" uri="{C3380CC4-5D6E-409C-BE32-E72D297353CC}">
+              <c16:uniqueId val="{00000002-D782-403E-A938-A588EE2A5F56}"/>
+            </c:ext>
+          </c:extLst>
+        </c:ser>
+        <c:dLbls>
+          <c:showLegendKey val="0"/>
+          <c:showVal val="0"/>
+          <c:showCatName val="0"/>
+          <c:showSerName val="0"/>
+          <c:showPercent val="0"/>
+          <c:showBubbleSize val="0"/>
+        </c:dLbls>
+        <c:marker val="1"/>
+        <c:smooth val="0"/>
+        <c:axId val="1216458111"/>
+        <c:axId val="638329423"/>
+      </c:lineChart>
+      <c:catAx>
+        <c:axId val="1216458111"/>
+        <c:scaling>
+          <c:orientation val="minMax"/>
+        </c:scaling>
+        <c:delete val="0"/>
+        <c:axPos val="b"/>
+        <c:numFmt formatCode="General" sourceLinked="1"/>
+        <c:majorTickMark val="none"/>
+        <c:minorTickMark val="none"/>
+        <c:tickLblPos val="nextTo"/>
+        <c:spPr>
+          <a:noFill/>
+          <a:ln w="9525" cap="flat" cmpd="sng" algn="ctr">
+            <a:solidFill>
+              <a:schemeClr val="tx1">
+                <a:lumMod val="15000"/>
+                <a:lumOff val="85000"/>
+              </a:schemeClr>
+            </a:solidFill>
+            <a:round/>
+          </a:ln>
+          <a:effectLst/>
+        </c:spPr>
+        <c:txPr>
+          <a:bodyPr rot="-5400000" spcFirstLastPara="1" vertOverflow="ellipsis" wrap="square" anchor="ctr" anchorCtr="1"/>
+          <a:lstStyle/>
+          <a:p>
+            <a:pPr>
+              <a:defRPr sz="900" b="0" i="0" u="none" strike="noStrike" kern="1200" baseline="0">
+                <a:solidFill>
+                  <a:schemeClr val="tx1">
+                    <a:lumMod val="65000"/>
+                    <a:lumOff val="35000"/>
+                  </a:schemeClr>
+                </a:solidFill>
+                <a:latin typeface="+mn-lt"/>
+                <a:ea typeface="+mn-ea"/>
+                <a:cs typeface="+mn-cs"/>
+              </a:defRPr>
+            </a:pPr>
+            <a:endParaRPr lang="en-US"/>
+          </a:p>
+        </c:txPr>
+        <c:crossAx val="638329423"/>
+        <c:crosses val="autoZero"/>
+        <c:auto val="1"/>
+        <c:lblAlgn val="ctr"/>
+        <c:lblOffset val="100"/>
+        <c:noMultiLvlLbl val="0"/>
+      </c:catAx>
+      <c:valAx>
+        <c:axId val="638329423"/>
+        <c:scaling>
+          <c:orientation val="minMax"/>
+        </c:scaling>
+        <c:delete val="0"/>
+        <c:axPos val="l"/>
+        <c:majorGridlines>
+          <c:spPr>
+            <a:ln w="9525" cap="flat" cmpd="sng" algn="ctr">
+              <a:solidFill>
+                <a:schemeClr val="tx1">
+                  <a:lumMod val="15000"/>
+                  <a:lumOff val="85000"/>
+                </a:schemeClr>
+              </a:solidFill>
+              <a:round/>
+            </a:ln>
+            <a:effectLst/>
+          </c:spPr>
+        </c:majorGridlines>
+        <c:numFmt formatCode="General" sourceLinked="1"/>
+        <c:majorTickMark val="none"/>
+        <c:minorTickMark val="none"/>
+        <c:tickLblPos val="nextTo"/>
+        <c:spPr>
+          <a:noFill/>
+          <a:ln>
+            <a:noFill/>
+          </a:ln>
+          <a:effectLst/>
+        </c:spPr>
+        <c:txPr>
+          <a:bodyPr rot="-60000000" spcFirstLastPara="1" vertOverflow="ellipsis" vert="horz" wrap="square" anchor="ctr" anchorCtr="1"/>
+          <a:lstStyle/>
+          <a:p>
+            <a:pPr>
+              <a:defRPr sz="900" b="0" i="0" u="none" strike="noStrike" kern="1200" baseline="0">
+                <a:solidFill>
+                  <a:schemeClr val="tx1">
+                    <a:lumMod val="65000"/>
+                    <a:lumOff val="35000"/>
+                  </a:schemeClr>
+                </a:solidFill>
+                <a:latin typeface="+mn-lt"/>
+                <a:ea typeface="+mn-ea"/>
+                <a:cs typeface="+mn-cs"/>
+              </a:defRPr>
+            </a:pPr>
+            <a:endParaRPr lang="en-US"/>
+          </a:p>
+        </c:txPr>
+        <c:crossAx val="1216458111"/>
+        <c:crosses val="autoZero"/>
+        <c:crossBetween val="between"/>
+      </c:valAx>
+      <c:spPr>
+        <a:noFill/>
+        <a:ln>
+          <a:noFill/>
+        </a:ln>
+        <a:effectLst/>
+      </c:spPr>
+    </c:plotArea>
+    <c:legend>
+      <c:legendPos val="b"/>
+      <c:overlay val="0"/>
+      <c:spPr>
+        <a:noFill/>
+        <a:ln>
+          <a:noFill/>
+        </a:ln>
+        <a:effectLst/>
+      </c:spPr>
+      <c:txPr>
+        <a:bodyPr rot="0" spcFirstLastPara="1" vertOverflow="ellipsis" vert="horz" wrap="square" anchor="ctr" anchorCtr="1"/>
+        <a:lstStyle/>
+        <a:p>
+          <a:pPr>
+            <a:defRPr sz="900" b="0" i="0" u="none" strike="noStrike" kern="1200" baseline="0">
+              <a:solidFill>
+                <a:schemeClr val="tx1">
+                  <a:lumMod val="65000"/>
+                  <a:lumOff val="35000"/>
+                </a:schemeClr>
+              </a:solidFill>
+              <a:latin typeface="+mn-lt"/>
+              <a:ea typeface="+mn-ea"/>
+              <a:cs typeface="+mn-cs"/>
+            </a:defRPr>
+          </a:pPr>
+          <a:endParaRPr lang="en-US"/>
+        </a:p>
+      </c:txPr>
+    </c:legend>
+    <c:plotVisOnly val="1"/>
+    <c:dispBlanksAs val="zero"/>
+    <c:extLst>
+      <c:ext xmlns:c16r3="http://schemas.microsoft.com/office/drawing/2017/03/chart" uri="{56B9EC1D-385E-4148-901F-78D8002777C0}">
+        <c16r3:dataDisplayOptions16>
+          <c16r3:dispNaAsBlank val="1"/>
+        </c16r3:dataDisplayOptions16>
+      </c:ext>
+    </c:extLst>
+    <c:showDLblsOverMax val="0"/>
+  </c:chart>
+  <c:spPr>
+    <a:noFill/>
+    <a:ln>
+      <a:noFill/>
+    </a:ln>
+    <a:effectLst/>
+  </c:spPr>
+  <c:txPr>
+    <a:bodyPr/>
+    <a:lstStyle/>
+    <a:p>
+      <a:pPr>
+        <a:defRPr/>
+      </a:pPr>
+      <a:endParaRPr lang="en-US"/>
+    </a:p>
+  </c:txPr>
+  <c:externalData r:id="rId3">
+    <c:autoUpdate val="0"/>
+  </c:externalData>
+</c:chartSpace>
+</file>
+
+<file path=ppt/charts/chart2.xml><?xml version="1.0" encoding="utf-8"?>
+<c:chartSpace xmlns:c="http://schemas.openxmlformats.org/drawingml/2006/chart" xmlns:a="http://schemas.openxmlformats.org/drawingml/2006/main" xmlns:r="http://schemas.openxmlformats.org/officeDocument/2006/relationships" xmlns:c16r2="http://schemas.microsoft.com/office/drawing/2015/06/chart">
+  <c:date1904 val="0"/>
+  <c:lang val="en-US"/>
+  <c:roundedCorners val="0"/>
+  <mc:AlternateContent xmlns:mc="http://schemas.openxmlformats.org/markup-compatibility/2006">
+    <mc:Choice xmlns:c14="http://schemas.microsoft.com/office/drawing/2007/8/2/chart" Requires="c14">
+      <c14:style val="102"/>
+    </mc:Choice>
+    <mc:Fallback>
+      <c:style val="2"/>
+    </mc:Fallback>
+  </mc:AlternateContent>
+  <c:chart>
+    <c:autoTitleDeleted val="1"/>
+    <c:plotArea>
+      <c:layout/>
+      <c:scatterChart>
+        <c:scatterStyle val="lineMarker"/>
+        <c:varyColors val="0"/>
+        <c:ser>
+          <c:idx val="0"/>
+          <c:order val="0"/>
+          <c:tx>
+            <c:strRef>
+              <c:f>Year!$B$1</c:f>
+              <c:strCache>
+                <c:ptCount val="1"/>
+                <c:pt idx="0">
+                  <c:v>Total Serious Injuries</c:v>
+                </c:pt>
+              </c:strCache>
+            </c:strRef>
+          </c:tx>
+          <c:spPr>
+            <a:ln w="19050" cap="rnd">
+              <a:noFill/>
+              <a:round/>
+            </a:ln>
+            <a:effectLst/>
+          </c:spPr>
+          <c:marker>
+            <c:symbol val="circle"/>
+            <c:size val="5"/>
+            <c:spPr>
+              <a:solidFill>
+                <a:schemeClr val="accent1"/>
+              </a:solidFill>
+              <a:ln w="9525">
+                <a:solidFill>
+                  <a:schemeClr val="accent1"/>
+                </a:solidFill>
+              </a:ln>
+              <a:effectLst/>
+            </c:spPr>
+          </c:marker>
+          <c:xVal>
+            <c:numRef>
+              <c:f>Year!$A$2:$A$45</c:f>
+              <c:numCache>
+                <c:formatCode>General</c:formatCode>
+                <c:ptCount val="44"/>
+                <c:pt idx="0">
+                  <c:v>1948</c:v>
+                </c:pt>
+                <c:pt idx="1">
+                  <c:v>1962</c:v>
+                </c:pt>
+                <c:pt idx="2">
+                  <c:v>1974</c:v>
+                </c:pt>
+                <c:pt idx="3">
+                  <c:v>1977</c:v>
+                </c:pt>
+                <c:pt idx="4">
+                  <c:v>1979</c:v>
+                </c:pt>
+                <c:pt idx="5">
+                  <c:v>1981</c:v>
+                </c:pt>
+                <c:pt idx="6">
+                  <c:v>1982</c:v>
+                </c:pt>
+                <c:pt idx="7">
+                  <c:v>1983</c:v>
+                </c:pt>
+                <c:pt idx="8">
+                  <c:v>1984</c:v>
+                </c:pt>
+                <c:pt idx="9">
+                  <c:v>1985</c:v>
+                </c:pt>
+                <c:pt idx="10">
+                  <c:v>1986</c:v>
+                </c:pt>
+                <c:pt idx="11">
+                  <c:v>1987</c:v>
+                </c:pt>
+                <c:pt idx="12">
+                  <c:v>1988</c:v>
+                </c:pt>
+                <c:pt idx="13">
+                  <c:v>1989</c:v>
+                </c:pt>
+                <c:pt idx="14">
+                  <c:v>1990</c:v>
+                </c:pt>
+                <c:pt idx="15">
+                  <c:v>1991</c:v>
+                </c:pt>
+                <c:pt idx="16">
+                  <c:v>1992</c:v>
+                </c:pt>
+                <c:pt idx="17">
+                  <c:v>1993</c:v>
+                </c:pt>
+                <c:pt idx="18">
+                  <c:v>1994</c:v>
+                </c:pt>
+                <c:pt idx="19">
+                  <c:v>1995</c:v>
+                </c:pt>
+                <c:pt idx="20">
+                  <c:v>1996</c:v>
+                </c:pt>
+                <c:pt idx="21">
+                  <c:v>1997</c:v>
+                </c:pt>
+                <c:pt idx="22">
+                  <c:v>1998</c:v>
+                </c:pt>
+                <c:pt idx="23">
+                  <c:v>1999</c:v>
+                </c:pt>
+                <c:pt idx="24">
+                  <c:v>2000</c:v>
+                </c:pt>
+                <c:pt idx="25">
+                  <c:v>2001</c:v>
+                </c:pt>
+                <c:pt idx="26">
+                  <c:v>2002</c:v>
+                </c:pt>
+                <c:pt idx="27">
+                  <c:v>2003</c:v>
+                </c:pt>
+                <c:pt idx="28">
+                  <c:v>2004</c:v>
+                </c:pt>
+                <c:pt idx="29">
+                  <c:v>2005</c:v>
+                </c:pt>
+                <c:pt idx="30">
+                  <c:v>2006</c:v>
+                </c:pt>
+                <c:pt idx="31">
+                  <c:v>2007</c:v>
+                </c:pt>
+                <c:pt idx="32">
+                  <c:v>2008</c:v>
+                </c:pt>
+                <c:pt idx="33">
+                  <c:v>2009</c:v>
+                </c:pt>
+                <c:pt idx="34">
+                  <c:v>2010</c:v>
+                </c:pt>
+                <c:pt idx="35">
+                  <c:v>2011</c:v>
+                </c:pt>
+                <c:pt idx="36">
+                  <c:v>2012</c:v>
+                </c:pt>
+                <c:pt idx="37">
+                  <c:v>2013</c:v>
+                </c:pt>
+                <c:pt idx="38">
+                  <c:v>2014</c:v>
+                </c:pt>
+                <c:pt idx="39">
+                  <c:v>2015</c:v>
+                </c:pt>
+                <c:pt idx="40">
+                  <c:v>2016</c:v>
+                </c:pt>
+                <c:pt idx="41">
+                  <c:v>2017</c:v>
+                </c:pt>
+                <c:pt idx="42">
+                  <c:v>2018</c:v>
+                </c:pt>
+                <c:pt idx="43">
+                  <c:v>2019</c:v>
+                </c:pt>
+              </c:numCache>
+            </c:numRef>
+          </c:xVal>
+          <c:yVal>
+            <c:numRef>
+              <c:f>Year!$B$2:$B$45</c:f>
+              <c:numCache>
+                <c:formatCode>General</c:formatCode>
+                <c:ptCount val="44"/>
+                <c:pt idx="0">
+                  <c:v>0</c:v>
+                </c:pt>
+                <c:pt idx="1">
+                  <c:v>0</c:v>
+                </c:pt>
+                <c:pt idx="3">
+                  <c:v>0</c:v>
+                </c:pt>
+                <c:pt idx="4">
+                  <c:v>2</c:v>
+                </c:pt>
+                <c:pt idx="5">
+                  <c:v>0</c:v>
+                </c:pt>
+                <c:pt idx="6">
+                  <c:v>727</c:v>
+                </c:pt>
+                <c:pt idx="7">
+                  <c:v>673</c:v>
+                </c:pt>
+                <c:pt idx="8">
+                  <c:v>697</c:v>
+                </c:pt>
+                <c:pt idx="9">
+                  <c:v>612</c:v>
+                </c:pt>
+                <c:pt idx="10">
+                  <c:v>619</c:v>
+                </c:pt>
+                <c:pt idx="11">
+                  <c:v>554</c:v>
+                </c:pt>
+                <c:pt idx="12">
+                  <c:v>620</c:v>
+                </c:pt>
+                <c:pt idx="13">
+                  <c:v>518</c:v>
+                </c:pt>
+                <c:pt idx="14">
+                  <c:v>589</c:v>
+                </c:pt>
+                <c:pt idx="15">
+                  <c:v>535</c:v>
+                </c:pt>
+                <c:pt idx="16">
+                  <c:v>609</c:v>
+                </c:pt>
+                <c:pt idx="17">
+                  <c:v>505</c:v>
+                </c:pt>
+                <c:pt idx="18">
+                  <c:v>529</c:v>
+                </c:pt>
+                <c:pt idx="19">
+                  <c:v>480</c:v>
+                </c:pt>
+                <c:pt idx="20">
+                  <c:v>532</c:v>
+                </c:pt>
+                <c:pt idx="21">
+                  <c:v>497</c:v>
+                </c:pt>
+                <c:pt idx="22">
+                  <c:v>388</c:v>
+                </c:pt>
+                <c:pt idx="23">
+                  <c:v>491</c:v>
+                </c:pt>
+                <c:pt idx="24">
+                  <c:v>501</c:v>
+                </c:pt>
+                <c:pt idx="25">
+                  <c:v>478</c:v>
+                </c:pt>
+                <c:pt idx="26">
+                  <c:v>432</c:v>
+                </c:pt>
+                <c:pt idx="27">
+                  <c:v>480</c:v>
+                </c:pt>
+                <c:pt idx="28">
+                  <c:v>457</c:v>
+                </c:pt>
+                <c:pt idx="29">
+                  <c:v>426</c:v>
+                </c:pt>
+                <c:pt idx="30">
+                  <c:v>420</c:v>
+                </c:pt>
+                <c:pt idx="31">
+                  <c:v>402</c:v>
+                </c:pt>
+                <c:pt idx="32">
+                  <c:v>511</c:v>
+                </c:pt>
+                <c:pt idx="33">
+                  <c:v>381</c:v>
+                </c:pt>
+                <c:pt idx="34">
+                  <c:v>343</c:v>
+                </c:pt>
+                <c:pt idx="35">
+                  <c:v>432</c:v>
+                </c:pt>
+                <c:pt idx="36">
+                  <c:v>336</c:v>
+                </c:pt>
+                <c:pt idx="37">
+                  <c:v>358</c:v>
+                </c:pt>
+                <c:pt idx="38">
+                  <c:v>321</c:v>
+                </c:pt>
+                <c:pt idx="39">
+                  <c:v>364</c:v>
+                </c:pt>
+                <c:pt idx="40">
+                  <c:v>298</c:v>
+                </c:pt>
+                <c:pt idx="41">
+                  <c:v>294</c:v>
+                </c:pt>
+                <c:pt idx="42">
+                  <c:v>334</c:v>
+                </c:pt>
+                <c:pt idx="43">
+                  <c:v>295</c:v>
+                </c:pt>
+              </c:numCache>
+            </c:numRef>
+          </c:yVal>
+          <c:smooth val="0"/>
+          <c:extLst>
+            <c:ext xmlns:c16="http://schemas.microsoft.com/office/drawing/2014/chart" uri="{C3380CC4-5D6E-409C-BE32-E72D297353CC}">
+              <c16:uniqueId val="{00000000-276B-4FBC-B25B-5B0D7244640F}"/>
+            </c:ext>
+          </c:extLst>
+        </c:ser>
+        <c:ser>
+          <c:idx val="1"/>
+          <c:order val="1"/>
+          <c:tx>
+            <c:strRef>
+              <c:f>Year!$C$1</c:f>
+              <c:strCache>
+                <c:ptCount val="1"/>
+                <c:pt idx="0">
+                  <c:v>Total Fatal Injuries</c:v>
+                </c:pt>
+              </c:strCache>
+            </c:strRef>
+          </c:tx>
+          <c:spPr>
+            <a:ln w="19050" cap="rnd">
+              <a:noFill/>
+              <a:round/>
+            </a:ln>
+            <a:effectLst/>
+          </c:spPr>
+          <c:marker>
+            <c:symbol val="circle"/>
+            <c:size val="5"/>
+            <c:spPr>
+              <a:solidFill>
+                <a:schemeClr val="accent2"/>
+              </a:solidFill>
+              <a:ln w="9525">
+                <a:solidFill>
+                  <a:schemeClr val="accent2"/>
+                </a:solidFill>
+              </a:ln>
+              <a:effectLst/>
+            </c:spPr>
+          </c:marker>
+          <c:xVal>
+            <c:numRef>
+              <c:f>Year!$A$2:$A$45</c:f>
+              <c:numCache>
+                <c:formatCode>General</c:formatCode>
+                <c:ptCount val="44"/>
+                <c:pt idx="0">
+                  <c:v>1948</c:v>
+                </c:pt>
+                <c:pt idx="1">
+                  <c:v>1962</c:v>
+                </c:pt>
+                <c:pt idx="2">
+                  <c:v>1974</c:v>
+                </c:pt>
+                <c:pt idx="3">
+                  <c:v>1977</c:v>
+                </c:pt>
+                <c:pt idx="4">
+                  <c:v>1979</c:v>
+                </c:pt>
+                <c:pt idx="5">
+                  <c:v>1981</c:v>
+                </c:pt>
+                <c:pt idx="6">
+                  <c:v>1982</c:v>
+                </c:pt>
+                <c:pt idx="7">
+                  <c:v>1983</c:v>
+                </c:pt>
+                <c:pt idx="8">
+                  <c:v>1984</c:v>
+                </c:pt>
+                <c:pt idx="9">
+                  <c:v>1985</c:v>
+                </c:pt>
+                <c:pt idx="10">
+                  <c:v>1986</c:v>
+                </c:pt>
+                <c:pt idx="11">
+                  <c:v>1987</c:v>
+                </c:pt>
+                <c:pt idx="12">
+                  <c:v>1988</c:v>
+                </c:pt>
+                <c:pt idx="13">
+                  <c:v>1989</c:v>
+                </c:pt>
+                <c:pt idx="14">
+                  <c:v>1990</c:v>
+                </c:pt>
+                <c:pt idx="15">
+                  <c:v>1991</c:v>
+                </c:pt>
+                <c:pt idx="16">
+                  <c:v>1992</c:v>
+                </c:pt>
+                <c:pt idx="17">
+                  <c:v>1993</c:v>
+                </c:pt>
+                <c:pt idx="18">
+                  <c:v>1994</c:v>
+                </c:pt>
+                <c:pt idx="19">
+                  <c:v>1995</c:v>
+                </c:pt>
+                <c:pt idx="20">
+                  <c:v>1996</c:v>
+                </c:pt>
+                <c:pt idx="21">
+                  <c:v>1997</c:v>
+                </c:pt>
+                <c:pt idx="22">
+                  <c:v>1998</c:v>
+                </c:pt>
+                <c:pt idx="23">
+                  <c:v>1999</c:v>
+                </c:pt>
+                <c:pt idx="24">
+                  <c:v>2000</c:v>
+                </c:pt>
+                <c:pt idx="25">
+                  <c:v>2001</c:v>
+                </c:pt>
+                <c:pt idx="26">
+                  <c:v>2002</c:v>
+                </c:pt>
+                <c:pt idx="27">
+                  <c:v>2003</c:v>
+                </c:pt>
+                <c:pt idx="28">
+                  <c:v>2004</c:v>
+                </c:pt>
+                <c:pt idx="29">
+                  <c:v>2005</c:v>
+                </c:pt>
+                <c:pt idx="30">
+                  <c:v>2006</c:v>
+                </c:pt>
+                <c:pt idx="31">
+                  <c:v>2007</c:v>
+                </c:pt>
+                <c:pt idx="32">
+                  <c:v>2008</c:v>
+                </c:pt>
+                <c:pt idx="33">
+                  <c:v>2009</c:v>
+                </c:pt>
+                <c:pt idx="34">
+                  <c:v>2010</c:v>
+                </c:pt>
+                <c:pt idx="35">
+                  <c:v>2011</c:v>
+                </c:pt>
+                <c:pt idx="36">
+                  <c:v>2012</c:v>
+                </c:pt>
+                <c:pt idx="37">
+                  <c:v>2013</c:v>
+                </c:pt>
+                <c:pt idx="38">
+                  <c:v>2014</c:v>
+                </c:pt>
+                <c:pt idx="39">
+                  <c:v>2015</c:v>
+                </c:pt>
+                <c:pt idx="40">
+                  <c:v>2016</c:v>
+                </c:pt>
+                <c:pt idx="41">
+                  <c:v>2017</c:v>
+                </c:pt>
+                <c:pt idx="42">
+                  <c:v>2018</c:v>
+                </c:pt>
+                <c:pt idx="43">
+                  <c:v>2019</c:v>
+                </c:pt>
+              </c:numCache>
+            </c:numRef>
+          </c:xVal>
+          <c:yVal>
+            <c:numRef>
+              <c:f>Year!$C$2:$C$45</c:f>
+              <c:numCache>
+                <c:formatCode>General</c:formatCode>
+                <c:ptCount val="44"/>
+                <c:pt idx="0">
+                  <c:v>2</c:v>
+                </c:pt>
+                <c:pt idx="1">
+                  <c:v>4</c:v>
+                </c:pt>
+                <c:pt idx="2">
+                  <c:v>3</c:v>
+                </c:pt>
+                <c:pt idx="3">
+                  <c:v>2</c:v>
+                </c:pt>
+                <c:pt idx="4">
+                  <c:v>1</c:v>
+                </c:pt>
+                <c:pt idx="5">
+                  <c:v>4</c:v>
+                </c:pt>
+                <c:pt idx="6">
+                  <c:v>1585</c:v>
+                </c:pt>
+                <c:pt idx="7">
+                  <c:v>1273</c:v>
+                </c:pt>
+                <c:pt idx="8">
+                  <c:v>1229</c:v>
+                </c:pt>
+                <c:pt idx="9">
+                  <c:v>1648</c:v>
+                </c:pt>
+                <c:pt idx="10">
+                  <c:v>1180</c:v>
+                </c:pt>
+                <c:pt idx="11">
+                  <c:v>1237</c:v>
+                </c:pt>
+                <c:pt idx="12">
+                  <c:v>1195</c:v>
+                </c:pt>
+                <c:pt idx="13">
+                  <c:v>1532</c:v>
+                </c:pt>
+                <c:pt idx="14">
+                  <c:v>999</c:v>
+                </c:pt>
+                <c:pt idx="15">
+                  <c:v>1087</c:v>
+                </c:pt>
+                <c:pt idx="16">
+                  <c:v>1273</c:v>
+                </c:pt>
+                <c:pt idx="17">
+                  <c:v>865</c:v>
+                </c:pt>
+                <c:pt idx="18">
+                  <c:v>1183</c:v>
+                </c:pt>
+                <c:pt idx="19">
+                  <c:v>1236</c:v>
+                </c:pt>
+                <c:pt idx="20">
+                  <c:v>2533</c:v>
+                </c:pt>
+                <c:pt idx="21">
+                  <c:v>1296</c:v>
+                </c:pt>
+                <c:pt idx="22">
+                  <c:v>1325</c:v>
+                </c:pt>
+                <c:pt idx="23">
+                  <c:v>1221</c:v>
+                </c:pt>
+                <c:pt idx="24">
+                  <c:v>1765</c:v>
+                </c:pt>
+                <c:pt idx="25">
+                  <c:v>1709</c:v>
+                </c:pt>
+                <c:pt idx="26">
+                  <c:v>1386</c:v>
+                </c:pt>
+                <c:pt idx="27">
+                  <c:v>1374</c:v>
+                </c:pt>
+                <c:pt idx="28">
+                  <c:v>978</c:v>
+                </c:pt>
+                <c:pt idx="29">
+                  <c:v>1689</c:v>
+                </c:pt>
+                <c:pt idx="30">
+                  <c:v>1489</c:v>
+                </c:pt>
+                <c:pt idx="31">
+                  <c:v>1335</c:v>
+                </c:pt>
+                <c:pt idx="32">
+                  <c:v>1293</c:v>
+                </c:pt>
+                <c:pt idx="33">
+                  <c:v>1209</c:v>
+                </c:pt>
+                <c:pt idx="34">
+                  <c:v>1390</c:v>
+                </c:pt>
+                <c:pt idx="35">
+                  <c:v>959</c:v>
+                </c:pt>
+                <c:pt idx="36">
+                  <c:v>1007</c:v>
+                </c:pt>
+                <c:pt idx="37">
+                  <c:v>839</c:v>
+                </c:pt>
+                <c:pt idx="38">
+                  <c:v>1438</c:v>
+                </c:pt>
+                <c:pt idx="39">
+                  <c:v>1112</c:v>
+                </c:pt>
+                <c:pt idx="40">
+                  <c:v>835</c:v>
+                </c:pt>
+                <c:pt idx="41">
+                  <c:v>677</c:v>
+                </c:pt>
+                <c:pt idx="42">
+                  <c:v>1050</c:v>
+                </c:pt>
+                <c:pt idx="43">
+                  <c:v>917</c:v>
+                </c:pt>
+              </c:numCache>
+            </c:numRef>
+          </c:yVal>
+          <c:smooth val="0"/>
+          <c:extLst>
+            <c:ext xmlns:c16="http://schemas.microsoft.com/office/drawing/2014/chart" uri="{C3380CC4-5D6E-409C-BE32-E72D297353CC}">
+              <c16:uniqueId val="{00000001-276B-4FBC-B25B-5B0D7244640F}"/>
+            </c:ext>
+          </c:extLst>
+        </c:ser>
+        <c:ser>
+          <c:idx val="2"/>
+          <c:order val="2"/>
+          <c:tx>
+            <c:strRef>
+              <c:f>Year!$D$1</c:f>
+              <c:strCache>
+                <c:ptCount val="1"/>
+                <c:pt idx="0">
+                  <c:v>Total Minor Injuries</c:v>
+                </c:pt>
+              </c:strCache>
+            </c:strRef>
+          </c:tx>
+          <c:spPr>
+            <a:ln w="19050" cap="rnd">
+              <a:noFill/>
+              <a:round/>
+            </a:ln>
+            <a:effectLst/>
+          </c:spPr>
+          <c:marker>
+            <c:symbol val="circle"/>
+            <c:size val="5"/>
+            <c:spPr>
+              <a:solidFill>
+                <a:schemeClr val="accent3"/>
+              </a:solidFill>
+              <a:ln w="9525">
+                <a:solidFill>
+                  <a:schemeClr val="accent3"/>
+                </a:solidFill>
+              </a:ln>
+              <a:effectLst/>
+            </c:spPr>
+          </c:marker>
+          <c:xVal>
+            <c:numRef>
+              <c:f>Year!$A$2:$A$45</c:f>
+              <c:numCache>
+                <c:formatCode>General</c:formatCode>
+                <c:ptCount val="44"/>
+                <c:pt idx="0">
+                  <c:v>1948</c:v>
+                </c:pt>
+                <c:pt idx="1">
+                  <c:v>1962</c:v>
+                </c:pt>
+                <c:pt idx="2">
+                  <c:v>1974</c:v>
+                </c:pt>
+                <c:pt idx="3">
+                  <c:v>1977</c:v>
+                </c:pt>
+                <c:pt idx="4">
+                  <c:v>1979</c:v>
+                </c:pt>
+                <c:pt idx="5">
+                  <c:v>1981</c:v>
+                </c:pt>
+                <c:pt idx="6">
+                  <c:v>1982</c:v>
+                </c:pt>
+                <c:pt idx="7">
+                  <c:v>1983</c:v>
+                </c:pt>
+                <c:pt idx="8">
+                  <c:v>1984</c:v>
+                </c:pt>
+                <c:pt idx="9">
+                  <c:v>1985</c:v>
+                </c:pt>
+                <c:pt idx="10">
+                  <c:v>1986</c:v>
+                </c:pt>
+                <c:pt idx="11">
+                  <c:v>1987</c:v>
+                </c:pt>
+                <c:pt idx="12">
+                  <c:v>1988</c:v>
+                </c:pt>
+                <c:pt idx="13">
+                  <c:v>1989</c:v>
+                </c:pt>
+                <c:pt idx="14">
+                  <c:v>1990</c:v>
+                </c:pt>
+                <c:pt idx="15">
+                  <c:v>1991</c:v>
+                </c:pt>
+                <c:pt idx="16">
+                  <c:v>1992</c:v>
+                </c:pt>
+                <c:pt idx="17">
+                  <c:v>1993</c:v>
+                </c:pt>
+                <c:pt idx="18">
+                  <c:v>1994</c:v>
+                </c:pt>
+                <c:pt idx="19">
+                  <c:v>1995</c:v>
+                </c:pt>
+                <c:pt idx="20">
+                  <c:v>1996</c:v>
+                </c:pt>
+                <c:pt idx="21">
+                  <c:v>1997</c:v>
+                </c:pt>
+                <c:pt idx="22">
+                  <c:v>1998</c:v>
+                </c:pt>
+                <c:pt idx="23">
+                  <c:v>1999</c:v>
+                </c:pt>
+                <c:pt idx="24">
+                  <c:v>2000</c:v>
+                </c:pt>
+                <c:pt idx="25">
+                  <c:v>2001</c:v>
+                </c:pt>
+                <c:pt idx="26">
+                  <c:v>2002</c:v>
+                </c:pt>
+                <c:pt idx="27">
+                  <c:v>2003</c:v>
+                </c:pt>
+                <c:pt idx="28">
+                  <c:v>2004</c:v>
+                </c:pt>
+                <c:pt idx="29">
+                  <c:v>2005</c:v>
+                </c:pt>
+                <c:pt idx="30">
+                  <c:v>2006</c:v>
+                </c:pt>
+                <c:pt idx="31">
+                  <c:v>2007</c:v>
+                </c:pt>
+                <c:pt idx="32">
+                  <c:v>2008</c:v>
+                </c:pt>
+                <c:pt idx="33">
+                  <c:v>2009</c:v>
+                </c:pt>
+                <c:pt idx="34">
+                  <c:v>2010</c:v>
+                </c:pt>
+                <c:pt idx="35">
+                  <c:v>2011</c:v>
+                </c:pt>
+                <c:pt idx="36">
+                  <c:v>2012</c:v>
+                </c:pt>
+                <c:pt idx="37">
+                  <c:v>2013</c:v>
+                </c:pt>
+                <c:pt idx="38">
+                  <c:v>2014</c:v>
+                </c:pt>
+                <c:pt idx="39">
+                  <c:v>2015</c:v>
+                </c:pt>
+                <c:pt idx="40">
+                  <c:v>2016</c:v>
+                </c:pt>
+                <c:pt idx="41">
+                  <c:v>2017</c:v>
+                </c:pt>
+                <c:pt idx="42">
+                  <c:v>2018</c:v>
+                </c:pt>
+                <c:pt idx="43">
+                  <c:v>2019</c:v>
+                </c:pt>
+              </c:numCache>
+            </c:numRef>
+          </c:xVal>
+          <c:yVal>
+            <c:numRef>
+              <c:f>Year!$D$2:$D$45</c:f>
+              <c:numCache>
+                <c:formatCode>General</c:formatCode>
+                <c:ptCount val="44"/>
+                <c:pt idx="0">
+                  <c:v>0</c:v>
+                </c:pt>
+                <c:pt idx="1">
+                  <c:v>0</c:v>
+                </c:pt>
+                <c:pt idx="3">
+                  <c:v>0</c:v>
+                </c:pt>
+                <c:pt idx="4">
+                  <c:v>1</c:v>
+                </c:pt>
+                <c:pt idx="5">
+                  <c:v>0</c:v>
+                </c:pt>
+                <c:pt idx="6">
+                  <c:v>998</c:v>
+                </c:pt>
+                <c:pt idx="7">
+                  <c:v>1048</c:v>
+                </c:pt>
+                <c:pt idx="8">
+                  <c:v>1047</c:v>
+                </c:pt>
+                <c:pt idx="9">
+                  <c:v>1108</c:v>
+                </c:pt>
+                <c:pt idx="10">
+                  <c:v>970</c:v>
+                </c:pt>
+                <c:pt idx="11">
+                  <c:v>936</c:v>
+                </c:pt>
+                <c:pt idx="12">
+                  <c:v>1117</c:v>
+                </c:pt>
+                <c:pt idx="13">
+                  <c:v>1029</c:v>
+                </c:pt>
+                <c:pt idx="14">
+                  <c:v>908</c:v>
+                </c:pt>
+                <c:pt idx="15">
+                  <c:v>913</c:v>
+                </c:pt>
+                <c:pt idx="16">
+                  <c:v>775</c:v>
+                </c:pt>
+                <c:pt idx="17">
+                  <c:v>910</c:v>
+                </c:pt>
+                <c:pt idx="18">
+                  <c:v>763</c:v>
+                </c:pt>
+                <c:pt idx="19">
+                  <c:v>731</c:v>
+                </c:pt>
+                <c:pt idx="20">
+                  <c:v>729</c:v>
+                </c:pt>
+                <c:pt idx="21">
+                  <c:v>1026</c:v>
+                </c:pt>
+                <c:pt idx="22">
+                  <c:v>807</c:v>
+                </c:pt>
+                <c:pt idx="23">
+                  <c:v>1206</c:v>
+                </c:pt>
+                <c:pt idx="24">
+                  <c:v>1256</c:v>
+                </c:pt>
+                <c:pt idx="25">
+                  <c:v>612</c:v>
+                </c:pt>
+                <c:pt idx="26">
+                  <c:v>706</c:v>
+                </c:pt>
+                <c:pt idx="27">
+                  <c:v>772</c:v>
+                </c:pt>
+                <c:pt idx="28">
+                  <c:v>603</c:v>
+                </c:pt>
+                <c:pt idx="29">
+                  <c:v>620</c:v>
+                </c:pt>
+                <c:pt idx="30">
+                  <c:v>473</c:v>
+                </c:pt>
+                <c:pt idx="31">
+                  <c:v>543</c:v>
+                </c:pt>
+                <c:pt idx="32">
+                  <c:v>786</c:v>
+                </c:pt>
+                <c:pt idx="33">
+                  <c:v>625</c:v>
+                </c:pt>
+                <c:pt idx="34">
+                  <c:v>589</c:v>
+                </c:pt>
+                <c:pt idx="35">
+                  <c:v>488</c:v>
+                </c:pt>
+                <c:pt idx="36">
+                  <c:v>464</c:v>
+                </c:pt>
+                <c:pt idx="37">
+                  <c:v>671</c:v>
+                </c:pt>
+                <c:pt idx="38">
+                  <c:v>469</c:v>
+                </c:pt>
+                <c:pt idx="39">
+                  <c:v>473</c:v>
+                </c:pt>
+                <c:pt idx="40">
+                  <c:v>467</c:v>
+                </c:pt>
+                <c:pt idx="41">
+                  <c:v>406</c:v>
+                </c:pt>
+                <c:pt idx="42">
+                  <c:v>451</c:v>
+                </c:pt>
+                <c:pt idx="43">
+                  <c:v>340</c:v>
+                </c:pt>
+              </c:numCache>
+            </c:numRef>
+          </c:yVal>
+          <c:smooth val="0"/>
+          <c:extLst>
+            <c:ext xmlns:c16="http://schemas.microsoft.com/office/drawing/2014/chart" uri="{C3380CC4-5D6E-409C-BE32-E72D297353CC}">
+              <c16:uniqueId val="{00000002-276B-4FBC-B25B-5B0D7244640F}"/>
+            </c:ext>
+          </c:extLst>
+        </c:ser>
+        <c:dLbls>
+          <c:showLegendKey val="0"/>
+          <c:showVal val="0"/>
+          <c:showCatName val="0"/>
+          <c:showSerName val="0"/>
+          <c:showPercent val="0"/>
+          <c:showBubbleSize val="0"/>
+        </c:dLbls>
+        <c:axId val="1362636863"/>
+        <c:axId val="638331087"/>
+      </c:scatterChart>
+      <c:valAx>
+        <c:axId val="1362636863"/>
+        <c:scaling>
+          <c:orientation val="minMax"/>
+        </c:scaling>
+        <c:delete val="0"/>
+        <c:axPos val="b"/>
+        <c:majorGridlines>
+          <c:spPr>
+            <a:ln w="9525" cap="flat" cmpd="sng" algn="ctr">
+              <a:solidFill>
+                <a:schemeClr val="tx1">
+                  <a:lumMod val="15000"/>
+                  <a:lumOff val="85000"/>
+                </a:schemeClr>
+              </a:solidFill>
+              <a:round/>
+            </a:ln>
+            <a:effectLst/>
+          </c:spPr>
+        </c:majorGridlines>
+        <c:majorTickMark val="none"/>
+        <c:minorTickMark val="none"/>
+        <c:tickLblPos val="nextTo"/>
+        <c:spPr>
+          <a:noFill/>
+          <a:ln w="9525" cap="flat" cmpd="sng" algn="ctr">
+            <a:solidFill>
+              <a:schemeClr val="tx1">
+                <a:lumMod val="25000"/>
+                <a:lumOff val="75000"/>
+              </a:schemeClr>
+            </a:solidFill>
+            <a:round/>
+          </a:ln>
+          <a:effectLst/>
+        </c:spPr>
+        <c:txPr>
+          <a:bodyPr rot="-60000000" spcFirstLastPara="1" vertOverflow="ellipsis" vert="horz" wrap="square" anchor="ctr" anchorCtr="1"/>
+          <a:lstStyle/>
+          <a:p>
+            <a:pPr>
+              <a:defRPr sz="900" b="0" i="0" u="none" strike="noStrike" kern="1200" baseline="0">
+                <a:solidFill>
+                  <a:schemeClr val="tx1">
+                    <a:lumMod val="65000"/>
+                    <a:lumOff val="35000"/>
+                  </a:schemeClr>
+                </a:solidFill>
+                <a:latin typeface="+mn-lt"/>
+                <a:ea typeface="+mn-ea"/>
+                <a:cs typeface="+mn-cs"/>
+              </a:defRPr>
+            </a:pPr>
+            <a:endParaRPr lang="en-US"/>
+          </a:p>
+        </c:txPr>
+        <c:crossAx val="638331087"/>
+        <c:crosses val="autoZero"/>
+        <c:crossBetween val="midCat"/>
+      </c:valAx>
+      <c:valAx>
+        <c:axId val="638331087"/>
+        <c:scaling>
+          <c:orientation val="minMax"/>
+        </c:scaling>
+        <c:delete val="0"/>
+        <c:axPos val="l"/>
+        <c:majorGridlines>
+          <c:spPr>
+            <a:ln w="9525" cap="flat" cmpd="sng" algn="ctr">
+              <a:solidFill>
+                <a:schemeClr val="tx1">
+                  <a:lumMod val="15000"/>
+                  <a:lumOff val="85000"/>
+                </a:schemeClr>
+              </a:solidFill>
+              <a:round/>
+            </a:ln>
+            <a:effectLst/>
+          </c:spPr>
+        </c:majorGridlines>
+        <c:numFmt formatCode="General" sourceLinked="1"/>
+        <c:majorTickMark val="none"/>
+        <c:minorTickMark val="none"/>
+        <c:tickLblPos val="nextTo"/>
+        <c:spPr>
+          <a:noFill/>
+          <a:ln w="9525" cap="flat" cmpd="sng" algn="ctr">
+            <a:solidFill>
+              <a:schemeClr val="tx1">
+                <a:lumMod val="25000"/>
+                <a:lumOff val="75000"/>
+              </a:schemeClr>
+            </a:solidFill>
+            <a:round/>
+          </a:ln>
+          <a:effectLst/>
+        </c:spPr>
+        <c:txPr>
+          <a:bodyPr rot="-60000000" spcFirstLastPara="1" vertOverflow="ellipsis" vert="horz" wrap="square" anchor="ctr" anchorCtr="1"/>
+          <a:lstStyle/>
+          <a:p>
+            <a:pPr>
+              <a:defRPr sz="900" b="0" i="0" u="none" strike="noStrike" kern="1200" baseline="0">
+                <a:solidFill>
+                  <a:schemeClr val="tx1">
+                    <a:lumMod val="65000"/>
+                    <a:lumOff val="35000"/>
+                  </a:schemeClr>
+                </a:solidFill>
+                <a:latin typeface="+mn-lt"/>
+                <a:ea typeface="+mn-ea"/>
+                <a:cs typeface="+mn-cs"/>
+              </a:defRPr>
+            </a:pPr>
+            <a:endParaRPr lang="en-US"/>
+          </a:p>
+        </c:txPr>
+        <c:crossAx val="1362636863"/>
+        <c:crosses val="autoZero"/>
+        <c:crossBetween val="midCat"/>
+      </c:valAx>
+      <c:spPr>
+        <a:noFill/>
+        <a:ln>
+          <a:noFill/>
+        </a:ln>
+        <a:effectLst/>
+      </c:spPr>
+    </c:plotArea>
+    <c:legend>
+      <c:legendPos val="b"/>
+      <c:overlay val="0"/>
+      <c:spPr>
+        <a:noFill/>
+        <a:ln>
+          <a:noFill/>
+        </a:ln>
+        <a:effectLst/>
+      </c:spPr>
+      <c:txPr>
+        <a:bodyPr rot="0" spcFirstLastPara="1" vertOverflow="ellipsis" vert="horz" wrap="square" anchor="ctr" anchorCtr="1"/>
+        <a:lstStyle/>
+        <a:p>
+          <a:pPr>
+            <a:defRPr sz="900" b="0" i="0" u="none" strike="noStrike" kern="1200" baseline="0">
+              <a:solidFill>
+                <a:schemeClr val="tx1">
+                  <a:lumMod val="65000"/>
+                  <a:lumOff val="35000"/>
+                </a:schemeClr>
+              </a:solidFill>
+              <a:latin typeface="+mn-lt"/>
+              <a:ea typeface="+mn-ea"/>
+              <a:cs typeface="+mn-cs"/>
+            </a:defRPr>
+          </a:pPr>
+          <a:endParaRPr lang="en-US"/>
+        </a:p>
+      </c:txPr>
+    </c:legend>
+    <c:plotVisOnly val="1"/>
+    <c:dispBlanksAs val="gap"/>
+    <c:extLst>
+      <c:ext xmlns:c16r3="http://schemas.microsoft.com/office/drawing/2017/03/chart" uri="{56B9EC1D-385E-4148-901F-78D8002777C0}">
+        <c16r3:dataDisplayOptions16>
+          <c16r3:dispNaAsBlank val="1"/>
+        </c16r3:dataDisplayOptions16>
+      </c:ext>
+    </c:extLst>
+    <c:showDLblsOverMax val="0"/>
+  </c:chart>
+  <c:spPr>
+    <a:noFill/>
+    <a:ln>
+      <a:noFill/>
+    </a:ln>
+    <a:effectLst/>
+  </c:spPr>
+  <c:txPr>
+    <a:bodyPr/>
+    <a:lstStyle/>
+    <a:p>
+      <a:pPr>
+        <a:defRPr/>
+      </a:pPr>
+      <a:endParaRPr lang="en-US"/>
+    </a:p>
+  </c:txPr>
+  <c:externalData r:id="rId3">
+    <c:autoUpdate val="0"/>
+  </c:externalData>
+</c:chartSpace>
+</file>
+
+<file path=ppt/charts/chart3.xml><?xml version="1.0" encoding="utf-8"?>
+<c:chartSpace xmlns:c="http://schemas.openxmlformats.org/drawingml/2006/chart" xmlns:a="http://schemas.openxmlformats.org/drawingml/2006/main" xmlns:r="http://schemas.openxmlformats.org/officeDocument/2006/relationships" xmlns:c16r2="http://schemas.microsoft.com/office/drawing/2015/06/chart">
+  <c:date1904 val="0"/>
+  <c:lang val="en-US"/>
+  <c:roundedCorners val="0"/>
+  <mc:AlternateContent xmlns:mc="http://schemas.openxmlformats.org/markup-compatibility/2006">
+    <mc:Choice xmlns:c14="http://schemas.microsoft.com/office/drawing/2007/8/2/chart" Requires="c14">
+      <c14:style val="102"/>
+    </mc:Choice>
+    <mc:Fallback>
+      <c:style val="2"/>
+    </mc:Fallback>
+  </mc:AlternateContent>
+  <c:chart>
+    <c:title>
+      <c:tx>
+        <c:rich>
+          <a:bodyPr rot="0" spcFirstLastPara="1" vertOverflow="ellipsis" vert="horz" wrap="square" anchor="ctr" anchorCtr="1"/>
+          <a:lstStyle/>
+          <a:p>
+            <a:pPr>
+              <a:defRPr sz="1600" b="1" i="0" u="none" strike="noStrike" kern="1200" spc="100" baseline="0">
+                <a:solidFill>
+                  <a:schemeClr val="lt1">
+                    <a:lumMod val="95000"/>
+                  </a:schemeClr>
+                </a:solidFill>
+                <a:effectLst>
+                  <a:outerShdw blurRad="50800" dist="38100" dir="5400000" algn="t" rotWithShape="0">
+                    <a:prstClr val="black">
+                      <a:alpha val="40000"/>
+                    </a:prstClr>
+                  </a:outerShdw>
+                </a:effectLst>
+                <a:latin typeface="+mn-lt"/>
+                <a:ea typeface="+mn-ea"/>
+                <a:cs typeface="+mn-cs"/>
+              </a:defRPr>
+            </a:pPr>
+            <a:r>
+              <a:rPr lang="en-US"/>
+              <a:t>Total Injured</a:t>
+            </a:r>
+          </a:p>
+        </c:rich>
+      </c:tx>
+      <c:overlay val="0"/>
+      <c:spPr>
+        <a:noFill/>
+        <a:ln>
+          <a:noFill/>
+        </a:ln>
+        <a:effectLst/>
+      </c:spPr>
+      <c:txPr>
+        <a:bodyPr rot="0" spcFirstLastPara="1" vertOverflow="ellipsis" vert="horz" wrap="square" anchor="ctr" anchorCtr="1"/>
+        <a:lstStyle/>
+        <a:p>
+          <a:pPr>
+            <a:defRPr sz="1600" b="1" i="0" u="none" strike="noStrike" kern="1200" spc="100" baseline="0">
+              <a:solidFill>
+                <a:schemeClr val="lt1">
+                  <a:lumMod val="95000"/>
+                </a:schemeClr>
+              </a:solidFill>
+              <a:effectLst>
+                <a:outerShdw blurRad="50800" dist="38100" dir="5400000" algn="t" rotWithShape="0">
+                  <a:prstClr val="black">
+                    <a:alpha val="40000"/>
+                  </a:prstClr>
+                </a:outerShdw>
+              </a:effectLst>
+              <a:latin typeface="+mn-lt"/>
+              <a:ea typeface="+mn-ea"/>
+              <a:cs typeface="+mn-cs"/>
+            </a:defRPr>
+          </a:pPr>
+          <a:endParaRPr lang="en-US"/>
+        </a:p>
+      </c:txPr>
+    </c:title>
+    <c:autoTitleDeleted val="0"/>
+    <c:plotArea>
+      <c:layout/>
+      <c:areaChart>
+        <c:grouping val="standard"/>
+        <c:varyColors val="0"/>
+        <c:ser>
+          <c:idx val="0"/>
+          <c:order val="0"/>
+          <c:tx>
+            <c:strRef>
+              <c:f>Phase!$B$21</c:f>
+              <c:strCache>
+                <c:ptCount val="1"/>
+                <c:pt idx="0">
+                  <c:v>Total Injured</c:v>
+                </c:pt>
+              </c:strCache>
+            </c:strRef>
+          </c:tx>
+          <c:spPr>
+            <a:gradFill rotWithShape="1">
+              <a:gsLst>
+                <a:gs pos="0">
+                  <a:schemeClr val="accent1">
+                    <a:satMod val="103000"/>
+                    <a:lumMod val="102000"/>
+                    <a:tint val="94000"/>
+                  </a:schemeClr>
+                </a:gs>
+                <a:gs pos="50000">
+                  <a:schemeClr val="accent1">
+                    <a:satMod val="110000"/>
+                    <a:lumMod val="100000"/>
+                    <a:shade val="100000"/>
+                  </a:schemeClr>
+                </a:gs>
+                <a:gs pos="100000">
+                  <a:schemeClr val="accent1">
+                    <a:lumMod val="99000"/>
+                    <a:satMod val="120000"/>
+                    <a:shade val="78000"/>
+                  </a:schemeClr>
+                </a:gs>
+              </a:gsLst>
+              <a:lin ang="5400000" scaled="0"/>
+            </a:gradFill>
+            <a:ln>
+              <a:noFill/>
+            </a:ln>
+            <a:effectLst>
+              <a:outerShdw blurRad="57150" dist="19050" dir="5400000" algn="ctr" rotWithShape="0">
+                <a:srgbClr val="000000">
+                  <a:alpha val="63000"/>
+                </a:srgbClr>
+              </a:outerShdw>
+            </a:effectLst>
+          </c:spPr>
+          <c:dLbls>
+            <c:spPr>
+              <a:noFill/>
+              <a:ln>
+                <a:noFill/>
+              </a:ln>
+              <a:effectLst/>
+            </c:spPr>
+            <c:txPr>
+              <a:bodyPr rot="0" spcFirstLastPara="1" vertOverflow="ellipsis" vert="horz" wrap="square" lIns="38100" tIns="19050" rIns="38100" bIns="19050" anchor="ctr" anchorCtr="1">
+                <a:spAutoFit/>
+              </a:bodyPr>
+              <a:lstStyle/>
+              <a:p>
+                <a:pPr>
+                  <a:defRPr sz="900" b="0" i="0" u="none" strike="noStrike" kern="1200" baseline="0">
+                    <a:solidFill>
+                      <a:schemeClr val="lt1">
+                        <a:lumMod val="85000"/>
+                      </a:schemeClr>
+                    </a:solidFill>
+                    <a:latin typeface="+mn-lt"/>
+                    <a:ea typeface="+mn-ea"/>
+                    <a:cs typeface="+mn-cs"/>
+                  </a:defRPr>
+                </a:pPr>
+                <a:endParaRPr lang="en-US"/>
+              </a:p>
+            </c:txPr>
+            <c:showLegendKey val="0"/>
+            <c:showVal val="1"/>
+            <c:showCatName val="0"/>
+            <c:showSerName val="0"/>
+            <c:showPercent val="0"/>
+            <c:showBubbleSize val="0"/>
+            <c:showLeaderLines val="0"/>
+            <c:extLst>
+              <c:ext xmlns:c15="http://schemas.microsoft.com/office/drawing/2012/chart" uri="{CE6537A1-D6FC-4f65-9D91-7224C49458BB}">
+                <c15:showLeaderLines val="1"/>
+                <c15:leaderLines>
+                  <c:spPr>
+                    <a:ln w="9525">
+                      <a:solidFill>
+                        <a:schemeClr val="lt1">
+                          <a:lumMod val="95000"/>
+                          <a:alpha val="54000"/>
+                        </a:schemeClr>
+                      </a:solidFill>
+                    </a:ln>
+                    <a:effectLst/>
+                  </c:spPr>
+                </c15:leaderLines>
+              </c:ext>
+            </c:extLst>
+          </c:dLbls>
+          <c:cat>
+            <c:strRef>
+              <c:f>Phase!$A$22:$A$33</c:f>
+              <c:strCache>
+                <c:ptCount val="12"/>
+                <c:pt idx="0">
+                  <c:v>STANDING</c:v>
+                </c:pt>
+                <c:pt idx="1">
+                  <c:v>TAXI</c:v>
+                </c:pt>
+                <c:pt idx="2">
+                  <c:v>TAKEOFF</c:v>
+                </c:pt>
+                <c:pt idx="3">
+                  <c:v>CLIMB</c:v>
+                </c:pt>
+                <c:pt idx="4">
+                  <c:v>CRUISE</c:v>
+                </c:pt>
+                <c:pt idx="5">
+                  <c:v>DESCENT</c:v>
+                </c:pt>
+                <c:pt idx="6">
+                  <c:v>MANEUVERING</c:v>
+                </c:pt>
+                <c:pt idx="7">
+                  <c:v>APPROACH</c:v>
+                </c:pt>
+                <c:pt idx="8">
+                  <c:v>GO-AROUND</c:v>
+                </c:pt>
+                <c:pt idx="9">
+                  <c:v>LANDING</c:v>
+                </c:pt>
+                <c:pt idx="10">
+                  <c:v>OTHER</c:v>
+                </c:pt>
+                <c:pt idx="11">
+                  <c:v>UNKNOWN</c:v>
+                </c:pt>
+              </c:strCache>
+            </c:strRef>
+          </c:cat>
+          <c:val>
+            <c:numRef>
+              <c:f>Phase!$B$22:$B$33</c:f>
+              <c:numCache>
+                <c:formatCode>General</c:formatCode>
+                <c:ptCount val="12"/>
+                <c:pt idx="0">
+                  <c:v>24230</c:v>
+                </c:pt>
+                <c:pt idx="1">
+                  <c:v>48997</c:v>
+                </c:pt>
+                <c:pt idx="2">
+                  <c:v>59461</c:v>
+                </c:pt>
+                <c:pt idx="3">
+                  <c:v>22651</c:v>
+                </c:pt>
+                <c:pt idx="4">
+                  <c:v>50659</c:v>
+                </c:pt>
+                <c:pt idx="5">
+                  <c:v>25261</c:v>
+                </c:pt>
+                <c:pt idx="6">
+                  <c:v>6729</c:v>
+                </c:pt>
+                <c:pt idx="7">
+                  <c:v>27075</c:v>
+                </c:pt>
+                <c:pt idx="8">
+                  <c:v>2734</c:v>
+                </c:pt>
+                <c:pt idx="9">
+                  <c:v>65824</c:v>
+                </c:pt>
+                <c:pt idx="10">
+                  <c:v>697</c:v>
+                </c:pt>
+                <c:pt idx="11">
+                  <c:v>882</c:v>
+                </c:pt>
+              </c:numCache>
+            </c:numRef>
+          </c:val>
+          <c:extLst>
+            <c:ext xmlns:c16="http://schemas.microsoft.com/office/drawing/2014/chart" uri="{C3380CC4-5D6E-409C-BE32-E72D297353CC}">
+              <c16:uniqueId val="{00000000-C46A-4B95-A3DF-D114D5A86E30}"/>
+            </c:ext>
+          </c:extLst>
+        </c:ser>
+        <c:dLbls>
+          <c:showLegendKey val="0"/>
+          <c:showVal val="1"/>
+          <c:showCatName val="0"/>
+          <c:showSerName val="0"/>
+          <c:showPercent val="0"/>
+          <c:showBubbleSize val="0"/>
+        </c:dLbls>
+        <c:axId val="934741279"/>
+        <c:axId val="1328487551"/>
+      </c:areaChart>
+      <c:catAx>
+        <c:axId val="934741279"/>
+        <c:scaling>
+          <c:orientation val="minMax"/>
+        </c:scaling>
+        <c:delete val="0"/>
+        <c:axPos val="b"/>
+        <c:title>
+          <c:tx>
+            <c:rich>
+              <a:bodyPr rot="0" spcFirstLastPara="1" vertOverflow="ellipsis" vert="horz" wrap="square" anchor="ctr" anchorCtr="1"/>
+              <a:lstStyle/>
+              <a:p>
+                <a:pPr>
+                  <a:defRPr sz="900" b="1" i="0" u="none" strike="noStrike" kern="1200" cap="all" baseline="0">
+                    <a:solidFill>
+                      <a:schemeClr val="lt1">
+                        <a:lumMod val="85000"/>
+                      </a:schemeClr>
+                    </a:solidFill>
+                    <a:latin typeface="+mn-lt"/>
+                    <a:ea typeface="+mn-ea"/>
+                    <a:cs typeface="+mn-cs"/>
+                  </a:defRPr>
+                </a:pPr>
+                <a:r>
+                  <a:rPr lang="en-US"/>
+                  <a:t>Broad Phase of Flight</a:t>
+                </a:r>
+              </a:p>
+            </c:rich>
+          </c:tx>
+          <c:overlay val="0"/>
+          <c:spPr>
+            <a:noFill/>
+            <a:ln>
+              <a:noFill/>
+            </a:ln>
+            <a:effectLst/>
+          </c:spPr>
+          <c:txPr>
+            <a:bodyPr rot="0" spcFirstLastPara="1" vertOverflow="ellipsis" vert="horz" wrap="square" anchor="ctr" anchorCtr="1"/>
+            <a:lstStyle/>
+            <a:p>
+              <a:pPr>
+                <a:defRPr sz="900" b="1" i="0" u="none" strike="noStrike" kern="1200" cap="all" baseline="0">
+                  <a:solidFill>
+                    <a:schemeClr val="lt1">
+                      <a:lumMod val="85000"/>
+                    </a:schemeClr>
+                  </a:solidFill>
+                  <a:latin typeface="+mn-lt"/>
+                  <a:ea typeface="+mn-ea"/>
+                  <a:cs typeface="+mn-cs"/>
+                </a:defRPr>
+              </a:pPr>
+              <a:endParaRPr lang="en-US"/>
+            </a:p>
+          </c:txPr>
+        </c:title>
+        <c:numFmt formatCode="General" sourceLinked="1"/>
+        <c:majorTickMark val="out"/>
+        <c:minorTickMark val="none"/>
+        <c:tickLblPos val="nextTo"/>
+        <c:spPr>
+          <a:noFill/>
+          <a:ln w="12700" cap="flat" cmpd="sng" algn="ctr">
+            <a:solidFill>
+              <a:schemeClr val="lt1">
+                <a:lumMod val="95000"/>
+                <a:alpha val="54000"/>
+              </a:schemeClr>
+            </a:solidFill>
+            <a:round/>
+          </a:ln>
+          <a:effectLst/>
+        </c:spPr>
+        <c:txPr>
+          <a:bodyPr rot="-60000000" spcFirstLastPara="1" vertOverflow="ellipsis" vert="horz" wrap="square" anchor="ctr" anchorCtr="1"/>
+          <a:lstStyle/>
+          <a:p>
+            <a:pPr>
+              <a:defRPr sz="900" b="0" i="0" u="none" strike="noStrike" kern="1200" baseline="0">
+                <a:solidFill>
+                  <a:schemeClr val="lt1">
+                    <a:lumMod val="85000"/>
+                  </a:schemeClr>
+                </a:solidFill>
+                <a:latin typeface="+mn-lt"/>
+                <a:ea typeface="+mn-ea"/>
+                <a:cs typeface="+mn-cs"/>
+              </a:defRPr>
+            </a:pPr>
+            <a:endParaRPr lang="en-US"/>
+          </a:p>
+        </c:txPr>
+        <c:crossAx val="1328487551"/>
+        <c:crosses val="autoZero"/>
+        <c:auto val="1"/>
+        <c:lblAlgn val="ctr"/>
+        <c:lblOffset val="100"/>
+        <c:noMultiLvlLbl val="0"/>
+      </c:catAx>
+      <c:valAx>
+        <c:axId val="1328487551"/>
+        <c:scaling>
+          <c:orientation val="minMax"/>
+        </c:scaling>
+        <c:delete val="0"/>
+        <c:axPos val="l"/>
+        <c:majorGridlines>
+          <c:spPr>
+            <a:ln w="9525" cap="flat" cmpd="sng" algn="ctr">
+              <a:solidFill>
+                <a:schemeClr val="lt1">
+                  <a:lumMod val="95000"/>
+                  <a:alpha val="10000"/>
+                </a:schemeClr>
+              </a:solidFill>
+              <a:round/>
+            </a:ln>
+            <a:effectLst/>
+          </c:spPr>
+        </c:majorGridlines>
+        <c:numFmt formatCode="General" sourceLinked="1"/>
+        <c:majorTickMark val="none"/>
+        <c:minorTickMark val="none"/>
+        <c:tickLblPos val="nextTo"/>
+        <c:spPr>
+          <a:noFill/>
+          <a:ln>
+            <a:noFill/>
+          </a:ln>
+          <a:effectLst/>
+        </c:spPr>
+        <c:txPr>
+          <a:bodyPr rot="-60000000" spcFirstLastPara="1" vertOverflow="ellipsis" vert="horz" wrap="square" anchor="ctr" anchorCtr="1"/>
+          <a:lstStyle/>
+          <a:p>
+            <a:pPr>
+              <a:defRPr sz="900" b="0" i="0" u="none" strike="noStrike" kern="1200" baseline="0">
+                <a:solidFill>
+                  <a:schemeClr val="lt1">
+                    <a:lumMod val="85000"/>
+                  </a:schemeClr>
+                </a:solidFill>
+                <a:latin typeface="+mn-lt"/>
+                <a:ea typeface="+mn-ea"/>
+                <a:cs typeface="+mn-cs"/>
+              </a:defRPr>
+            </a:pPr>
+            <a:endParaRPr lang="en-US"/>
+          </a:p>
+        </c:txPr>
+        <c:crossAx val="934741279"/>
+        <c:crosses val="autoZero"/>
+        <c:crossBetween val="midCat"/>
+      </c:valAx>
+      <c:spPr>
+        <a:noFill/>
+        <a:ln>
+          <a:noFill/>
+        </a:ln>
+        <a:effectLst/>
+      </c:spPr>
+    </c:plotArea>
+    <c:plotVisOnly val="1"/>
+    <c:dispBlanksAs val="zero"/>
+    <c:extLst>
+      <c:ext xmlns:c16r3="http://schemas.microsoft.com/office/drawing/2017/03/chart" uri="{56B9EC1D-385E-4148-901F-78D8002777C0}">
+        <c16r3:dataDisplayOptions16>
+          <c16r3:dispNaAsBlank val="1"/>
+        </c16r3:dataDisplayOptions16>
+      </c:ext>
+    </c:extLst>
+    <c:showDLblsOverMax val="0"/>
+  </c:chart>
+  <c:spPr>
+    <a:gradFill flip="none" rotWithShape="1">
+      <a:gsLst>
+        <a:gs pos="0">
+          <a:schemeClr val="dk1">
+            <a:lumMod val="65000"/>
+            <a:lumOff val="35000"/>
+          </a:schemeClr>
+        </a:gs>
+        <a:gs pos="100000">
+          <a:schemeClr val="dk1">
+            <a:lumMod val="85000"/>
+            <a:lumOff val="15000"/>
+          </a:schemeClr>
+        </a:gs>
+      </a:gsLst>
+      <a:path path="circle">
+        <a:fillToRect l="50000" t="50000" r="50000" b="50000"/>
+      </a:path>
+      <a:tileRect/>
+    </a:gradFill>
+    <a:ln>
+      <a:noFill/>
+    </a:ln>
+    <a:effectLst/>
+  </c:spPr>
+  <c:txPr>
+    <a:bodyPr/>
+    <a:lstStyle/>
+    <a:p>
+      <a:pPr>
+        <a:defRPr/>
+      </a:pPr>
+      <a:endParaRPr lang="en-US"/>
+    </a:p>
+  </c:txPr>
+  <c:externalData r:id="rId3">
+    <c:autoUpdate val="0"/>
+  </c:externalData>
+</c:chartSpace>
+</file>
+
+<file path=ppt/charts/chartEx1.xml><?xml version="1.0" encoding="utf-8"?>
+<cx:chartSpace xmlns:a="http://schemas.openxmlformats.org/drawingml/2006/main" xmlns:r="http://schemas.openxmlformats.org/officeDocument/2006/relationships" xmlns:cx="http://schemas.microsoft.com/office/drawing/2014/chartex">
+  <cx:chartData>
+    <cx:externalData r:id="rId1" cx:autoUpdate="0"/>
+    <cx:data id="0">
+      <cx:strDim type="cat">
+        <cx:f>Phase!$A$22:$A$33</cx:f>
+        <cx:lvl ptCount="12">
+          <cx:pt idx="0">STANDING</cx:pt>
+          <cx:pt idx="1">TAXI</cx:pt>
+          <cx:pt idx="2">TAKEOFF</cx:pt>
+          <cx:pt idx="3">CLIMB</cx:pt>
+          <cx:pt idx="4">CRUISE</cx:pt>
+          <cx:pt idx="5">DESCENT</cx:pt>
+          <cx:pt idx="6">MANEUVERING</cx:pt>
+          <cx:pt idx="7">APPROACH</cx:pt>
+          <cx:pt idx="8">GO-AROUND</cx:pt>
+          <cx:pt idx="9">LANDING</cx:pt>
+          <cx:pt idx="10">OTHER</cx:pt>
+          <cx:pt idx="11">UNKNOWN</cx:pt>
+        </cx:lvl>
+      </cx:strDim>
+      <cx:numDim type="val">
+        <cx:f>Phase!$B$22:$B$33</cx:f>
+        <cx:lvl ptCount="12" formatCode="General">
+          <cx:pt idx="0">24230</cx:pt>
+          <cx:pt idx="1">48997</cx:pt>
+          <cx:pt idx="2">59461</cx:pt>
+          <cx:pt idx="3">22651</cx:pt>
+          <cx:pt idx="4">50659</cx:pt>
+          <cx:pt idx="5">25261</cx:pt>
+          <cx:pt idx="6">6729</cx:pt>
+          <cx:pt idx="7">27075</cx:pt>
+          <cx:pt idx="8">2734</cx:pt>
+          <cx:pt idx="9">65824</cx:pt>
+          <cx:pt idx="10">697</cx:pt>
+          <cx:pt idx="11">882</cx:pt>
+        </cx:lvl>
+      </cx:numDim>
+    </cx:data>
+  </cx:chartData>
+  <cx:chart>
+    <cx:title pos="t" align="ctr" overlay="0">
+      <cx:tx>
+        <cx:txData>
+          <cx:v>Total Injured</cx:v>
+        </cx:txData>
+      </cx:tx>
+      <cx:txPr>
+        <a:bodyPr rot="0" spcFirstLastPara="1" vertOverflow="ellipsis" vert="horz" wrap="square" lIns="38100" tIns="19050" rIns="38100" bIns="19050" anchor="ctr" anchorCtr="1" compatLnSpc="0"/>
+        <a:lstStyle/>
+        <a:p>
+          <a:pPr algn="ctr" rtl="0">
+            <a:defRPr sz="1400" b="0" i="0" u="none" strike="noStrike" baseline="0">
+              <a:solidFill>
+                <a:sysClr val="windowText" lastClr="000000">
+                  <a:lumMod val="65000"/>
+                  <a:lumOff val="35000"/>
+                </a:sysClr>
+              </a:solidFill>
+              <a:latin typeface="+mn-lt"/>
+              <a:ea typeface="+mn-ea"/>
+              <a:cs typeface="+mn-cs"/>
+            </a:defRPr>
+          </a:pPr>
+          <a:r>
+            <a:rPr kumimoji="0" lang="en-US" sz="1400" b="0" i="0" u="none" strike="noStrike" kern="0" cap="none" spc="0" normalizeH="0" baseline="0" noProof="0">
+              <a:ln>
+                <a:noFill/>
+              </a:ln>
+              <a:solidFill>
+                <a:sysClr val="windowText" lastClr="000000">
+                  <a:lumMod val="65000"/>
+                  <a:lumOff val="35000"/>
+                </a:sysClr>
+              </a:solidFill>
+              <a:effectLst/>
+              <a:uLnTx/>
+              <a:uFillTx/>
+              <a:latin typeface="Calibri" panose="020F0502020204030204"/>
+            </a:rPr>
+            <a:t>Total Injured</a:t>
+          </a:r>
+        </a:p>
+      </cx:txPr>
+    </cx:title>
+    <cx:plotArea>
+      <cx:plotAreaRegion>
+        <cx:series layoutId="waterfall" uniqueId="{0FED33B9-C3FC-4A69-B4E8-0B3C5F0A1EF4}">
+          <cx:tx>
+            <cx:txData>
+              <cx:f>Phase!$B$21</cx:f>
+              <cx:v>Total Injured</cx:v>
+            </cx:txData>
+          </cx:tx>
+          <cx:dataPt idx="1">
+            <cx:spPr>
+              <a:solidFill>
+                <a:srgbClr val="FFC000"/>
+              </a:solidFill>
+            </cx:spPr>
+          </cx:dataPt>
+          <cx:dataPt idx="2">
+            <cx:spPr>
+              <a:solidFill>
+                <a:srgbClr val="ED7D31"/>
+              </a:solidFill>
+            </cx:spPr>
+          </cx:dataPt>
+          <cx:dataLabels pos="outEnd">
+            <cx:visibility seriesName="0" categoryName="0" value="1"/>
+          </cx:dataLabels>
+          <cx:dataId val="0"/>
+          <cx:layoutPr>
+            <cx:subtotals/>
+          </cx:layoutPr>
+        </cx:series>
+      </cx:plotAreaRegion>
+      <cx:axis id="0">
+        <cx:catScaling gapWidth="0.5"/>
+        <cx:title>
+          <cx:tx>
+            <cx:rich>
+              <a:bodyPr spcFirstLastPara="1" vertOverflow="ellipsis" horzOverflow="overflow" wrap="square" lIns="0" tIns="0" rIns="0" bIns="0" anchor="ctr" anchorCtr="1"/>
+              <a:lstStyle/>
+              <a:p>
+                <a:pPr algn="ctr" rtl="0">
+                  <a:defRPr sz="1800"/>
+                </a:pPr>
+                <a:r>
+                  <a:rPr lang="en-US" sz="1800" b="1" i="0" u="none" strike="noStrike" baseline="0">
+                    <a:solidFill>
+                      <a:sysClr val="windowText" lastClr="000000">
+                        <a:lumMod val="65000"/>
+                        <a:lumOff val="35000"/>
+                      </a:sysClr>
+                    </a:solidFill>
+                    <a:effectLst/>
+                    <a:latin typeface="Calibri" panose="020F0502020204030204"/>
+                    <a:ea typeface="Calibri" panose="020F0502020204030204" pitchFamily="34" charset="0"/>
+                    <a:cs typeface="Calibri" panose="020F0502020204030204" pitchFamily="34" charset="0"/>
+                  </a:rPr>
+                  <a:t>Broad Phase of Flight</a:t>
+                </a:r>
+                <a:endParaRPr lang="en-US" sz="1800" b="1" i="0" u="none" strike="noStrike" baseline="0">
+                  <a:solidFill>
+                    <a:sysClr val="windowText" lastClr="000000">
+                      <a:lumMod val="65000"/>
+                      <a:lumOff val="35000"/>
+                    </a:sysClr>
+                  </a:solidFill>
+                  <a:latin typeface="Calibri" panose="020F0502020204030204"/>
+                </a:endParaRPr>
+              </a:p>
+            </cx:rich>
+          </cx:tx>
+        </cx:title>
+        <cx:tickLabels/>
+      </cx:axis>
+      <cx:axis id="1">
+        <cx:valScaling/>
+        <cx:majorGridlines/>
+        <cx:tickLabels/>
+      </cx:axis>
+    </cx:plotArea>
+    <cx:legend pos="t" align="ctr" overlay="0"/>
+  </cx:chart>
+</cx:chartSpace>
+</file>
+
+<file path=ppt/charts/colors1.xml><?xml version="1.0" encoding="utf-8"?>
+<cs:colorStyle xmlns:cs="http://schemas.microsoft.com/office/drawing/2012/chartStyle" xmlns:a="http://schemas.openxmlformats.org/drawingml/2006/main" meth="cycle" id="10">
+  <a:schemeClr val="accent1"/>
+  <a:schemeClr val="accent2"/>
+  <a:schemeClr val="accent3"/>
+  <a:schemeClr val="accent4"/>
+  <a:schemeClr val="accent5"/>
+  <a:schemeClr val="accent6"/>
+  <cs:variation/>
+  <cs:variation>
+    <a:lumMod val="60000"/>
+  </cs:variation>
+  <cs:variation>
+    <a:lumMod val="80000"/>
+    <a:lumOff val="20000"/>
+  </cs:variation>
+  <cs:variation>
+    <a:lumMod val="80000"/>
+  </cs:variation>
+  <cs:variation>
+    <a:lumMod val="60000"/>
+    <a:lumOff val="40000"/>
+  </cs:variation>
+  <cs:variation>
+    <a:lumMod val="50000"/>
+  </cs:variation>
+  <cs:variation>
+    <a:lumMod val="70000"/>
+    <a:lumOff val="30000"/>
+  </cs:variation>
+  <cs:variation>
+    <a:lumMod val="70000"/>
+  </cs:variation>
+  <cs:variation>
+    <a:lumMod val="50000"/>
+    <a:lumOff val="50000"/>
+  </cs:variation>
+</cs:colorStyle>
+</file>
+
+<file path=ppt/charts/colors2.xml><?xml version="1.0" encoding="utf-8"?>
+<cs:colorStyle xmlns:cs="http://schemas.microsoft.com/office/drawing/2012/chartStyle" xmlns:a="http://schemas.openxmlformats.org/drawingml/2006/main" meth="cycle" id="10">
+  <a:schemeClr val="accent1"/>
+  <a:schemeClr val="accent2"/>
+  <a:schemeClr val="accent3"/>
+  <a:schemeClr val="accent4"/>
+  <a:schemeClr val="accent5"/>
+  <a:schemeClr val="accent6"/>
+  <cs:variation/>
+  <cs:variation>
+    <a:lumMod val="60000"/>
+  </cs:variation>
+  <cs:variation>
+    <a:lumMod val="80000"/>
+    <a:lumOff val="20000"/>
+  </cs:variation>
+  <cs:variation>
+    <a:lumMod val="80000"/>
+  </cs:variation>
+  <cs:variation>
+    <a:lumMod val="60000"/>
+    <a:lumOff val="40000"/>
+  </cs:variation>
+  <cs:variation>
+    <a:lumMod val="50000"/>
+  </cs:variation>
+  <cs:variation>
+    <a:lumMod val="70000"/>
+    <a:lumOff val="30000"/>
+  </cs:variation>
+  <cs:variation>
+    <a:lumMod val="70000"/>
+  </cs:variation>
+  <cs:variation>
+    <a:lumMod val="50000"/>
+    <a:lumOff val="50000"/>
+  </cs:variation>
+</cs:colorStyle>
+</file>
+
+<file path=ppt/charts/colors3.xml><?xml version="1.0" encoding="utf-8"?>
+<cs:colorStyle xmlns:cs="http://schemas.microsoft.com/office/drawing/2012/chartStyle" xmlns:a="http://schemas.openxmlformats.org/drawingml/2006/main" meth="cycle" id="10">
+  <a:schemeClr val="accent1"/>
+  <a:schemeClr val="accent2"/>
+  <a:schemeClr val="accent3"/>
+  <a:schemeClr val="accent4"/>
+  <a:schemeClr val="accent5"/>
+  <a:schemeClr val="accent6"/>
+  <cs:variation/>
+  <cs:variation>
+    <a:lumMod val="60000"/>
+  </cs:variation>
+  <cs:variation>
+    <a:lumMod val="80000"/>
+    <a:lumOff val="20000"/>
+  </cs:variation>
+  <cs:variation>
+    <a:lumMod val="80000"/>
+  </cs:variation>
+  <cs:variation>
+    <a:lumMod val="60000"/>
+    <a:lumOff val="40000"/>
+  </cs:variation>
+  <cs:variation>
+    <a:lumMod val="50000"/>
+  </cs:variation>
+  <cs:variation>
+    <a:lumMod val="70000"/>
+    <a:lumOff val="30000"/>
+  </cs:variation>
+  <cs:variation>
+    <a:lumMod val="70000"/>
+  </cs:variation>
+  <cs:variation>
+    <a:lumMod val="50000"/>
+    <a:lumOff val="50000"/>
+  </cs:variation>
+</cs:colorStyle>
+</file>
+
+<file path=ppt/charts/colors4.xml><?xml version="1.0" encoding="utf-8"?>
+<cs:colorStyle xmlns:cs="http://schemas.microsoft.com/office/drawing/2012/chartStyle" xmlns:a="http://schemas.openxmlformats.org/drawingml/2006/main" meth="cycle" id="10">
+  <a:schemeClr val="accent1"/>
+  <a:schemeClr val="accent2"/>
+  <a:schemeClr val="accent3"/>
+  <a:schemeClr val="accent4"/>
+  <a:schemeClr val="accent5"/>
+  <a:schemeClr val="accent6"/>
+  <cs:variation/>
+  <cs:variation>
+    <a:lumMod val="60000"/>
+  </cs:variation>
+  <cs:variation>
+    <a:lumMod val="80000"/>
+    <a:lumOff val="20000"/>
+  </cs:variation>
+  <cs:variation>
+    <a:lumMod val="80000"/>
+  </cs:variation>
+  <cs:variation>
+    <a:lumMod val="60000"/>
+    <a:lumOff val="40000"/>
+  </cs:variation>
+  <cs:variation>
+    <a:lumMod val="50000"/>
+  </cs:variation>
+  <cs:variation>
+    <a:lumMod val="70000"/>
+    <a:lumOff val="30000"/>
+  </cs:variation>
+  <cs:variation>
+    <a:lumMod val="70000"/>
+  </cs:variation>
+  <cs:variation>
+    <a:lumMod val="50000"/>
+    <a:lumOff val="50000"/>
+  </cs:variation>
+</cs:colorStyle>
+</file>
+
+<file path=ppt/charts/style1.xml><?xml version="1.0" encoding="utf-8"?>
+<cs:chartStyle xmlns:cs="http://schemas.microsoft.com/office/drawing/2012/chartStyle" xmlns:a="http://schemas.openxmlformats.org/drawingml/2006/main" id="332">
+  <cs:axisTitle>
+    <cs:lnRef idx="0"/>
+    <cs:fillRef idx="0"/>
+    <cs:effectRef idx="0"/>
+    <cs:fontRef idx="minor">
+      <a:schemeClr val="tx1">
+        <a:lumMod val="65000"/>
+        <a:lumOff val="35000"/>
+      </a:schemeClr>
+    </cs:fontRef>
+    <cs:defRPr sz="1000" kern="1200"/>
+  </cs:axisTitle>
+  <cs:categoryAxis>
+    <cs:lnRef idx="0"/>
+    <cs:fillRef idx="0"/>
+    <cs:effectRef idx="0"/>
+    <cs:fontRef idx="minor">
+      <a:schemeClr val="tx1">
+        <a:lumMod val="65000"/>
+        <a:lumOff val="35000"/>
+      </a:schemeClr>
+    </cs:fontRef>
+    <cs:spPr>
+      <a:ln w="9525" cap="flat" cmpd="sng" algn="ctr">
+        <a:solidFill>
+          <a:schemeClr val="tx1">
+            <a:lumMod val="15000"/>
+            <a:lumOff val="85000"/>
+          </a:schemeClr>
+        </a:solidFill>
+        <a:round/>
+      </a:ln>
+    </cs:spPr>
+    <cs:defRPr sz="900" kern="1200"/>
+  </cs:categoryAxis>
+  <cs:chartArea mods="allowNoFillOverride allowNoLineOverride">
+    <cs:lnRef idx="0"/>
+    <cs:fillRef idx="0"/>
+    <cs:effectRef idx="0"/>
+    <cs:fontRef idx="minor">
+      <a:schemeClr val="tx1"/>
+    </cs:fontRef>
+    <cs:spPr>
+      <a:solidFill>
+        <a:schemeClr val="bg1"/>
+      </a:solidFill>
+      <a:ln w="9525" cap="flat" cmpd="sng" algn="ctr">
+        <a:solidFill>
+          <a:schemeClr val="tx1">
+            <a:lumMod val="15000"/>
+            <a:lumOff val="85000"/>
+          </a:schemeClr>
+        </a:solidFill>
+        <a:round/>
+      </a:ln>
+    </cs:spPr>
+    <cs:defRPr sz="1000" kern="1200"/>
+  </cs:chartArea>
+  <cs:dataLabel>
+    <cs:lnRef idx="0"/>
+    <cs:fillRef idx="0"/>
+    <cs:effectRef idx="0"/>
+    <cs:fontRef idx="minor">
+      <a:schemeClr val="tx1">
+        <a:lumMod val="75000"/>
+        <a:lumOff val="25000"/>
+      </a:schemeClr>
+    </cs:fontRef>
+    <cs:defRPr sz="900" kern="1200"/>
+  </cs:dataLabel>
+  <cs:dataLabelCallout>
+    <cs:lnRef idx="0"/>
+    <cs:fillRef idx="0"/>
+    <cs:effectRef idx="0"/>
+    <cs:fontRef idx="minor">
+      <a:schemeClr val="dk1">
+        <a:lumMod val="65000"/>
+        <a:lumOff val="35000"/>
+      </a:schemeClr>
+    </cs:fontRef>
+    <cs:spPr>
+      <a:solidFill>
+        <a:schemeClr val="lt1"/>
+      </a:solidFill>
+      <a:ln>
+        <a:solidFill>
+          <a:schemeClr val="dk1">
+            <a:lumMod val="25000"/>
+            <a:lumOff val="75000"/>
+          </a:schemeClr>
+        </a:solidFill>
+      </a:ln>
+    </cs:spPr>
+    <cs:defRPr sz="900" kern="1200"/>
+    <cs:bodyPr rot="0" spcFirstLastPara="1" vertOverflow="clip" horzOverflow="clip" vert="horz" wrap="square" lIns="36576" tIns="18288" rIns="36576" bIns="18288" anchor="ctr" anchorCtr="1">
+      <a:spAutoFit/>
+    </cs:bodyPr>
+  </cs:dataLabelCallout>
+  <cs:dataPoint>
+    <cs:lnRef idx="0"/>
+    <cs:fillRef idx="1">
+      <cs:styleClr val="auto"/>
+    </cs:fillRef>
+    <cs:effectRef idx="0"/>
+    <cs:fontRef idx="minor">
+      <a:schemeClr val="tx1"/>
+    </cs:fontRef>
+  </cs:dataPoint>
+  <cs:dataPoint3D>
+    <cs:lnRef idx="0"/>
+    <cs:fillRef idx="1">
+      <cs:styleClr val="auto"/>
+    </cs:fillRef>
+    <cs:effectRef idx="0"/>
+    <cs:fontRef idx="minor">
+      <a:schemeClr val="tx1"/>
+    </cs:fontRef>
+  </cs:dataPoint3D>
+  <cs:dataPointLine>
+    <cs:lnRef idx="0">
+      <cs:styleClr val="auto"/>
+    </cs:lnRef>
+    <cs:fillRef idx="1"/>
+    <cs:effectRef idx="0"/>
+    <cs:fontRef idx="minor">
+      <a:schemeClr val="tx1"/>
+    </cs:fontRef>
+    <cs:spPr>
+      <a:ln w="28575" cap="rnd">
+        <a:solidFill>
+          <a:schemeClr val="phClr"/>
+        </a:solidFill>
+        <a:round/>
+      </a:ln>
+    </cs:spPr>
+  </cs:dataPointLine>
+  <cs:dataPointMarker>
+    <cs:lnRef idx="0">
+      <cs:styleClr val="auto"/>
+    </cs:lnRef>
+    <cs:fillRef idx="1">
+      <cs:styleClr val="auto"/>
+    </cs:fillRef>
+    <cs:effectRef idx="0"/>
+    <cs:fontRef idx="minor">
+      <a:schemeClr val="tx1"/>
+    </cs:fontRef>
+    <cs:spPr>
+      <a:ln w="9525">
+        <a:solidFill>
+          <a:schemeClr val="phClr"/>
+        </a:solidFill>
+      </a:ln>
+    </cs:spPr>
+  </cs:dataPointMarker>
+  <cs:dataPointMarkerLayout symbol="circle" size="5"/>
+  <cs:dataPointWireframe>
+    <cs:lnRef idx="0">
+      <cs:styleClr val="auto"/>
+    </cs:lnRef>
+    <cs:fillRef idx="1"/>
+    <cs:effectRef idx="0"/>
+    <cs:fontRef idx="minor">
+      <a:schemeClr val="tx1"/>
+    </cs:fontRef>
+    <cs:spPr>
+      <a:ln w="9525" cap="rnd">
+        <a:solidFill>
+          <a:schemeClr val="phClr"/>
+        </a:solidFill>
+        <a:round/>
+      </a:ln>
+    </cs:spPr>
+  </cs:dataPointWireframe>
+  <cs:dataTable>
+    <cs:lnRef idx="0"/>
+    <cs:fillRef idx="0"/>
+    <cs:effectRef idx="0"/>
+    <cs:fontRef idx="minor">
+      <a:schemeClr val="tx1">
+        <a:lumMod val="65000"/>
+        <a:lumOff val="35000"/>
+      </a:schemeClr>
+    </cs:fontRef>
+    <cs:spPr>
+      <a:noFill/>
+      <a:ln w="9525" cap="flat" cmpd="sng" algn="ctr">
+        <a:solidFill>
+          <a:schemeClr val="tx1">
+            <a:lumMod val="15000"/>
+            <a:lumOff val="85000"/>
+          </a:schemeClr>
+        </a:solidFill>
+        <a:round/>
+      </a:ln>
+    </cs:spPr>
+    <cs:defRPr sz="900" kern="1200"/>
+  </cs:dataTable>
+  <cs:downBar>
+    <cs:lnRef idx="0"/>
+    <cs:fillRef idx="0"/>
+    <cs:effectRef idx="0"/>
+    <cs:fontRef idx="minor">
+      <a:schemeClr val="dk1"/>
+    </cs:fontRef>
+    <cs:spPr>
+      <a:solidFill>
+        <a:schemeClr val="dk1">
+          <a:lumMod val="65000"/>
+          <a:lumOff val="35000"/>
+        </a:schemeClr>
+      </a:solidFill>
+      <a:ln w="9525">
+        <a:solidFill>
+          <a:schemeClr val="tx1">
+            <a:lumMod val="65000"/>
+            <a:lumOff val="35000"/>
+          </a:schemeClr>
+        </a:solidFill>
+      </a:ln>
+    </cs:spPr>
+  </cs:downBar>
+  <cs:dropLine>
+    <cs:lnRef idx="0"/>
+    <cs:fillRef idx="0"/>
+    <cs:effectRef idx="0"/>
+    <cs:fontRef idx="minor">
+      <a:schemeClr val="tx1"/>
+    </cs:fontRef>
+    <cs:spPr>
+      <a:ln w="9525" cap="flat" cmpd="sng" algn="ctr">
+        <a:solidFill>
+          <a:schemeClr val="tx1">
+            <a:lumMod val="35000"/>
+            <a:lumOff val="65000"/>
+          </a:schemeClr>
+        </a:solidFill>
+        <a:round/>
+      </a:ln>
+    </cs:spPr>
+  </cs:dropLine>
+  <cs:errorBar>
+    <cs:lnRef idx="0"/>
+    <cs:fillRef idx="0"/>
+    <cs:effectRef idx="0"/>
+    <cs:fontRef idx="minor">
+      <a:schemeClr val="tx1"/>
+    </cs:fontRef>
+    <cs:spPr>
+      <a:ln w="9525" cap="flat" cmpd="sng" algn="ctr">
+        <a:solidFill>
+          <a:schemeClr val="tx1">
+            <a:lumMod val="65000"/>
+            <a:lumOff val="35000"/>
+          </a:schemeClr>
+        </a:solidFill>
+        <a:round/>
+      </a:ln>
+    </cs:spPr>
+  </cs:errorBar>
+  <cs:floor>
+    <cs:lnRef idx="0"/>
+    <cs:fillRef idx="0"/>
+    <cs:effectRef idx="0"/>
+    <cs:fontRef idx="minor">
+      <a:schemeClr val="tx1"/>
+    </cs:fontRef>
+    <cs:spPr>
+      <a:noFill/>
+      <a:ln>
+        <a:noFill/>
+      </a:ln>
+    </cs:spPr>
+  </cs:floor>
+  <cs:gridlineMajor>
+    <cs:lnRef idx="0"/>
+    <cs:fillRef idx="0"/>
+    <cs:effectRef idx="0"/>
+    <cs:fontRef idx="minor">
+      <a:schemeClr val="tx1"/>
+    </cs:fontRef>
+    <cs:spPr>
+      <a:ln w="9525" cap="flat" cmpd="sng" algn="ctr">
+        <a:solidFill>
+          <a:schemeClr val="tx1">
+            <a:lumMod val="15000"/>
+            <a:lumOff val="85000"/>
+          </a:schemeClr>
+        </a:solidFill>
+        <a:round/>
+      </a:ln>
+    </cs:spPr>
+  </cs:gridlineMajor>
+  <cs:gridlineMinor>
+    <cs:lnRef idx="0"/>
+    <cs:fillRef idx="0"/>
+    <cs:effectRef idx="0"/>
+    <cs:fontRef idx="minor">
+      <a:schemeClr val="tx1"/>
+    </cs:fontRef>
+    <cs:spPr>
+      <a:ln w="9525" cap="flat" cmpd="sng" algn="ctr">
+        <a:solidFill>
+          <a:schemeClr val="tx1">
+            <a:lumMod val="5000"/>
+            <a:lumOff val="95000"/>
+          </a:schemeClr>
+        </a:solidFill>
+        <a:round/>
+      </a:ln>
+    </cs:spPr>
+  </cs:gridlineMinor>
+  <cs:hiLoLine>
+    <cs:lnRef idx="0"/>
+    <cs:fillRef idx="0"/>
+    <cs:effectRef idx="0"/>
+    <cs:fontRef idx="minor">
+      <a:schemeClr val="tx1"/>
+    </cs:fontRef>
+    <cs:spPr>
+      <a:ln w="9525" cap="flat" cmpd="sng" algn="ctr">
+        <a:solidFill>
+          <a:schemeClr val="tx1">
+            <a:lumMod val="75000"/>
+            <a:lumOff val="25000"/>
+          </a:schemeClr>
+        </a:solidFill>
+        <a:round/>
+      </a:ln>
+    </cs:spPr>
+  </cs:hiLoLine>
+  <cs:leaderLine>
+    <cs:lnRef idx="0"/>
+    <cs:fillRef idx="0"/>
+    <cs:effectRef idx="0"/>
+    <cs:fontRef idx="minor">
+      <a:schemeClr val="tx1"/>
+    </cs:fontRef>
+    <cs:spPr>
+      <a:ln w="9525" cap="flat" cmpd="sng" algn="ctr">
+        <a:solidFill>
+          <a:schemeClr val="tx1">
+            <a:lumMod val="35000"/>
+            <a:lumOff val="65000"/>
+          </a:schemeClr>
+        </a:solidFill>
+        <a:round/>
+      </a:ln>
+    </cs:spPr>
+  </cs:leaderLine>
+  <cs:legend>
+    <cs:lnRef idx="0"/>
+    <cs:fillRef idx="0"/>
+    <cs:effectRef idx="0"/>
+    <cs:fontRef idx="minor">
+      <a:schemeClr val="tx1">
+        <a:lumMod val="65000"/>
+        <a:lumOff val="35000"/>
+      </a:schemeClr>
+    </cs:fontRef>
+    <cs:defRPr sz="900" kern="1200"/>
+  </cs:legend>
+  <cs:plotArea mods="allowNoFillOverride allowNoLineOverride">
+    <cs:lnRef idx="0"/>
+    <cs:fillRef idx="0"/>
+    <cs:effectRef idx="0"/>
+    <cs:fontRef idx="minor">
+      <a:schemeClr val="tx1"/>
+    </cs:fontRef>
+  </cs:plotArea>
+  <cs:plotArea3D mods="allowNoFillOverride allowNoLineOverride">
+    <cs:lnRef idx="0"/>
+    <cs:fillRef idx="0"/>
+    <cs:effectRef idx="0"/>
+    <cs:fontRef idx="minor">
+      <a:schemeClr val="tx1"/>
+    </cs:fontRef>
+  </cs:plotArea3D>
+  <cs:seriesAxis>
+    <cs:lnRef idx="0"/>
+    <cs:fillRef idx="0"/>
+    <cs:effectRef idx="0"/>
+    <cs:fontRef idx="minor">
+      <a:schemeClr val="tx1">
+        <a:lumMod val="65000"/>
+        <a:lumOff val="35000"/>
+      </a:schemeClr>
+    </cs:fontRef>
+    <cs:defRPr sz="900" kern="1200"/>
+  </cs:seriesAxis>
+  <cs:seriesLine>
+    <cs:lnRef idx="0"/>
+    <cs:fillRef idx="0"/>
+    <cs:effectRef idx="0"/>
+    <cs:fontRef idx="minor">
+      <a:schemeClr val="tx1"/>
+    </cs:fontRef>
+    <cs:spPr>
+      <a:ln w="9525" cap="flat" cmpd="sng" algn="ctr">
+        <a:solidFill>
+          <a:schemeClr val="tx1">
+            <a:lumMod val="35000"/>
+            <a:lumOff val="65000"/>
+          </a:schemeClr>
+        </a:solidFill>
+        <a:round/>
+      </a:ln>
+    </cs:spPr>
+  </cs:seriesLine>
+  <cs:title>
+    <cs:lnRef idx="0"/>
+    <cs:fillRef idx="0"/>
+    <cs:effectRef idx="0"/>
+    <cs:fontRef idx="minor">
+      <a:schemeClr val="tx1">
+        <a:lumMod val="65000"/>
+        <a:lumOff val="35000"/>
+      </a:schemeClr>
+    </cs:fontRef>
+    <cs:defRPr sz="1400" b="0" kern="1200" spc="0" baseline="0"/>
+  </cs:title>
+  <cs:trendline>
+    <cs:lnRef idx="0">
+      <cs:styleClr val="auto"/>
+    </cs:lnRef>
+    <cs:fillRef idx="0"/>
+    <cs:effectRef idx="0"/>
+    <cs:fontRef idx="minor">
+      <a:schemeClr val="tx1"/>
+    </cs:fontRef>
+    <cs:spPr>
+      <a:ln w="19050" cap="rnd">
+        <a:solidFill>
+          <a:schemeClr val="phClr"/>
+        </a:solidFill>
+        <a:prstDash val="sysDot"/>
+      </a:ln>
+    </cs:spPr>
+  </cs:trendline>
+  <cs:trendlineLabel>
+    <cs:lnRef idx="0"/>
+    <cs:fillRef idx="0"/>
+    <cs:effectRef idx="0"/>
+    <cs:fontRef idx="minor">
+      <a:schemeClr val="tx1">
+        <a:lumMod val="65000"/>
+        <a:lumOff val="35000"/>
+      </a:schemeClr>
+    </cs:fontRef>
+    <cs:defRPr sz="900" kern="1200"/>
+  </cs:trendlineLabel>
+  <cs:upBar>
+    <cs:lnRef idx="0"/>
+    <cs:fillRef idx="0"/>
+    <cs:effectRef idx="0"/>
+    <cs:fontRef idx="minor">
+      <a:schemeClr val="dk1"/>
+    </cs:fontRef>
+    <cs:spPr>
+      <a:solidFill>
+        <a:schemeClr val="lt1"/>
+      </a:solidFill>
+      <a:ln w="9525">
+        <a:solidFill>
+          <a:schemeClr val="tx1">
+            <a:lumMod val="15000"/>
+            <a:lumOff val="85000"/>
+          </a:schemeClr>
+        </a:solidFill>
+      </a:ln>
+    </cs:spPr>
+  </cs:upBar>
+  <cs:valueAxis>
+    <cs:lnRef idx="0"/>
+    <cs:fillRef idx="0"/>
+    <cs:effectRef idx="0"/>
+    <cs:fontRef idx="minor">
+      <a:schemeClr val="tx1">
+        <a:lumMod val="65000"/>
+        <a:lumOff val="35000"/>
+      </a:schemeClr>
+    </cs:fontRef>
+    <cs:defRPr sz="900" kern="1200"/>
+  </cs:valueAxis>
+  <cs:wall>
+    <cs:lnRef idx="0"/>
+    <cs:fillRef idx="0"/>
+    <cs:effectRef idx="0"/>
+    <cs:fontRef idx="minor">
+      <a:schemeClr val="tx1"/>
+    </cs:fontRef>
+    <cs:spPr>
+      <a:noFill/>
+      <a:ln>
+        <a:noFill/>
+      </a:ln>
+    </cs:spPr>
+  </cs:wall>
+</cs:chartStyle>
+</file>
+
+<file path=ppt/charts/style2.xml><?xml version="1.0" encoding="utf-8"?>
+<cs:chartStyle xmlns:cs="http://schemas.microsoft.com/office/drawing/2012/chartStyle" xmlns:a="http://schemas.openxmlformats.org/drawingml/2006/main" id="240">
+  <cs:axisTitle>
+    <cs:lnRef idx="0"/>
+    <cs:fillRef idx="0"/>
+    <cs:effectRef idx="0"/>
+    <cs:fontRef idx="minor">
+      <a:schemeClr val="tx1">
+        <a:lumMod val="65000"/>
+        <a:lumOff val="35000"/>
+      </a:schemeClr>
+    </cs:fontRef>
+    <cs:defRPr sz="1000" kern="1200"/>
+  </cs:axisTitle>
+  <cs:categoryAxis>
+    <cs:lnRef idx="0"/>
+    <cs:fillRef idx="0"/>
+    <cs:effectRef idx="0"/>
+    <cs:fontRef idx="minor">
+      <a:schemeClr val="tx1">
+        <a:lumMod val="65000"/>
+        <a:lumOff val="35000"/>
+      </a:schemeClr>
+    </cs:fontRef>
+    <cs:spPr>
+      <a:ln w="9525" cap="flat" cmpd="sng" algn="ctr">
+        <a:solidFill>
+          <a:schemeClr val="tx1">
+            <a:lumMod val="25000"/>
+            <a:lumOff val="75000"/>
+          </a:schemeClr>
+        </a:solidFill>
+        <a:round/>
+      </a:ln>
+    </cs:spPr>
+    <cs:defRPr sz="900" kern="1200"/>
+  </cs:categoryAxis>
+  <cs:chartArea mods="allowNoFillOverride allowNoLineOverride">
+    <cs:lnRef idx="0"/>
+    <cs:fillRef idx="0"/>
+    <cs:effectRef idx="0"/>
+    <cs:fontRef idx="minor">
+      <a:schemeClr val="tx1"/>
+    </cs:fontRef>
+    <cs:spPr>
+      <a:solidFill>
+        <a:schemeClr val="bg1"/>
+      </a:solidFill>
+      <a:ln w="9525" cap="flat" cmpd="sng" algn="ctr">
+        <a:solidFill>
+          <a:schemeClr val="tx1">
+            <a:lumMod val="15000"/>
+            <a:lumOff val="85000"/>
+          </a:schemeClr>
+        </a:solidFill>
+        <a:round/>
+      </a:ln>
+    </cs:spPr>
+    <cs:defRPr sz="1000" kern="1200"/>
+  </cs:chartArea>
+  <cs:dataLabel>
+    <cs:lnRef idx="0"/>
+    <cs:fillRef idx="0"/>
+    <cs:effectRef idx="0"/>
+    <cs:fontRef idx="minor">
+      <a:schemeClr val="tx1">
+        <a:lumMod val="75000"/>
+        <a:lumOff val="25000"/>
+      </a:schemeClr>
+    </cs:fontRef>
+    <cs:defRPr sz="900" kern="1200"/>
+  </cs:dataLabel>
+  <cs:dataLabelCallout>
+    <cs:lnRef idx="0"/>
+    <cs:fillRef idx="0"/>
+    <cs:effectRef idx="0"/>
+    <cs:fontRef idx="minor">
+      <a:schemeClr val="dk1">
+        <a:lumMod val="65000"/>
+        <a:lumOff val="35000"/>
+      </a:schemeClr>
+    </cs:fontRef>
+    <cs:spPr>
+      <a:solidFill>
+        <a:schemeClr val="lt1"/>
+      </a:solidFill>
+      <a:ln>
+        <a:solidFill>
+          <a:schemeClr val="dk1">
+            <a:lumMod val="25000"/>
+            <a:lumOff val="75000"/>
+          </a:schemeClr>
+        </a:solidFill>
+      </a:ln>
+    </cs:spPr>
+    <cs:defRPr sz="900" kern="1200"/>
+    <cs:bodyPr rot="0" spcFirstLastPara="1" vertOverflow="clip" horzOverflow="clip" vert="horz" wrap="square" lIns="36576" tIns="18288" rIns="36576" bIns="18288" anchor="ctr" anchorCtr="1">
+      <a:spAutoFit/>
+    </cs:bodyPr>
+  </cs:dataLabelCallout>
+  <cs:dataPoint>
+    <cs:lnRef idx="0"/>
+    <cs:fillRef idx="1">
+      <cs:styleClr val="auto"/>
+    </cs:fillRef>
+    <cs:effectRef idx="0"/>
+    <cs:fontRef idx="minor">
+      <a:schemeClr val="tx1"/>
+    </cs:fontRef>
+  </cs:dataPoint>
+  <cs:dataPoint3D>
+    <cs:lnRef idx="0"/>
+    <cs:fillRef idx="1">
+      <cs:styleClr val="auto"/>
+    </cs:fillRef>
+    <cs:effectRef idx="0"/>
+    <cs:fontRef idx="minor">
+      <a:schemeClr val="tx1"/>
+    </cs:fontRef>
+  </cs:dataPoint3D>
+  <cs:dataPointLine>
+    <cs:lnRef idx="0">
+      <cs:styleClr val="auto"/>
+    </cs:lnRef>
+    <cs:fillRef idx="1"/>
+    <cs:effectRef idx="0"/>
+    <cs:fontRef idx="minor">
+      <a:schemeClr val="tx1"/>
+    </cs:fontRef>
+    <cs:spPr>
+      <a:ln w="19050" cap="rnd">
+        <a:solidFill>
+          <a:schemeClr val="phClr"/>
+        </a:solidFill>
+        <a:round/>
+      </a:ln>
+    </cs:spPr>
+  </cs:dataPointLine>
+  <cs:dataPointMarker>
+    <cs:lnRef idx="0">
+      <cs:styleClr val="auto"/>
+    </cs:lnRef>
+    <cs:fillRef idx="1">
+      <cs:styleClr val="auto"/>
+    </cs:fillRef>
+    <cs:effectRef idx="0"/>
+    <cs:fontRef idx="minor">
+      <a:schemeClr val="tx1"/>
+    </cs:fontRef>
+    <cs:spPr>
+      <a:ln w="9525">
+        <a:solidFill>
+          <a:schemeClr val="phClr"/>
+        </a:solidFill>
+      </a:ln>
+    </cs:spPr>
+  </cs:dataPointMarker>
+  <cs:dataPointMarkerLayout symbol="circle" size="5"/>
+  <cs:dataPointWireframe>
+    <cs:lnRef idx="0">
+      <cs:styleClr val="auto"/>
+    </cs:lnRef>
+    <cs:fillRef idx="0"/>
+    <cs:effectRef idx="0"/>
+    <cs:fontRef idx="minor">
+      <a:schemeClr val="dk1"/>
+    </cs:fontRef>
+    <cs:spPr>
+      <a:ln w="9525" cap="rnd">
+        <a:solidFill>
+          <a:schemeClr val="phClr"/>
+        </a:solidFill>
+        <a:round/>
+      </a:ln>
+    </cs:spPr>
+  </cs:dataPointWireframe>
+  <cs:dataTable>
+    <cs:lnRef idx="0"/>
+    <cs:fillRef idx="0"/>
+    <cs:effectRef idx="0"/>
+    <cs:fontRef idx="minor">
+      <a:schemeClr val="tx1">
+        <a:lumMod val="65000"/>
+        <a:lumOff val="35000"/>
+      </a:schemeClr>
+    </cs:fontRef>
+    <cs:spPr>
+      <a:noFill/>
+      <a:ln w="9525" cap="flat" cmpd="sng" algn="ctr">
+        <a:solidFill>
+          <a:schemeClr val="tx1">
+            <a:lumMod val="15000"/>
+            <a:lumOff val="85000"/>
+          </a:schemeClr>
+        </a:solidFill>
+        <a:round/>
+      </a:ln>
+    </cs:spPr>
+    <cs:defRPr sz="900" kern="1200"/>
+  </cs:dataTable>
+  <cs:downBar>
+    <cs:lnRef idx="0"/>
+    <cs:fillRef idx="0"/>
+    <cs:effectRef idx="0"/>
+    <cs:fontRef idx="minor">
+      <a:schemeClr val="tx1"/>
+    </cs:fontRef>
+    <cs:spPr>
+      <a:solidFill>
+        <a:schemeClr val="dk1">
+          <a:lumMod val="75000"/>
+          <a:lumOff val="25000"/>
+        </a:schemeClr>
+      </a:solidFill>
+      <a:ln w="9525" cap="flat" cmpd="sng" algn="ctr">
+        <a:solidFill>
+          <a:schemeClr val="tx1">
+            <a:lumMod val="65000"/>
+            <a:lumOff val="35000"/>
+          </a:schemeClr>
+        </a:solidFill>
+        <a:round/>
+      </a:ln>
+    </cs:spPr>
+  </cs:downBar>
+  <cs:dropLine>
+    <cs:lnRef idx="0"/>
+    <cs:fillRef idx="0"/>
+    <cs:effectRef idx="0"/>
+    <cs:fontRef idx="minor">
+      <a:schemeClr val="tx1"/>
+    </cs:fontRef>
+    <cs:spPr>
+      <a:ln w="9525" cap="flat" cmpd="sng" algn="ctr">
+        <a:solidFill>
+          <a:schemeClr val="tx1">
+            <a:lumMod val="35000"/>
+            <a:lumOff val="65000"/>
+          </a:schemeClr>
+        </a:solidFill>
+        <a:round/>
+      </a:ln>
+    </cs:spPr>
+  </cs:dropLine>
+  <cs:errorBar>
+    <cs:lnRef idx="0"/>
+    <cs:fillRef idx="0"/>
+    <cs:effectRef idx="0"/>
+    <cs:fontRef idx="minor">
+      <a:schemeClr val="tx1"/>
+    </cs:fontRef>
+    <cs:spPr>
+      <a:ln w="9525" cap="flat" cmpd="sng" algn="ctr">
+        <a:solidFill>
+          <a:schemeClr val="tx1">
+            <a:lumMod val="65000"/>
+            <a:lumOff val="35000"/>
+          </a:schemeClr>
+        </a:solidFill>
+        <a:round/>
+      </a:ln>
+    </cs:spPr>
+  </cs:errorBar>
+  <cs:floor>
+    <cs:lnRef idx="0"/>
+    <cs:fillRef idx="0"/>
+    <cs:effectRef idx="0"/>
+    <cs:fontRef idx="minor">
+      <a:schemeClr val="tx1"/>
+    </cs:fontRef>
+    <cs:spPr>
+      <a:noFill/>
+      <a:ln>
+        <a:noFill/>
+      </a:ln>
+    </cs:spPr>
+  </cs:floor>
+  <cs:gridlineMajor>
+    <cs:lnRef idx="0"/>
+    <cs:fillRef idx="0"/>
+    <cs:effectRef idx="0"/>
+    <cs:fontRef idx="minor">
+      <a:schemeClr val="tx1"/>
+    </cs:fontRef>
+    <cs:spPr>
+      <a:ln w="9525" cap="flat" cmpd="sng" algn="ctr">
+        <a:solidFill>
+          <a:schemeClr val="tx1">
+            <a:lumMod val="15000"/>
+            <a:lumOff val="85000"/>
+          </a:schemeClr>
+        </a:solidFill>
+        <a:round/>
+      </a:ln>
+    </cs:spPr>
+  </cs:gridlineMajor>
+  <cs:gridlineMinor>
+    <cs:lnRef idx="0"/>
+    <cs:fillRef idx="0"/>
+    <cs:effectRef idx="0"/>
+    <cs:fontRef idx="minor">
+      <a:schemeClr val="tx1"/>
+    </cs:fontRef>
+    <cs:spPr>
+      <a:ln w="9525" cap="flat" cmpd="sng" algn="ctr">
+        <a:solidFill>
+          <a:schemeClr val="tx1">
+            <a:lumMod val="5000"/>
+            <a:lumOff val="95000"/>
+          </a:schemeClr>
+        </a:solidFill>
+        <a:round/>
+      </a:ln>
+    </cs:spPr>
+  </cs:gridlineMinor>
+  <cs:hiLoLine>
+    <cs:lnRef idx="0"/>
+    <cs:fillRef idx="0"/>
+    <cs:effectRef idx="0"/>
+    <cs:fontRef idx="minor">
+      <a:schemeClr val="tx1"/>
+    </cs:fontRef>
+    <cs:spPr>
+      <a:ln w="9525" cap="flat" cmpd="sng" algn="ctr">
+        <a:solidFill>
+          <a:schemeClr val="tx1">
+            <a:lumMod val="50000"/>
+            <a:lumOff val="50000"/>
+          </a:schemeClr>
+        </a:solidFill>
+        <a:round/>
+      </a:ln>
+    </cs:spPr>
+  </cs:hiLoLine>
+  <cs:leaderLine>
+    <cs:lnRef idx="0"/>
+    <cs:fillRef idx="0"/>
+    <cs:effectRef idx="0"/>
+    <cs:fontRef idx="minor">
+      <a:schemeClr val="tx1"/>
+    </cs:fontRef>
+    <cs:spPr>
+      <a:ln w="9525" cap="flat" cmpd="sng" algn="ctr">
+        <a:solidFill>
+          <a:schemeClr val="tx1">
+            <a:lumMod val="35000"/>
+            <a:lumOff val="65000"/>
+          </a:schemeClr>
+        </a:solidFill>
+        <a:round/>
+      </a:ln>
+    </cs:spPr>
+  </cs:leaderLine>
+  <cs:legend>
+    <cs:lnRef idx="0"/>
+    <cs:fillRef idx="0"/>
+    <cs:effectRef idx="0"/>
+    <cs:fontRef idx="minor">
+      <a:schemeClr val="tx1">
+        <a:lumMod val="65000"/>
+        <a:lumOff val="35000"/>
+      </a:schemeClr>
+    </cs:fontRef>
+    <cs:defRPr sz="900" kern="1200"/>
+  </cs:legend>
+  <cs:plotArea mods="allowNoFillOverride allowNoLineOverride">
+    <cs:lnRef idx="0"/>
+    <cs:fillRef idx="0"/>
+    <cs:effectRef idx="0"/>
+    <cs:fontRef idx="minor">
+      <a:schemeClr val="tx1"/>
+    </cs:fontRef>
+  </cs:plotArea>
+  <cs:plotArea3D mods="allowNoFillOverride allowNoLineOverride">
+    <cs:lnRef idx="0"/>
+    <cs:fillRef idx="0"/>
+    <cs:effectRef idx="0"/>
+    <cs:fontRef idx="minor">
+      <a:schemeClr val="tx1"/>
+    </cs:fontRef>
+  </cs:plotArea3D>
+  <cs:seriesAxis>
+    <cs:lnRef idx="0"/>
+    <cs:fillRef idx="0"/>
+    <cs:effectRef idx="0"/>
+    <cs:fontRef idx="minor">
+      <a:schemeClr val="tx1">
+        <a:lumMod val="65000"/>
+        <a:lumOff val="35000"/>
+      </a:schemeClr>
+    </cs:fontRef>
+    <cs:defRPr sz="900" kern="1200"/>
+  </cs:seriesAxis>
+  <cs:seriesLine>
+    <cs:lnRef idx="0"/>
+    <cs:fillRef idx="0"/>
+    <cs:effectRef idx="0"/>
+    <cs:fontRef idx="minor">
+      <a:schemeClr val="tx1"/>
+    </cs:fontRef>
+    <cs:spPr>
+      <a:ln w="9525" cap="flat" cmpd="sng" algn="ctr">
+        <a:solidFill>
+          <a:schemeClr val="tx1">
+            <a:lumMod val="35000"/>
+            <a:lumOff val="65000"/>
+          </a:schemeClr>
+        </a:solidFill>
+        <a:round/>
+      </a:ln>
+    </cs:spPr>
+  </cs:seriesLine>
+  <cs:title>
+    <cs:lnRef idx="0"/>
+    <cs:fillRef idx="0"/>
+    <cs:effectRef idx="0"/>
+    <cs:fontRef idx="minor">
+      <a:schemeClr val="tx1">
+        <a:lumMod val="65000"/>
+        <a:lumOff val="35000"/>
+      </a:schemeClr>
+    </cs:fontRef>
+    <cs:defRPr sz="1400" b="0" kern="1200" spc="0" baseline="0"/>
+  </cs:title>
+  <cs:trendline>
+    <cs:lnRef idx="0">
+      <cs:styleClr val="auto"/>
+    </cs:lnRef>
+    <cs:fillRef idx="0"/>
+    <cs:effectRef idx="0"/>
+    <cs:fontRef idx="minor">
+      <a:schemeClr val="tx1"/>
+    </cs:fontRef>
+    <cs:spPr>
+      <a:ln w="19050" cap="rnd">
+        <a:solidFill>
+          <a:schemeClr val="phClr"/>
+        </a:solidFill>
+        <a:prstDash val="sysDot"/>
+      </a:ln>
+    </cs:spPr>
+  </cs:trendline>
+  <cs:trendlineLabel>
+    <cs:lnRef idx="0"/>
+    <cs:fillRef idx="0"/>
+    <cs:effectRef idx="0"/>
+    <cs:fontRef idx="minor">
+      <a:schemeClr val="tx1">
+        <a:lumMod val="65000"/>
+        <a:lumOff val="35000"/>
+      </a:schemeClr>
+    </cs:fontRef>
+    <cs:defRPr sz="900" kern="1200"/>
+  </cs:trendlineLabel>
+  <cs:upBar>
+    <cs:lnRef idx="0"/>
+    <cs:fillRef idx="0"/>
+    <cs:effectRef idx="0"/>
+    <cs:fontRef idx="minor">
+      <a:schemeClr val="tx1"/>
+    </cs:fontRef>
+    <cs:spPr>
+      <a:solidFill>
+        <a:schemeClr val="lt1"/>
+      </a:solidFill>
+      <a:ln w="9525" cap="flat" cmpd="sng" algn="ctr">
+        <a:solidFill>
+          <a:schemeClr val="tx1">
+            <a:lumMod val="65000"/>
+            <a:lumOff val="35000"/>
+          </a:schemeClr>
+        </a:solidFill>
+        <a:round/>
+      </a:ln>
+    </cs:spPr>
+  </cs:upBar>
+  <cs:valueAxis>
+    <cs:lnRef idx="0"/>
+    <cs:fillRef idx="0"/>
+    <cs:effectRef idx="0"/>
+    <cs:fontRef idx="minor">
+      <a:schemeClr val="tx1">
+        <a:lumMod val="65000"/>
+        <a:lumOff val="35000"/>
+      </a:schemeClr>
+    </cs:fontRef>
+    <cs:spPr>
+      <a:ln w="9525" cap="flat" cmpd="sng" algn="ctr">
+        <a:solidFill>
+          <a:schemeClr val="tx1">
+            <a:lumMod val="25000"/>
+            <a:lumOff val="75000"/>
+          </a:schemeClr>
+        </a:solidFill>
+        <a:round/>
+      </a:ln>
+    </cs:spPr>
+    <cs:defRPr sz="900" kern="1200"/>
+  </cs:valueAxis>
+  <cs:wall>
+    <cs:lnRef idx="0"/>
+    <cs:fillRef idx="0"/>
+    <cs:effectRef idx="0"/>
+    <cs:fontRef idx="minor">
+      <a:schemeClr val="tx1"/>
+    </cs:fontRef>
+    <cs:spPr>
+      <a:noFill/>
+      <a:ln>
+        <a:noFill/>
+      </a:ln>
+    </cs:spPr>
+  </cs:wall>
+</cs:chartStyle>
+</file>
+
+<file path=ppt/charts/style3.xml><?xml version="1.0" encoding="utf-8"?>
+<cs:chartStyle xmlns:cs="http://schemas.microsoft.com/office/drawing/2012/chartStyle" xmlns:a="http://schemas.openxmlformats.org/drawingml/2006/main" id="396">
+  <cs:axisTitle>
+    <cs:lnRef idx="0"/>
+    <cs:fillRef idx="0"/>
+    <cs:effectRef idx="0"/>
+    <cs:fontRef idx="minor">
+      <a:schemeClr val="tx1">
+        <a:lumMod val="65000"/>
+        <a:lumOff val="35000"/>
+      </a:schemeClr>
+    </cs:fontRef>
+    <cs:defRPr sz="900" b="1"/>
+  </cs:axisTitle>
+  <cs:categoryAxis>
+    <cs:lnRef idx="0"/>
+    <cs:fillRef idx="0"/>
+    <cs:effectRef idx="0"/>
+    <cs:fontRef idx="minor">
+      <a:schemeClr val="tx1">
+        <a:lumMod val="65000"/>
+        <a:lumOff val="35000"/>
+      </a:schemeClr>
+    </cs:fontRef>
+    <cs:spPr>
+      <a:ln w="19050" cap="flat" cmpd="sng" algn="ctr">
+        <a:solidFill>
+          <a:schemeClr val="tx1">
+            <a:lumMod val="25000"/>
+            <a:lumOff val="75000"/>
+          </a:schemeClr>
+        </a:solidFill>
+        <a:round/>
+      </a:ln>
+    </cs:spPr>
+    <cs:defRPr sz="900"/>
+  </cs:categoryAxis>
+  <cs:chartArea mods="allowNoFillOverride allowNoLineOverride">
+    <cs:lnRef idx="0"/>
+    <cs:fillRef idx="0"/>
+    <cs:effectRef idx="0"/>
+    <cs:fontRef idx="minor">
+      <a:schemeClr val="dk1"/>
+    </cs:fontRef>
+    <cs:spPr>
+      <a:solidFill>
+        <a:schemeClr val="bg1"/>
+      </a:solidFill>
+      <a:ln w="9525" cap="flat" cmpd="sng" algn="ctr">
+        <a:solidFill>
+          <a:schemeClr val="tx1">
+            <a:lumMod val="15000"/>
+            <a:lumOff val="85000"/>
+          </a:schemeClr>
+        </a:solidFill>
+        <a:round/>
+      </a:ln>
+    </cs:spPr>
+    <cs:defRPr sz="900"/>
+  </cs:chartArea>
+  <cs:dataLabel>
+    <cs:lnRef idx="0"/>
+    <cs:fillRef idx="0"/>
+    <cs:effectRef idx="0"/>
+    <cs:fontRef idx="minor">
+      <a:schemeClr val="tx1">
+        <a:lumMod val="75000"/>
+        <a:lumOff val="25000"/>
+      </a:schemeClr>
+    </cs:fontRef>
+    <cs:defRPr sz="900"/>
+  </cs:dataLabel>
+  <cs:dataLabelCallout>
+    <cs:lnRef idx="0"/>
+    <cs:fillRef idx="0"/>
+    <cs:effectRef idx="0"/>
+    <cs:fontRef idx="minor">
+      <a:schemeClr val="dk1">
+        <a:lumMod val="65000"/>
+        <a:lumOff val="35000"/>
+      </a:schemeClr>
+    </cs:fontRef>
+    <cs:spPr>
+      <a:solidFill>
+        <a:schemeClr val="lt1"/>
+      </a:solidFill>
+      <a:ln>
+        <a:solidFill>
+          <a:schemeClr val="dk1">
+            <a:lumMod val="25000"/>
+            <a:lumOff val="75000"/>
+          </a:schemeClr>
+        </a:solidFill>
+      </a:ln>
+    </cs:spPr>
+    <cs:defRPr sz="900"/>
+    <cs:bodyPr rot="0" spcFirstLastPara="1" vertOverflow="clip" horzOverflow="clip" vert="horz" wrap="square" lIns="36576" tIns="18288" rIns="36576" bIns="18288" anchor="ctr" anchorCtr="1">
+      <a:spAutoFit/>
+    </cs:bodyPr>
+  </cs:dataLabelCallout>
+  <cs:dataPoint>
+    <cs:lnRef idx="0"/>
+    <cs:fillRef idx="0">
+      <cs:styleClr val="auto"/>
+    </cs:fillRef>
+    <cs:effectRef idx="0">
+      <cs:styleClr val="auto"/>
+    </cs:effectRef>
+    <cs:fontRef idx="minor">
+      <a:schemeClr val="dk1"/>
+    </cs:fontRef>
+    <cs:spPr>
+      <a:pattFill prst="narHorz">
+        <a:fgClr>
+          <a:schemeClr val="phClr"/>
+        </a:fgClr>
+        <a:bgClr>
+          <a:schemeClr val="phClr">
+            <a:lumMod val="20000"/>
+            <a:lumOff val="80000"/>
+          </a:schemeClr>
+        </a:bgClr>
+      </a:pattFill>
+      <a:effectLst>
+        <a:innerShdw blurRad="114300">
+          <a:schemeClr val="phClr"/>
+        </a:innerShdw>
+      </a:effectLst>
+    </cs:spPr>
+  </cs:dataPoint>
+  <cs:dataPoint3D>
+    <cs:lnRef idx="0"/>
+    <cs:fillRef idx="0">
+      <cs:styleClr val="auto"/>
+    </cs:fillRef>
+    <cs:effectRef idx="0"/>
+    <cs:fontRef idx="minor">
+      <a:schemeClr val="dk1"/>
+    </cs:fontRef>
+    <cs:spPr>
+      <a:solidFill>
+        <a:schemeClr val="phClr"/>
+      </a:solidFill>
+      <a:effectLst>
+        <a:innerShdw blurRad="114300">
+          <a:schemeClr val="phClr"/>
+        </a:innerShdw>
+      </a:effectLst>
+    </cs:spPr>
+  </cs:dataPoint3D>
+  <cs:dataPointLine>
+    <cs:lnRef idx="0">
+      <cs:styleClr val="auto"/>
+    </cs:lnRef>
+    <cs:fillRef idx="0"/>
+    <cs:effectRef idx="0"/>
+    <cs:fontRef idx="minor">
+      <a:schemeClr val="dk1"/>
+    </cs:fontRef>
+    <cs:spPr>
+      <a:ln w="28575" cap="rnd">
+        <a:solidFill>
+          <a:schemeClr val="phClr"/>
+        </a:solidFill>
+        <a:round/>
+      </a:ln>
+    </cs:spPr>
+  </cs:dataPointLine>
+  <cs:dataPointMarker>
+    <cs:lnRef idx="0"/>
+    <cs:fillRef idx="0">
+      <cs:styleClr val="auto"/>
+    </cs:fillRef>
+    <cs:effectRef idx="0"/>
+    <cs:fontRef idx="minor">
+      <a:schemeClr val="dk1"/>
+    </cs:fontRef>
+    <cs:spPr>
+      <a:solidFill>
+        <a:schemeClr val="phClr"/>
+      </a:solidFill>
+      <a:ln w="9525">
+        <a:solidFill>
+          <a:schemeClr val="lt1"/>
+        </a:solidFill>
+      </a:ln>
+    </cs:spPr>
+  </cs:dataPointMarker>
+  <cs:dataPointMarkerLayout symbol="circle" size="6"/>
+  <cs:dataPointWireframe>
+    <cs:lnRef idx="0">
+      <cs:styleClr val="auto"/>
+    </cs:lnRef>
+    <cs:fillRef idx="0"/>
+    <cs:effectRef idx="0"/>
+    <cs:fontRef idx="minor">
+      <a:schemeClr val="dk1"/>
+    </cs:fontRef>
+    <cs:spPr>
+      <a:ln w="28575" cap="rnd">
+        <a:solidFill>
+          <a:schemeClr val="phClr"/>
+        </a:solidFill>
+        <a:round/>
+      </a:ln>
+    </cs:spPr>
+  </cs:dataPointWireframe>
+  <cs:dataTable>
+    <cs:lnRef idx="0"/>
+    <cs:fillRef idx="0"/>
+    <cs:effectRef idx="0"/>
+    <cs:fontRef idx="minor">
+      <a:schemeClr val="tx1">
+        <a:lumMod val="65000"/>
+        <a:lumOff val="35000"/>
+      </a:schemeClr>
+    </cs:fontRef>
+    <cs:spPr>
+      <a:ln w="9525">
+        <a:solidFill>
+          <a:schemeClr val="tx1">
+            <a:lumMod val="25000"/>
+            <a:lumOff val="75000"/>
+          </a:schemeClr>
+        </a:solidFill>
+      </a:ln>
+    </cs:spPr>
+    <cs:defRPr sz="900"/>
+  </cs:dataTable>
+  <cs:downBar>
+    <cs:lnRef idx="0"/>
+    <cs:fillRef idx="0"/>
+    <cs:effectRef idx="0"/>
+    <cs:fontRef idx="minor">
+      <a:schemeClr val="dk1"/>
+    </cs:fontRef>
+    <cs:spPr>
+      <a:solidFill>
+        <a:schemeClr val="dk1">
+          <a:lumMod val="75000"/>
+          <a:lumOff val="25000"/>
+        </a:schemeClr>
+      </a:solidFill>
+      <a:ln w="9525">
+        <a:solidFill>
+          <a:schemeClr val="tx1">
+            <a:lumMod val="15000"/>
+            <a:lumOff val="85000"/>
+          </a:schemeClr>
+        </a:solidFill>
+      </a:ln>
+    </cs:spPr>
+  </cs:downBar>
+  <cs:dropLine>
+    <cs:lnRef idx="0"/>
+    <cs:fillRef idx="0"/>
+    <cs:effectRef idx="0"/>
+    <cs:fontRef idx="minor">
+      <a:schemeClr val="dk1"/>
+    </cs:fontRef>
+    <cs:spPr>
+      <a:ln w="9525">
+        <a:solidFill>
+          <a:schemeClr val="tx1">
+            <a:lumMod val="35000"/>
+            <a:lumOff val="65000"/>
+          </a:schemeClr>
+        </a:solidFill>
+        <a:round/>
+      </a:ln>
+    </cs:spPr>
+  </cs:dropLine>
+  <cs:errorBar>
+    <cs:lnRef idx="0"/>
+    <cs:fillRef idx="0"/>
+    <cs:effectRef idx="0"/>
+    <cs:fontRef idx="minor">
+      <a:schemeClr val="dk1"/>
+    </cs:fontRef>
+    <cs:spPr>
+      <a:ln w="9525">
+        <a:solidFill>
+          <a:schemeClr val="tx1">
+            <a:lumMod val="50000"/>
+            <a:lumOff val="50000"/>
+          </a:schemeClr>
+        </a:solidFill>
+        <a:round/>
+      </a:ln>
+    </cs:spPr>
+  </cs:errorBar>
+  <cs:floor>
+    <cs:lnRef idx="0"/>
+    <cs:fillRef idx="0"/>
+    <cs:effectRef idx="0"/>
+    <cs:fontRef idx="minor">
+      <a:schemeClr val="dk1"/>
+    </cs:fontRef>
+  </cs:floor>
+  <cs:gridlineMajor>
+    <cs:lnRef idx="0"/>
+    <cs:fillRef idx="0"/>
+    <cs:effectRef idx="0"/>
+    <cs:fontRef idx="minor">
+      <a:schemeClr val="dk1"/>
+    </cs:fontRef>
+    <cs:spPr>
+      <a:ln>
+        <a:solidFill>
+          <a:schemeClr val="tx1">
+            <a:lumMod val="25000"/>
+            <a:lumOff val="75000"/>
+          </a:schemeClr>
+        </a:solidFill>
+      </a:ln>
+    </cs:spPr>
+  </cs:gridlineMajor>
+  <cs:gridlineMinor>
+    <cs:lnRef idx="0"/>
+    <cs:fillRef idx="0"/>
+    <cs:effectRef idx="0"/>
+    <cs:fontRef idx="minor">
+      <a:schemeClr val="dk1"/>
+    </cs:fontRef>
+    <cs:spPr>
+      <a:ln>
+        <a:solidFill>
+          <a:schemeClr val="tx1">
+            <a:lumMod val="25000"/>
+            <a:lumOff val="75000"/>
+            <a:lumOff val="10000"/>
+          </a:schemeClr>
+        </a:solidFill>
+      </a:ln>
+    </cs:spPr>
+  </cs:gridlineMinor>
+  <cs:hiLoLine>
+    <cs:lnRef idx="0"/>
+    <cs:fillRef idx="0"/>
+    <cs:effectRef idx="0"/>
+    <cs:fontRef idx="minor">
+      <a:schemeClr val="dk1"/>
+    </cs:fontRef>
+    <cs:spPr>
+      <a:ln w="9525">
+        <a:solidFill>
+          <a:schemeClr val="tx1">
+            <a:lumMod val="50000"/>
+            <a:lumOff val="50000"/>
+          </a:schemeClr>
+        </a:solidFill>
+      </a:ln>
+    </cs:spPr>
+  </cs:hiLoLine>
+  <cs:leaderLine>
+    <cs:lnRef idx="0"/>
+    <cs:fillRef idx="0"/>
+    <cs:effectRef idx="0"/>
+    <cs:fontRef idx="minor">
+      <a:schemeClr val="dk1"/>
+    </cs:fontRef>
+    <cs:spPr>
+      <a:ln w="9525">
+        <a:solidFill>
+          <a:schemeClr val="tx1">
+            <a:lumMod val="35000"/>
+            <a:lumOff val="65000"/>
+          </a:schemeClr>
+        </a:solidFill>
+      </a:ln>
+    </cs:spPr>
+  </cs:leaderLine>
+  <cs:legend>
+    <cs:lnRef idx="0"/>
+    <cs:fillRef idx="0"/>
+    <cs:effectRef idx="0"/>
+    <cs:fontRef idx="minor">
+      <a:schemeClr val="tx1">
+        <a:lumMod val="65000"/>
+        <a:lumOff val="35000"/>
+      </a:schemeClr>
+    </cs:fontRef>
+    <cs:defRPr sz="900"/>
+  </cs:legend>
+  <cs:plotArea mods="allowNoFillOverride allowNoLineOverride">
+    <cs:lnRef idx="0"/>
+    <cs:fillRef idx="0"/>
+    <cs:effectRef idx="0"/>
+    <cs:fontRef idx="minor">
+      <a:schemeClr val="dk1"/>
+    </cs:fontRef>
+  </cs:plotArea>
+  <cs:plotArea3D mods="allowNoFillOverride allowNoLineOverride">
+    <cs:lnRef idx="0"/>
+    <cs:fillRef idx="0"/>
+    <cs:effectRef idx="0"/>
+    <cs:fontRef idx="minor">
+      <a:schemeClr val="dk1"/>
+    </cs:fontRef>
+  </cs:plotArea3D>
+  <cs:seriesAxis>
+    <cs:lnRef idx="0"/>
+    <cs:fillRef idx="0"/>
+    <cs:effectRef idx="0"/>
+    <cs:fontRef idx="minor">
+      <a:schemeClr val="tx1">
+        <a:lumMod val="65000"/>
+        <a:lumOff val="35000"/>
+      </a:schemeClr>
+    </cs:fontRef>
+    <cs:spPr>
+      <a:ln w="19050" cap="flat" cmpd="sng" algn="ctr">
+        <a:solidFill>
+          <a:schemeClr val="tx1">
+            <a:lumMod val="25000"/>
+            <a:lumOff val="75000"/>
+          </a:schemeClr>
+        </a:solidFill>
+        <a:round/>
+      </a:ln>
+    </cs:spPr>
+    <cs:defRPr sz="900"/>
+  </cs:seriesAxis>
+  <cs:seriesLine>
+    <cs:lnRef idx="0"/>
+    <cs:fillRef idx="0"/>
+    <cs:effectRef idx="0"/>
+    <cs:fontRef idx="minor">
+      <a:schemeClr val="dk1"/>
+    </cs:fontRef>
+    <cs:spPr>
+      <a:ln w="9525" cap="flat">
+        <a:solidFill>
+          <a:srgbClr val="D9D9D9"/>
+        </a:solidFill>
+        <a:round/>
+      </a:ln>
+    </cs:spPr>
+  </cs:seriesLine>
+  <cs:title>
+    <cs:lnRef idx="0"/>
+    <cs:fillRef idx="0"/>
+    <cs:effectRef idx="0"/>
+    <cs:fontRef idx="minor">
+      <a:schemeClr val="tx1">
+        <a:lumMod val="50000"/>
+        <a:lumOff val="50000"/>
+      </a:schemeClr>
+    </cs:fontRef>
+    <cs:defRPr sz="1800" b="1" cap="all" spc="150"/>
+  </cs:title>
+  <cs:trendline>
+    <cs:lnRef idx="0">
+      <cs:styleClr val="auto"/>
+    </cs:lnRef>
+    <cs:fillRef idx="0"/>
+    <cs:effectRef idx="0"/>
+    <cs:fontRef idx="minor">
+      <a:schemeClr val="dk1"/>
+    </cs:fontRef>
+    <cs:spPr>
+      <a:ln w="19050" cap="rnd">
+        <a:solidFill>
+          <a:schemeClr val="phClr"/>
+        </a:solidFill>
+        <a:prstDash val="sysDash"/>
+      </a:ln>
+    </cs:spPr>
+  </cs:trendline>
+  <cs:trendlineLabel>
+    <cs:lnRef idx="0"/>
+    <cs:fillRef idx="0"/>
+    <cs:effectRef idx="0"/>
+    <cs:fontRef idx="minor">
+      <a:schemeClr val="tx1">
+        <a:lumMod val="65000"/>
+        <a:lumOff val="35000"/>
+      </a:schemeClr>
+    </cs:fontRef>
+    <cs:defRPr sz="900"/>
+  </cs:trendlineLabel>
+  <cs:upBar>
+    <cs:lnRef idx="0"/>
+    <cs:fillRef idx="0"/>
+    <cs:effectRef idx="0"/>
+    <cs:fontRef idx="minor">
+      <a:schemeClr val="dk1"/>
+    </cs:fontRef>
+    <cs:spPr>
+      <a:solidFill>
+        <a:schemeClr val="lt1"/>
+      </a:solidFill>
+      <a:ln w="9525">
+        <a:solidFill>
+          <a:schemeClr val="tx1">
+            <a:lumMod val="65000"/>
+            <a:lumOff val="35000"/>
+          </a:schemeClr>
+        </a:solidFill>
+      </a:ln>
+    </cs:spPr>
+  </cs:upBar>
+  <cs:valueAxis>
+    <cs:lnRef idx="0"/>
+    <cs:fillRef idx="0"/>
+    <cs:effectRef idx="0"/>
+    <cs:fontRef idx="minor">
+      <a:schemeClr val="tx1">
+        <a:lumMod val="65000"/>
+        <a:lumOff val="35000"/>
+      </a:schemeClr>
+    </cs:fontRef>
+    <cs:defRPr sz="900"/>
+  </cs:valueAxis>
+  <cs:wall>
+    <cs:lnRef idx="0"/>
+    <cs:fillRef idx="0"/>
+    <cs:effectRef idx="0"/>
+    <cs:fontRef idx="minor">
+      <a:schemeClr val="dk1"/>
+    </cs:fontRef>
+  </cs:wall>
+</cs:chartStyle>
+</file>
+
+<file path=ppt/charts/style4.xml><?xml version="1.0" encoding="utf-8"?>
+<cs:chartStyle xmlns:cs="http://schemas.microsoft.com/office/drawing/2012/chartStyle" xmlns:a="http://schemas.openxmlformats.org/drawingml/2006/main" id="283">
+  <cs:axisTitle>
+    <cs:lnRef idx="0"/>
+    <cs:fillRef idx="0"/>
+    <cs:effectRef idx="0"/>
+    <cs:fontRef idx="minor">
+      <a:schemeClr val="lt1">
+        <a:lumMod val="85000"/>
+      </a:schemeClr>
+    </cs:fontRef>
+    <cs:defRPr sz="900" b="1" kern="1200" cap="all"/>
+  </cs:axisTitle>
+  <cs:categoryAxis>
+    <cs:lnRef idx="0"/>
+    <cs:fillRef idx="0"/>
+    <cs:effectRef idx="0"/>
+    <cs:fontRef idx="minor">
+      <a:schemeClr val="lt1">
+        <a:lumMod val="85000"/>
+      </a:schemeClr>
+    </cs:fontRef>
+    <cs:spPr>
+      <a:ln w="12700" cap="flat" cmpd="sng" algn="ctr">
+        <a:solidFill>
+          <a:schemeClr val="lt1">
+            <a:lumMod val="95000"/>
+            <a:alpha val="54000"/>
+          </a:schemeClr>
+        </a:solidFill>
+        <a:round/>
+      </a:ln>
+    </cs:spPr>
+    <cs:defRPr sz="900" kern="1200"/>
+  </cs:categoryAxis>
+  <cs:chartArea>
+    <cs:lnRef idx="0"/>
+    <cs:fillRef idx="0"/>
+    <cs:effectRef idx="0"/>
+    <cs:fontRef idx="minor">
+      <a:schemeClr val="dk1"/>
+    </cs:fontRef>
+    <cs:spPr>
+      <a:gradFill flip="none" rotWithShape="1">
+        <a:gsLst>
+          <a:gs pos="0">
+            <a:schemeClr val="dk1">
+              <a:lumMod val="65000"/>
+              <a:lumOff val="35000"/>
+            </a:schemeClr>
+          </a:gs>
+          <a:gs pos="100000">
+            <a:schemeClr val="dk1">
+              <a:lumMod val="85000"/>
+              <a:lumOff val="15000"/>
+            </a:schemeClr>
+          </a:gs>
+        </a:gsLst>
+        <a:path path="circle">
+          <a:fillToRect l="50000" t="50000" r="50000" b="50000"/>
+        </a:path>
+        <a:tileRect/>
+      </a:gradFill>
+    </cs:spPr>
+    <cs:defRPr sz="1000" kern="1200"/>
+  </cs:chartArea>
+  <cs:dataLabel>
+    <cs:lnRef idx="0"/>
+    <cs:fillRef idx="0"/>
+    <cs:effectRef idx="0"/>
+    <cs:fontRef idx="minor">
+      <a:schemeClr val="lt1">
+        <a:lumMod val="85000"/>
+      </a:schemeClr>
+    </cs:fontRef>
+    <cs:defRPr sz="900" kern="1200"/>
+  </cs:dataLabel>
+  <cs:dataLabelCallout>
+    <cs:lnRef idx="0"/>
+    <cs:fillRef idx="0"/>
+    <cs:effectRef idx="0"/>
+    <cs:fontRef idx="minor">
+      <a:schemeClr val="dk1">
+        <a:lumMod val="65000"/>
+        <a:lumOff val="35000"/>
+      </a:schemeClr>
+    </cs:fontRef>
+    <cs:spPr>
+      <a:solidFill>
+        <a:schemeClr val="lt1"/>
+      </a:solidFill>
+    </cs:spPr>
+    <cs:defRPr sz="900" kern="1200"/>
+    <cs:bodyPr rot="0" spcFirstLastPara="1" vertOverflow="clip" horzOverflow="clip" vert="horz" wrap="square" lIns="36576" tIns="18288" rIns="36576" bIns="18288" anchor="ctr" anchorCtr="1">
+      <a:spAutoFit/>
+    </cs:bodyPr>
+  </cs:dataLabelCallout>
+  <cs:dataPoint>
+    <cs:lnRef idx="0"/>
+    <cs:fillRef idx="3">
+      <cs:styleClr val="auto"/>
+    </cs:fillRef>
+    <cs:effectRef idx="3"/>
+    <cs:fontRef idx="minor">
+      <a:schemeClr val="tx1"/>
+    </cs:fontRef>
+  </cs:dataPoint>
+  <cs:dataPoint3D>
+    <cs:lnRef idx="0"/>
+    <cs:fillRef idx="3">
+      <cs:styleClr val="auto"/>
+    </cs:fillRef>
+    <cs:effectRef idx="3"/>
+    <cs:fontRef idx="minor">
+      <a:schemeClr val="tx1"/>
+    </cs:fontRef>
+  </cs:dataPoint3D>
+  <cs:dataPointLine>
+    <cs:lnRef idx="0">
+      <cs:styleClr val="auto"/>
+    </cs:lnRef>
+    <cs:fillRef idx="3"/>
+    <cs:effectRef idx="3"/>
+    <cs:fontRef idx="minor">
+      <a:schemeClr val="tx1"/>
+    </cs:fontRef>
+    <cs:spPr>
+      <a:ln w="34925" cap="rnd">
+        <a:solidFill>
+          <a:schemeClr val="phClr"/>
+        </a:solidFill>
+        <a:round/>
+      </a:ln>
+    </cs:spPr>
+  </cs:dataPointLine>
+  <cs:dataPointMarker>
+    <cs:lnRef idx="0">
+      <cs:styleClr val="auto"/>
+    </cs:lnRef>
+    <cs:fillRef idx="3">
+      <cs:styleClr val="auto"/>
+    </cs:fillRef>
+    <cs:effectRef idx="3"/>
+    <cs:fontRef idx="minor">
+      <a:schemeClr val="tx1"/>
+    </cs:fontRef>
+    <cs:spPr>
+      <a:ln w="9525">
+        <a:solidFill>
+          <a:schemeClr val="phClr"/>
+        </a:solidFill>
+        <a:round/>
+      </a:ln>
+    </cs:spPr>
+  </cs:dataPointMarker>
+  <cs:dataPointMarkerLayout symbol="circle" size="6"/>
+  <cs:dataPointWireframe>
+    <cs:lnRef idx="0">
+      <cs:styleClr val="auto"/>
+    </cs:lnRef>
+    <cs:fillRef idx="3"/>
+    <cs:effectRef idx="3"/>
+    <cs:fontRef idx="minor">
+      <a:schemeClr val="tx1"/>
+    </cs:fontRef>
+    <cs:spPr>
+      <a:ln w="9525" cap="rnd">
+        <a:solidFill>
+          <a:schemeClr val="phClr"/>
+        </a:solidFill>
+        <a:round/>
+      </a:ln>
+    </cs:spPr>
+  </cs:dataPointWireframe>
+  <cs:dataTable>
+    <cs:lnRef idx="0"/>
+    <cs:fillRef idx="0"/>
+    <cs:effectRef idx="0"/>
+    <cs:fontRef idx="minor">
+      <a:schemeClr val="lt1">
+        <a:lumMod val="85000"/>
+      </a:schemeClr>
+    </cs:fontRef>
+    <cs:spPr>
+      <a:ln w="9525">
+        <a:solidFill>
+          <a:schemeClr val="lt1">
+            <a:lumMod val="95000"/>
+            <a:alpha val="54000"/>
+          </a:schemeClr>
+        </a:solidFill>
+      </a:ln>
+    </cs:spPr>
+    <cs:defRPr sz="900" kern="1200"/>
+  </cs:dataTable>
+  <cs:downBar>
+    <cs:lnRef idx="0"/>
+    <cs:fillRef idx="0"/>
+    <cs:effectRef idx="0"/>
+    <cs:fontRef idx="minor">
+      <a:schemeClr val="tx1"/>
+    </cs:fontRef>
+    <cs:spPr>
+      <a:solidFill>
+        <a:schemeClr val="dk1">
+          <a:lumMod val="75000"/>
+          <a:lumOff val="25000"/>
+        </a:schemeClr>
+      </a:solidFill>
+      <a:ln w="9525">
+        <a:solidFill>
+          <a:schemeClr val="lt1">
+            <a:lumMod val="95000"/>
+            <a:alpha val="54000"/>
+          </a:schemeClr>
+        </a:solidFill>
+      </a:ln>
+    </cs:spPr>
+  </cs:downBar>
+  <cs:dropLine>
+    <cs:lnRef idx="0"/>
+    <cs:fillRef idx="0"/>
+    <cs:effectRef idx="0"/>
+    <cs:fontRef idx="minor">
+      <a:schemeClr val="tx1"/>
+    </cs:fontRef>
+    <cs:spPr>
+      <a:ln w="9525">
+        <a:solidFill>
+          <a:schemeClr val="lt1">
+            <a:lumMod val="95000"/>
+            <a:alpha val="54000"/>
+          </a:schemeClr>
+        </a:solidFill>
+        <a:prstDash val="dash"/>
+      </a:ln>
+    </cs:spPr>
+  </cs:dropLine>
+  <cs:errorBar>
+    <cs:lnRef idx="0"/>
+    <cs:fillRef idx="0"/>
+    <cs:effectRef idx="0"/>
+    <cs:fontRef idx="minor">
+      <a:schemeClr val="tx1"/>
+    </cs:fontRef>
+    <cs:spPr>
+      <a:ln w="9525" cap="flat" cmpd="sng" algn="ctr">
+        <a:solidFill>
+          <a:schemeClr val="lt1">
+            <a:lumMod val="95000"/>
+          </a:schemeClr>
+        </a:solidFill>
+        <a:round/>
+      </a:ln>
+    </cs:spPr>
+  </cs:errorBar>
+  <cs:floor>
+    <cs:lnRef idx="0"/>
+    <cs:fillRef idx="0"/>
+    <cs:effectRef idx="0"/>
+    <cs:fontRef idx="minor">
+      <a:schemeClr val="tx1"/>
+    </cs:fontRef>
+  </cs:floor>
+  <cs:gridlineMajor>
+    <cs:lnRef idx="0"/>
+    <cs:fillRef idx="0"/>
+    <cs:effectRef idx="0"/>
+    <cs:fontRef idx="minor">
+      <a:schemeClr val="tx1"/>
+    </cs:fontRef>
+    <cs:spPr>
+      <a:ln w="9525" cap="flat" cmpd="sng" algn="ctr">
+        <a:solidFill>
+          <a:schemeClr val="lt1">
+            <a:lumMod val="95000"/>
+            <a:alpha val="10000"/>
+          </a:schemeClr>
+        </a:solidFill>
+        <a:round/>
+      </a:ln>
+    </cs:spPr>
+  </cs:gridlineMajor>
+  <cs:gridlineMinor>
+    <cs:lnRef idx="0"/>
+    <cs:fillRef idx="0"/>
+    <cs:effectRef idx="0"/>
+    <cs:fontRef idx="minor">
+      <a:schemeClr val="tx1"/>
+    </cs:fontRef>
+    <cs:spPr>
+      <a:ln>
+        <a:solidFill>
+          <a:schemeClr val="lt1">
+            <a:lumMod val="95000"/>
+            <a:alpha val="5000"/>
+          </a:schemeClr>
+        </a:solidFill>
+      </a:ln>
+    </cs:spPr>
+  </cs:gridlineMinor>
+  <cs:hiLoLine>
+    <cs:lnRef idx="0"/>
+    <cs:fillRef idx="0"/>
+    <cs:effectRef idx="0"/>
+    <cs:fontRef idx="minor">
+      <a:schemeClr val="tx1"/>
+    </cs:fontRef>
+    <cs:spPr>
+      <a:ln w="9525">
+        <a:solidFill>
+          <a:schemeClr val="lt1">
+            <a:lumMod val="95000"/>
+            <a:alpha val="54000"/>
+          </a:schemeClr>
+        </a:solidFill>
+        <a:prstDash val="dash"/>
+      </a:ln>
+    </cs:spPr>
+  </cs:hiLoLine>
+  <cs:leaderLine>
+    <cs:lnRef idx="0"/>
+    <cs:fillRef idx="0"/>
+    <cs:effectRef idx="0"/>
+    <cs:fontRef idx="minor">
+      <a:schemeClr val="tx1"/>
+    </cs:fontRef>
+    <cs:spPr>
+      <a:ln w="9525">
+        <a:solidFill>
+          <a:schemeClr val="lt1">
+            <a:lumMod val="95000"/>
+            <a:alpha val="54000"/>
+          </a:schemeClr>
+        </a:solidFill>
+      </a:ln>
+    </cs:spPr>
+  </cs:leaderLine>
+  <cs:legend>
+    <cs:lnRef idx="0"/>
+    <cs:fillRef idx="0"/>
+    <cs:effectRef idx="0"/>
+    <cs:fontRef idx="minor">
+      <a:schemeClr val="lt1">
+        <a:lumMod val="85000"/>
+      </a:schemeClr>
+    </cs:fontRef>
+    <cs:defRPr sz="900" kern="1200"/>
+  </cs:legend>
+  <cs:plotArea>
+    <cs:lnRef idx="0"/>
+    <cs:fillRef idx="0"/>
+    <cs:effectRef idx="0"/>
+    <cs:fontRef idx="minor">
+      <a:schemeClr val="tx1"/>
+    </cs:fontRef>
+  </cs:plotArea>
+  <cs:plotArea3D>
+    <cs:lnRef idx="0"/>
+    <cs:fillRef idx="0"/>
+    <cs:effectRef idx="0"/>
+    <cs:fontRef idx="minor">
+      <a:schemeClr val="tx1"/>
+    </cs:fontRef>
+  </cs:plotArea3D>
+  <cs:seriesAxis>
+    <cs:lnRef idx="0"/>
+    <cs:fillRef idx="0"/>
+    <cs:effectRef idx="0"/>
+    <cs:fontRef idx="minor">
+      <a:schemeClr val="lt1">
+        <a:lumMod val="85000"/>
+      </a:schemeClr>
+    </cs:fontRef>
+    <cs:spPr>
+      <a:ln w="12700" cap="flat" cmpd="sng" algn="ctr">
+        <a:solidFill>
+          <a:schemeClr val="lt1">
+            <a:lumMod val="95000"/>
+            <a:alpha val="54000"/>
+          </a:schemeClr>
+        </a:solidFill>
+        <a:round/>
+      </a:ln>
+    </cs:spPr>
+    <cs:defRPr sz="900" kern="1200"/>
+  </cs:seriesAxis>
+  <cs:seriesLine>
+    <cs:lnRef idx="0"/>
+    <cs:fillRef idx="0"/>
+    <cs:effectRef idx="0"/>
+    <cs:fontRef idx="minor">
+      <a:schemeClr val="lt1"/>
+    </cs:fontRef>
+    <cs:spPr>
+      <a:ln w="9525" cap="flat" cmpd="sng" algn="ctr">
+        <a:solidFill>
+          <a:schemeClr val="lt1">
+            <a:lumMod val="95000"/>
+            <a:alpha val="54000"/>
+          </a:schemeClr>
+        </a:solidFill>
+        <a:round/>
+      </a:ln>
+    </cs:spPr>
+  </cs:seriesLine>
+  <cs:title>
+    <cs:lnRef idx="0"/>
+    <cs:fillRef idx="0"/>
+    <cs:effectRef idx="0"/>
+    <cs:fontRef idx="minor">
+      <a:schemeClr val="lt1">
+        <a:lumMod val="95000"/>
+      </a:schemeClr>
+    </cs:fontRef>
+    <cs:defRPr sz="1600" b="1" kern="1200" spc="100" baseline="0">
+      <a:effectLst>
+        <a:outerShdw blurRad="50800" dist="38100" dir="5400000" algn="t" rotWithShape="0">
+          <a:prstClr val="black">
+            <a:alpha val="40000"/>
+          </a:prstClr>
+        </a:outerShdw>
+      </a:effectLst>
+    </cs:defRPr>
+  </cs:title>
+  <cs:trendline>
+    <cs:lnRef idx="0">
+      <cs:styleClr val="auto"/>
+    </cs:lnRef>
+    <cs:fillRef idx="0"/>
+    <cs:effectRef idx="0"/>
+    <cs:fontRef idx="minor">
+      <a:schemeClr val="tx1"/>
+    </cs:fontRef>
+    <cs:spPr>
+      <a:ln w="19050" cap="rnd">
+        <a:solidFill>
+          <a:schemeClr val="phClr"/>
+        </a:solidFill>
+      </a:ln>
+    </cs:spPr>
+  </cs:trendline>
+  <cs:trendlineLabel>
+    <cs:lnRef idx="0"/>
+    <cs:fillRef idx="0"/>
+    <cs:effectRef idx="0"/>
+    <cs:fontRef idx="minor">
+      <a:schemeClr val="lt1">
+        <a:lumMod val="85000"/>
+      </a:schemeClr>
+    </cs:fontRef>
+    <cs:defRPr sz="900" kern="1200"/>
+  </cs:trendlineLabel>
+  <cs:upBar>
+    <cs:lnRef idx="0"/>
+    <cs:fillRef idx="0"/>
+    <cs:effectRef idx="0"/>
+    <cs:fontRef idx="minor">
+      <a:schemeClr val="tx1"/>
+    </cs:fontRef>
+    <cs:spPr>
+      <a:solidFill>
+        <a:schemeClr val="lt1"/>
+      </a:solidFill>
+      <a:ln w="9525">
+        <a:solidFill>
+          <a:schemeClr val="lt1">
+            <a:lumMod val="95000"/>
+            <a:alpha val="54000"/>
+          </a:schemeClr>
+        </a:solidFill>
+      </a:ln>
+    </cs:spPr>
+  </cs:upBar>
+  <cs:valueAxis>
+    <cs:lnRef idx="0"/>
+    <cs:fillRef idx="0"/>
+    <cs:effectRef idx="0"/>
+    <cs:fontRef idx="minor">
+      <a:schemeClr val="lt1">
+        <a:lumMod val="85000"/>
+      </a:schemeClr>
+    </cs:fontRef>
+    <cs:defRPr sz="900" kern="1200"/>
+  </cs:valueAxis>
+  <cs:wall>
+    <cs:lnRef idx="0"/>
+    <cs:fillRef idx="0"/>
+    <cs:effectRef idx="0"/>
+    <cs:fontRef idx="minor">
+      <a:schemeClr val="tx1"/>
+    </cs:fontRef>
+  </cs:wall>
+</cs:chartStyle>
 </file>
 
 <file path=ppt/slideLayouts/slideLayout1.xml><?xml version="1.0" encoding="utf-8"?>
@@ -5603,6 +10879,553 @@
       </p:grpSpPr>
       <p:sp>
         <p:nvSpPr>
+          <p:cNvPr id="11" name="Title 1">
+            <a:extLst>
+              <a:ext uri="{FF2B5EF4-FFF2-40B4-BE49-F238E27FC236}">
+                <a16:creationId xmlns:a16="http://schemas.microsoft.com/office/drawing/2014/main" id="{2E2A498E-DB6B-4E9E-91BA-F2ED5E11A287}"/>
+              </a:ext>
+            </a:extLst>
+          </p:cNvPr>
+          <p:cNvSpPr>
+            <a:spLocks noGrp="1"/>
+          </p:cNvSpPr>
+          <p:nvPr>
+            <p:ph type="title"/>
+          </p:nvPr>
+        </p:nvSpPr>
+        <p:spPr>
+          <a:xfrm>
+            <a:off x="536359" y="-416523"/>
+            <a:ext cx="10515600" cy="1325563"/>
+          </a:xfrm>
+        </p:spPr>
+        <p:txBody>
+          <a:bodyPr>
+            <a:normAutofit/>
+          </a:bodyPr>
+          <a:lstStyle/>
+          <a:p>
+            <a:r>
+              <a:rPr lang="en-US" sz="3100" b="1" dirty="0">
+                <a:solidFill>
+                  <a:schemeClr val="tx2">
+                    <a:lumMod val="60000"/>
+                    <a:lumOff val="40000"/>
+                  </a:schemeClr>
+                </a:solidFill>
+                <a:latin typeface="Arial Black" panose="020B0A04020102020204" pitchFamily="34" charset="0"/>
+              </a:rPr>
+              <a:t>Data – </a:t>
+            </a:r>
+            <a:endParaRPr lang="en-US" b="1" dirty="0">
+              <a:latin typeface="+mn-lt"/>
+            </a:endParaRPr>
+          </a:p>
+        </p:txBody>
+      </p:sp>
+      <p:sp>
+        <p:nvSpPr>
+          <p:cNvPr id="12" name="TextBox 11">
+            <a:extLst>
+              <a:ext uri="{FF2B5EF4-FFF2-40B4-BE49-F238E27FC236}">
+                <a16:creationId xmlns:a16="http://schemas.microsoft.com/office/drawing/2014/main" id="{71C96761-55C1-4BA4-9485-A3BC533DDBCA}"/>
+              </a:ext>
+            </a:extLst>
+          </p:cNvPr>
+          <p:cNvSpPr txBox="1"/>
+          <p:nvPr/>
+        </p:nvSpPr>
+        <p:spPr>
+          <a:xfrm>
+            <a:off x="508991" y="454152"/>
+            <a:ext cx="10662082" cy="648070"/>
+          </a:xfrm>
+          <a:prstGeom prst="rect">
+            <a:avLst/>
+          </a:prstGeom>
+          <a:solidFill>
+            <a:schemeClr val="tx2">
+              <a:lumMod val="60000"/>
+              <a:lumOff val="40000"/>
+            </a:schemeClr>
+          </a:solidFill>
+        </p:spPr>
+        <p:txBody>
+          <a:bodyPr wrap="square" rtlCol="0">
+            <a:spAutoFit/>
+          </a:bodyPr>
+          <a:lstStyle/>
+          <a:p>
+            <a:endParaRPr lang="en-US" dirty="0"/>
+          </a:p>
+        </p:txBody>
+      </p:sp>
+      <p:sp>
+        <p:nvSpPr>
+          <p:cNvPr id="14" name="TextBox 13">
+            <a:extLst>
+              <a:ext uri="{FF2B5EF4-FFF2-40B4-BE49-F238E27FC236}">
+                <a16:creationId xmlns:a16="http://schemas.microsoft.com/office/drawing/2014/main" id="{7A7B4D28-B682-4F16-ACD1-570A7737FCDA}"/>
+              </a:ext>
+            </a:extLst>
+          </p:cNvPr>
+          <p:cNvSpPr txBox="1"/>
+          <p:nvPr/>
+        </p:nvSpPr>
+        <p:spPr>
+          <a:xfrm>
+            <a:off x="9290013" y="585921"/>
+            <a:ext cx="1546195" cy="400110"/>
+          </a:xfrm>
+          <a:prstGeom prst="rect">
+            <a:avLst/>
+          </a:prstGeom>
+          <a:noFill/>
+        </p:spPr>
+        <p:txBody>
+          <a:bodyPr wrap="square" rtlCol="0">
+            <a:spAutoFit/>
+          </a:bodyPr>
+          <a:lstStyle/>
+          <a:p>
+            <a:r>
+              <a:rPr lang="en-US" sz="2000" b="1" dirty="0">
+                <a:solidFill>
+                  <a:schemeClr val="bg1">
+                    <a:lumMod val="85000"/>
+                  </a:schemeClr>
+                </a:solidFill>
+              </a:rPr>
+              <a:t>What’s New</a:t>
+            </a:r>
+          </a:p>
+        </p:txBody>
+      </p:sp>
+      <p:sp>
+        <p:nvSpPr>
+          <p:cNvPr id="15" name="TextBox 14">
+            <a:extLst>
+              <a:ext uri="{FF2B5EF4-FFF2-40B4-BE49-F238E27FC236}">
+                <a16:creationId xmlns:a16="http://schemas.microsoft.com/office/drawing/2014/main" id="{BE679332-65F5-400C-BAEB-85DDDEBF3A1A}"/>
+              </a:ext>
+            </a:extLst>
+          </p:cNvPr>
+          <p:cNvSpPr txBox="1"/>
+          <p:nvPr/>
+        </p:nvSpPr>
+        <p:spPr>
+          <a:xfrm>
+            <a:off x="945948" y="578132"/>
+            <a:ext cx="856921" cy="400110"/>
+          </a:xfrm>
+          <a:prstGeom prst="rect">
+            <a:avLst/>
+          </a:prstGeom>
+          <a:noFill/>
+        </p:spPr>
+        <p:txBody>
+          <a:bodyPr wrap="square" rtlCol="0">
+            <a:spAutoFit/>
+          </a:bodyPr>
+          <a:lstStyle/>
+          <a:p>
+            <a:r>
+              <a:rPr lang="en-US" sz="2000" b="1" dirty="0"/>
+              <a:t>Data</a:t>
+            </a:r>
+          </a:p>
+        </p:txBody>
+      </p:sp>
+      <p:sp>
+        <p:nvSpPr>
+          <p:cNvPr id="16" name="TextBox 15">
+            <a:extLst>
+              <a:ext uri="{FF2B5EF4-FFF2-40B4-BE49-F238E27FC236}">
+                <a16:creationId xmlns:a16="http://schemas.microsoft.com/office/drawing/2014/main" id="{1486FD5E-1951-413A-B0F7-1E000D36EE18}"/>
+              </a:ext>
+            </a:extLst>
+          </p:cNvPr>
+          <p:cNvSpPr txBox="1"/>
+          <p:nvPr/>
+        </p:nvSpPr>
+        <p:spPr>
+          <a:xfrm>
+            <a:off x="7150618" y="602085"/>
+            <a:ext cx="983942" cy="400110"/>
+          </a:xfrm>
+          <a:prstGeom prst="rect">
+            <a:avLst/>
+          </a:prstGeom>
+          <a:noFill/>
+        </p:spPr>
+        <p:txBody>
+          <a:bodyPr wrap="square" rtlCol="0">
+            <a:spAutoFit/>
+          </a:bodyPr>
+          <a:lstStyle/>
+          <a:p>
+            <a:r>
+              <a:rPr lang="en-US" sz="2000" b="1" dirty="0">
+                <a:solidFill>
+                  <a:schemeClr val="bg1">
+                    <a:lumMod val="85000"/>
+                  </a:schemeClr>
+                </a:solidFill>
+              </a:rPr>
+              <a:t>Chart</a:t>
+            </a:r>
+          </a:p>
+        </p:txBody>
+      </p:sp>
+      <p:sp>
+        <p:nvSpPr>
+          <p:cNvPr id="18" name="TextBox 17">
+            <a:extLst>
+              <a:ext uri="{FF2B5EF4-FFF2-40B4-BE49-F238E27FC236}">
+                <a16:creationId xmlns:a16="http://schemas.microsoft.com/office/drawing/2014/main" id="{BAD82A86-0071-4A06-9520-9EB93C0A2836}"/>
+              </a:ext>
+            </a:extLst>
+          </p:cNvPr>
+          <p:cNvSpPr txBox="1"/>
+          <p:nvPr/>
+        </p:nvSpPr>
+        <p:spPr>
+          <a:xfrm>
+            <a:off x="8297790" y="578132"/>
+            <a:ext cx="983942" cy="400110"/>
+          </a:xfrm>
+          <a:prstGeom prst="rect">
+            <a:avLst/>
+          </a:prstGeom>
+          <a:noFill/>
+        </p:spPr>
+        <p:txBody>
+          <a:bodyPr wrap="square" rtlCol="0">
+            <a:spAutoFit/>
+          </a:bodyPr>
+          <a:lstStyle/>
+          <a:p>
+            <a:r>
+              <a:rPr lang="en-US" sz="2000" b="1" dirty="0">
+                <a:solidFill>
+                  <a:schemeClr val="bg1">
+                    <a:lumMod val="95000"/>
+                  </a:schemeClr>
+                </a:solidFill>
+              </a:rPr>
+              <a:t>Map</a:t>
+            </a:r>
+          </a:p>
+        </p:txBody>
+      </p:sp>
+      <p:sp>
+        <p:nvSpPr>
+          <p:cNvPr id="17" name="TextBox 16">
+            <a:extLst>
+              <a:ext uri="{FF2B5EF4-FFF2-40B4-BE49-F238E27FC236}">
+                <a16:creationId xmlns:a16="http://schemas.microsoft.com/office/drawing/2014/main" id="{AA91CDCA-A381-4E1A-BD6E-414FACEA9D7B}"/>
+              </a:ext>
+            </a:extLst>
+          </p:cNvPr>
+          <p:cNvSpPr txBox="1"/>
+          <p:nvPr/>
+        </p:nvSpPr>
+        <p:spPr>
+          <a:xfrm>
+            <a:off x="4743271" y="51524"/>
+            <a:ext cx="1995996" cy="954107"/>
+          </a:xfrm>
+          <a:prstGeom prst="rect">
+            <a:avLst/>
+          </a:prstGeom>
+          <a:solidFill>
+            <a:schemeClr val="bg1">
+              <a:lumMod val="95000"/>
+            </a:schemeClr>
+          </a:solidFill>
+          <a:ln>
+            <a:noFill/>
+          </a:ln>
+        </p:spPr>
+        <p:style>
+          <a:lnRef idx="2">
+            <a:schemeClr val="dk1"/>
+          </a:lnRef>
+          <a:fillRef idx="1">
+            <a:schemeClr val="lt1"/>
+          </a:fillRef>
+          <a:effectRef idx="0">
+            <a:schemeClr val="dk1"/>
+          </a:effectRef>
+          <a:fontRef idx="minor">
+            <a:schemeClr val="dk1"/>
+          </a:fontRef>
+        </p:style>
+        <p:txBody>
+          <a:bodyPr wrap="square" rtlCol="0">
+            <a:spAutoFit/>
+          </a:bodyPr>
+          <a:lstStyle/>
+          <a:p>
+            <a:pPr>
+              <a:tabLst>
+                <a:tab pos="233363" algn="l"/>
+              </a:tabLst>
+            </a:pPr>
+            <a:r>
+              <a:rPr lang="en-US" sz="1400" b="1" dirty="0">
+                <a:solidFill>
+                  <a:schemeClr val="tx1"/>
+                </a:solidFill>
+              </a:rPr>
+              <a:t>	Total Fatal Injuries</a:t>
+            </a:r>
+          </a:p>
+          <a:p>
+            <a:pPr>
+              <a:tabLst>
+                <a:tab pos="233363" algn="l"/>
+              </a:tabLst>
+            </a:pPr>
+            <a:r>
+              <a:rPr lang="en-US" sz="1400" b="1" dirty="0">
+                <a:solidFill>
+                  <a:schemeClr val="tx1"/>
+                </a:solidFill>
+              </a:rPr>
+              <a:t>	Total Serious Injuries</a:t>
+            </a:r>
+          </a:p>
+          <a:p>
+            <a:pPr>
+              <a:tabLst>
+                <a:tab pos="233363" algn="l"/>
+              </a:tabLst>
+            </a:pPr>
+            <a:r>
+              <a:rPr lang="en-US" sz="1400" b="1" dirty="0">
+                <a:solidFill>
+                  <a:schemeClr val="tx1"/>
+                </a:solidFill>
+              </a:rPr>
+              <a:t>	Total  Minor Injuries</a:t>
+            </a:r>
+          </a:p>
+          <a:p>
+            <a:pPr>
+              <a:tabLst>
+                <a:tab pos="233363" algn="l"/>
+              </a:tabLst>
+            </a:pPr>
+            <a:r>
+              <a:rPr lang="en-US" sz="1400" b="1" dirty="0">
+                <a:solidFill>
+                  <a:schemeClr val="tx1"/>
+                </a:solidFill>
+              </a:rPr>
+              <a:t>	Total Injured    </a:t>
+            </a:r>
+          </a:p>
+        </p:txBody>
+      </p:sp>
+      <p:pic>
+        <p:nvPicPr>
+          <p:cNvPr id="6" name="Picture 5">
+            <a:extLst>
+              <a:ext uri="{FF2B5EF4-FFF2-40B4-BE49-F238E27FC236}">
+                <a16:creationId xmlns:a16="http://schemas.microsoft.com/office/drawing/2014/main" id="{46664156-C9D5-432F-A415-AD1BD20AAA29}"/>
+              </a:ext>
+            </a:extLst>
+          </p:cNvPr>
+          <p:cNvPicPr>
+            <a:picLocks noChangeAspect="1"/>
+          </p:cNvPicPr>
+          <p:nvPr/>
+        </p:nvPicPr>
+        <p:blipFill>
+          <a:blip r:embed="rId2"/>
+          <a:stretch>
+            <a:fillRect/>
+          </a:stretch>
+        </p:blipFill>
+        <p:spPr>
+          <a:xfrm>
+            <a:off x="1422704" y="1091490"/>
+            <a:ext cx="7859028" cy="5766510"/>
+          </a:xfrm>
+          <a:prstGeom prst="rect">
+            <a:avLst/>
+          </a:prstGeom>
+        </p:spPr>
+      </p:pic>
+      <p:sp>
+        <p:nvSpPr>
+          <p:cNvPr id="4" name="TextBox 3">
+            <a:extLst>
+              <a:ext uri="{FF2B5EF4-FFF2-40B4-BE49-F238E27FC236}">
+                <a16:creationId xmlns:a16="http://schemas.microsoft.com/office/drawing/2014/main" id="{D3206E6D-F984-4672-9360-9CA09DFFD8E2}"/>
+              </a:ext>
+            </a:extLst>
+          </p:cNvPr>
+          <p:cNvSpPr txBox="1"/>
+          <p:nvPr/>
+        </p:nvSpPr>
+        <p:spPr>
+          <a:xfrm>
+            <a:off x="1754124" y="1641693"/>
+            <a:ext cx="1224951" cy="2462213"/>
+          </a:xfrm>
+          <a:prstGeom prst="rect">
+            <a:avLst/>
+          </a:prstGeom>
+          <a:noFill/>
+        </p:spPr>
+        <p:txBody>
+          <a:bodyPr wrap="square" rtlCol="0">
+            <a:spAutoFit/>
+          </a:bodyPr>
+          <a:lstStyle/>
+          <a:p>
+            <a:r>
+              <a:rPr lang="en-US" sz="1100" b="1" dirty="0">
+                <a:solidFill>
+                  <a:schemeClr val="bg1"/>
+                </a:solidFill>
+              </a:rPr>
+              <a:t>Date</a:t>
+            </a:r>
+          </a:p>
+          <a:p>
+            <a:endParaRPr lang="en-US" sz="1100" b="1" dirty="0">
+              <a:solidFill>
+                <a:schemeClr val="bg1"/>
+              </a:solidFill>
+            </a:endParaRPr>
+          </a:p>
+          <a:p>
+            <a:endParaRPr lang="en-US" sz="1100" b="1" dirty="0">
+              <a:solidFill>
+                <a:schemeClr val="bg1"/>
+              </a:solidFill>
+            </a:endParaRPr>
+          </a:p>
+          <a:p>
+            <a:r>
+              <a:rPr lang="en-US" sz="1100" b="1" dirty="0">
+                <a:solidFill>
+                  <a:schemeClr val="bg1"/>
+                </a:solidFill>
+              </a:rPr>
+              <a:t>Country</a:t>
+            </a:r>
+          </a:p>
+          <a:p>
+            <a:endParaRPr lang="en-US" sz="1100" b="1" dirty="0">
+              <a:solidFill>
+                <a:schemeClr val="bg1"/>
+              </a:solidFill>
+            </a:endParaRPr>
+          </a:p>
+          <a:p>
+            <a:endParaRPr lang="en-US" sz="1100" b="1" dirty="0">
+              <a:solidFill>
+                <a:schemeClr val="bg1"/>
+              </a:solidFill>
+            </a:endParaRPr>
+          </a:p>
+          <a:p>
+            <a:r>
+              <a:rPr lang="en-US" sz="1100" b="1" dirty="0">
+                <a:solidFill>
+                  <a:schemeClr val="bg1"/>
+                </a:solidFill>
+              </a:rPr>
+              <a:t>Make</a:t>
+            </a:r>
+          </a:p>
+          <a:p>
+            <a:endParaRPr lang="en-US" sz="1100" b="1" dirty="0">
+              <a:solidFill>
+                <a:schemeClr val="bg1"/>
+              </a:solidFill>
+            </a:endParaRPr>
+          </a:p>
+          <a:p>
+            <a:endParaRPr lang="en-US" sz="1100" b="1" dirty="0">
+              <a:solidFill>
+                <a:schemeClr val="bg1"/>
+              </a:solidFill>
+            </a:endParaRPr>
+          </a:p>
+          <a:p>
+            <a:endParaRPr lang="en-US" sz="1100" b="1" dirty="0">
+              <a:solidFill>
+                <a:schemeClr val="bg1"/>
+              </a:solidFill>
+            </a:endParaRPr>
+          </a:p>
+          <a:p>
+            <a:endParaRPr lang="en-US" sz="1100" b="1" dirty="0">
+              <a:solidFill>
+                <a:schemeClr val="bg1"/>
+              </a:solidFill>
+            </a:endParaRPr>
+          </a:p>
+          <a:p>
+            <a:endParaRPr lang="en-US" sz="1100" b="1" dirty="0">
+              <a:solidFill>
+                <a:schemeClr val="bg1"/>
+              </a:solidFill>
+            </a:endParaRPr>
+          </a:p>
+          <a:p>
+            <a:endParaRPr lang="en-US" sz="1100" b="1" dirty="0">
+              <a:solidFill>
+                <a:schemeClr val="bg1"/>
+              </a:solidFill>
+            </a:endParaRPr>
+          </a:p>
+          <a:p>
+            <a:endParaRPr lang="en-US" sz="1100" b="1" dirty="0">
+              <a:solidFill>
+                <a:schemeClr val="bg1"/>
+              </a:solidFill>
+            </a:endParaRPr>
+          </a:p>
+        </p:txBody>
+      </p:sp>
+    </p:spTree>
+    <p:extLst>
+      <p:ext uri="{BB962C8B-B14F-4D97-AF65-F5344CB8AC3E}">
+        <p14:creationId xmlns:p14="http://schemas.microsoft.com/office/powerpoint/2010/main" val="2821134527"/>
+      </p:ext>
+    </p:extLst>
+  </p:cSld>
+  <p:clrMapOvr>
+    <a:masterClrMapping/>
+  </p:clrMapOvr>
+</p:sld>
+</file>
+
+<file path=ppt/slides/slide13.xml><?xml version="1.0" encoding="utf-8"?>
+<p:sld xmlns:a="http://schemas.openxmlformats.org/drawingml/2006/main" xmlns:r="http://schemas.openxmlformats.org/officeDocument/2006/relationships" xmlns:p="http://schemas.openxmlformats.org/presentationml/2006/main">
+  <p:cSld>
+    <p:spTree>
+      <p:nvGrpSpPr>
+        <p:cNvPr id="1" name=""/>
+        <p:cNvGrpSpPr/>
+        <p:nvPr/>
+      </p:nvGrpSpPr>
+      <p:grpSpPr>
+        <a:xfrm>
+          <a:off x="0" y="0"/>
+          <a:ext cx="0" cy="0"/>
+          <a:chOff x="0" y="0"/>
+          <a:chExt cx="0" cy="0"/>
+        </a:xfrm>
+      </p:grpSpPr>
+      <p:sp>
+        <p:nvSpPr>
           <p:cNvPr id="2" name="Title 1">
             <a:extLst>
               <a:ext uri="{FF2B5EF4-FFF2-40B4-BE49-F238E27FC236}">
@@ -5687,10 +11510,2469 @@
           </a:p>
         </p:txBody>
       </p:sp>
+      <p:sp>
+        <p:nvSpPr>
+          <p:cNvPr id="3" name="TextBox 2">
+            <a:extLst>
+              <a:ext uri="{FF2B5EF4-FFF2-40B4-BE49-F238E27FC236}">
+                <a16:creationId xmlns:a16="http://schemas.microsoft.com/office/drawing/2014/main" id="{B9A4909C-AC6C-471F-B87E-33832841A06D}"/>
+              </a:ext>
+            </a:extLst>
+          </p:cNvPr>
+          <p:cNvSpPr txBox="1"/>
+          <p:nvPr/>
+        </p:nvSpPr>
+        <p:spPr>
+          <a:xfrm>
+            <a:off x="556401" y="1940943"/>
+            <a:ext cx="2066029" cy="2708434"/>
+          </a:xfrm>
+          <a:prstGeom prst="rect">
+            <a:avLst/>
+          </a:prstGeom>
+          <a:noFill/>
+        </p:spPr>
+        <p:txBody>
+          <a:bodyPr wrap="square" rtlCol="0">
+            <a:spAutoFit/>
+          </a:bodyPr>
+          <a:lstStyle/>
+          <a:p>
+            <a:r>
+              <a:rPr lang="en-US" sz="1000" b="1" dirty="0"/>
+              <a:t>Sequence of Broad Phase of Flight:</a:t>
+            </a:r>
+          </a:p>
+          <a:p>
+            <a:r>
+              <a:rPr lang="en-US" sz="1000" dirty="0"/>
+              <a:t>Standing (STD)</a:t>
+            </a:r>
+          </a:p>
+          <a:p>
+            <a:r>
+              <a:rPr lang="en-US" sz="1000" dirty="0"/>
+              <a:t>Pushback/Towing(PBT)</a:t>
+            </a:r>
+          </a:p>
+          <a:p>
+            <a:r>
+              <a:rPr lang="en-US" sz="1000" dirty="0"/>
+              <a:t>Taxi(TXI)</a:t>
+            </a:r>
+          </a:p>
+          <a:p>
+            <a:r>
+              <a:rPr lang="en-US" sz="1000" dirty="0"/>
+              <a:t>Takeoff(TOF)</a:t>
+            </a:r>
+          </a:p>
+          <a:p>
+            <a:r>
+              <a:rPr lang="en-US" sz="1000" dirty="0"/>
+              <a:t>Initial Climb(ICL) --- 1000ft</a:t>
+            </a:r>
+          </a:p>
+          <a:p>
+            <a:r>
+              <a:rPr lang="en-US" sz="1000" dirty="0" err="1"/>
+              <a:t>En</a:t>
+            </a:r>
+            <a:r>
+              <a:rPr lang="en-US" sz="1000" dirty="0"/>
+              <a:t> Route (ENR)</a:t>
+            </a:r>
+          </a:p>
+          <a:p>
+            <a:pPr marL="173038"/>
+            <a:r>
+              <a:rPr lang="en-US" sz="1000" dirty="0"/>
+              <a:t>- Climb to cruise</a:t>
+            </a:r>
+          </a:p>
+          <a:p>
+            <a:pPr marL="173038"/>
+            <a:r>
+              <a:rPr lang="en-US" sz="1000" dirty="0"/>
+              <a:t>- Cruise</a:t>
+            </a:r>
+          </a:p>
+          <a:p>
+            <a:pPr marL="173038"/>
+            <a:r>
+              <a:rPr lang="en-US" sz="1000" dirty="0"/>
+              <a:t>- Change Cruise level</a:t>
+            </a:r>
+          </a:p>
+          <a:p>
+            <a:pPr marL="173038"/>
+            <a:r>
+              <a:rPr lang="en-US" sz="1000" dirty="0"/>
+              <a:t>- Descent</a:t>
+            </a:r>
+          </a:p>
+          <a:p>
+            <a:pPr marL="173038"/>
+            <a:r>
+              <a:rPr lang="en-US" sz="1000" dirty="0"/>
+              <a:t>- Holding</a:t>
+            </a:r>
+          </a:p>
+          <a:p>
+            <a:r>
+              <a:rPr lang="en-US" sz="1000" dirty="0"/>
+              <a:t>Maneuvering (MNV)</a:t>
+            </a:r>
+          </a:p>
+          <a:p>
+            <a:r>
+              <a:rPr lang="en-US" sz="1000" dirty="0"/>
+              <a:t>Approach(APR)</a:t>
+            </a:r>
+          </a:p>
+          <a:p>
+            <a:pPr marL="173038"/>
+            <a:r>
+              <a:rPr lang="en-US" sz="1000" dirty="0"/>
+              <a:t>- Missed approach </a:t>
+            </a:r>
+            <a:r>
+              <a:rPr lang="en-US" sz="1000" dirty="0">
+                <a:sym typeface="Wingdings" panose="05000000000000000000" pitchFamily="2" charset="2"/>
+              </a:rPr>
+              <a:t> Go Around </a:t>
+            </a:r>
+            <a:endParaRPr lang="en-US" sz="1000" dirty="0"/>
+          </a:p>
+          <a:p>
+            <a:r>
+              <a:rPr lang="en-US" sz="1000" dirty="0"/>
+              <a:t>Landing(LDG)</a:t>
+            </a:r>
+          </a:p>
+          <a:p>
+            <a:r>
+              <a:rPr lang="en-US" sz="1000" dirty="0"/>
+              <a:t>Unknown(UNK)</a:t>
+            </a:r>
+          </a:p>
+        </p:txBody>
+      </p:sp>
+      <p:pic>
+        <p:nvPicPr>
+          <p:cNvPr id="5" name="Picture 4">
+            <a:extLst>
+              <a:ext uri="{FF2B5EF4-FFF2-40B4-BE49-F238E27FC236}">
+                <a16:creationId xmlns:a16="http://schemas.microsoft.com/office/drawing/2014/main" id="{726D817C-BF42-4A8C-AE1B-697FF06D5137}"/>
+              </a:ext>
+            </a:extLst>
+          </p:cNvPr>
+          <p:cNvPicPr>
+            <a:picLocks noChangeAspect="1"/>
+          </p:cNvPicPr>
+          <p:nvPr/>
+        </p:nvPicPr>
+        <p:blipFill>
+          <a:blip r:embed="rId2"/>
+          <a:stretch>
+            <a:fillRect/>
+          </a:stretch>
+        </p:blipFill>
+        <p:spPr>
+          <a:xfrm>
+            <a:off x="7274946" y="1325563"/>
+            <a:ext cx="1981200" cy="1933575"/>
+          </a:xfrm>
+          <a:prstGeom prst="rect">
+            <a:avLst/>
+          </a:prstGeom>
+        </p:spPr>
+      </p:pic>
+      <p:pic>
+        <p:nvPicPr>
+          <p:cNvPr id="4" name="Picture 3">
+            <a:extLst>
+              <a:ext uri="{FF2B5EF4-FFF2-40B4-BE49-F238E27FC236}">
+                <a16:creationId xmlns:a16="http://schemas.microsoft.com/office/drawing/2014/main" id="{13FAE0B9-6203-4DD4-87C0-AAE8CCBFA513}"/>
+              </a:ext>
+            </a:extLst>
+          </p:cNvPr>
+          <p:cNvPicPr>
+            <a:picLocks noChangeAspect="1"/>
+          </p:cNvPicPr>
+          <p:nvPr/>
+        </p:nvPicPr>
+        <p:blipFill>
+          <a:blip r:embed="rId3"/>
+          <a:stretch>
+            <a:fillRect/>
+          </a:stretch>
+        </p:blipFill>
+        <p:spPr>
+          <a:xfrm>
+            <a:off x="5220418" y="3234906"/>
+            <a:ext cx="5971576" cy="2745266"/>
+          </a:xfrm>
+          <a:prstGeom prst="rect">
+            <a:avLst/>
+          </a:prstGeom>
+        </p:spPr>
+      </p:pic>
+      <p:sp>
+        <p:nvSpPr>
+          <p:cNvPr id="6" name="Rectangle 5">
+            <a:extLst>
+              <a:ext uri="{FF2B5EF4-FFF2-40B4-BE49-F238E27FC236}">
+                <a16:creationId xmlns:a16="http://schemas.microsoft.com/office/drawing/2014/main" id="{284C0DB3-D7BD-4E52-8863-1C6E24276F74}"/>
+              </a:ext>
+            </a:extLst>
+          </p:cNvPr>
+          <p:cNvSpPr/>
+          <p:nvPr/>
+        </p:nvSpPr>
+        <p:spPr>
+          <a:xfrm>
+            <a:off x="4993037" y="3244334"/>
+            <a:ext cx="2205925" cy="369332"/>
+          </a:xfrm>
+          <a:prstGeom prst="rect">
+            <a:avLst/>
+          </a:prstGeom>
+        </p:spPr>
+        <p:txBody>
+          <a:bodyPr wrap="none">
+            <a:spAutoFit/>
+          </a:bodyPr>
+          <a:lstStyle/>
+          <a:p>
+            <a:r>
+              <a:rPr lang="en-US" b="1" dirty="0"/>
+              <a:t>Broad Phase of Flight</a:t>
+            </a:r>
+            <a:endParaRPr lang="en-US" dirty="0"/>
+          </a:p>
+        </p:txBody>
+      </p:sp>
     </p:spTree>
     <p:extLst>
       <p:ext uri="{BB962C8B-B14F-4D97-AF65-F5344CB8AC3E}">
         <p14:creationId xmlns:p14="http://schemas.microsoft.com/office/powerpoint/2010/main" val="1676417462"/>
+      </p:ext>
+    </p:extLst>
+  </p:cSld>
+  <p:clrMapOvr>
+    <a:masterClrMapping/>
+  </p:clrMapOvr>
+</p:sld>
+</file>
+
+<file path=ppt/slides/slide14.xml><?xml version="1.0" encoding="utf-8"?>
+<p:sld xmlns:a="http://schemas.openxmlformats.org/drawingml/2006/main" xmlns:r="http://schemas.openxmlformats.org/officeDocument/2006/relationships" xmlns:p="http://schemas.openxmlformats.org/presentationml/2006/main">
+  <p:cSld>
+    <p:spTree>
+      <p:nvGrpSpPr>
+        <p:cNvPr id="1" name=""/>
+        <p:cNvGrpSpPr/>
+        <p:nvPr/>
+      </p:nvGrpSpPr>
+      <p:grpSpPr>
+        <a:xfrm>
+          <a:off x="0" y="0"/>
+          <a:ext cx="0" cy="0"/>
+          <a:chOff x="0" y="0"/>
+          <a:chExt cx="0" cy="0"/>
+        </a:xfrm>
+      </p:grpSpPr>
+      <p:sp>
+        <p:nvSpPr>
+          <p:cNvPr id="11" name="Title 1">
+            <a:extLst>
+              <a:ext uri="{FF2B5EF4-FFF2-40B4-BE49-F238E27FC236}">
+                <a16:creationId xmlns:a16="http://schemas.microsoft.com/office/drawing/2014/main" id="{2E2A498E-DB6B-4E9E-91BA-F2ED5E11A287}"/>
+              </a:ext>
+            </a:extLst>
+          </p:cNvPr>
+          <p:cNvSpPr>
+            <a:spLocks noGrp="1"/>
+          </p:cNvSpPr>
+          <p:nvPr>
+            <p:ph type="title"/>
+          </p:nvPr>
+        </p:nvSpPr>
+        <p:spPr>
+          <a:xfrm>
+            <a:off x="536359" y="-416523"/>
+            <a:ext cx="10515600" cy="1325563"/>
+          </a:xfrm>
+        </p:spPr>
+        <p:txBody>
+          <a:bodyPr>
+            <a:normAutofit/>
+          </a:bodyPr>
+          <a:lstStyle/>
+          <a:p>
+            <a:r>
+              <a:rPr lang="en-US" sz="3100" b="1" dirty="0">
+                <a:solidFill>
+                  <a:schemeClr val="tx2">
+                    <a:lumMod val="60000"/>
+                    <a:lumOff val="40000"/>
+                  </a:schemeClr>
+                </a:solidFill>
+                <a:latin typeface="Arial Black" panose="020B0A04020102020204" pitchFamily="34" charset="0"/>
+              </a:rPr>
+              <a:t>Chart – Event by country or Make or Model ??</a:t>
+            </a:r>
+            <a:endParaRPr lang="en-US" b="1" dirty="0">
+              <a:latin typeface="+mn-lt"/>
+            </a:endParaRPr>
+          </a:p>
+        </p:txBody>
+      </p:sp>
+      <p:sp>
+        <p:nvSpPr>
+          <p:cNvPr id="17" name="TextBox 16">
+            <a:extLst>
+              <a:ext uri="{FF2B5EF4-FFF2-40B4-BE49-F238E27FC236}">
+                <a16:creationId xmlns:a16="http://schemas.microsoft.com/office/drawing/2014/main" id="{AA91CDCA-A381-4E1A-BD6E-414FACEA9D7B}"/>
+              </a:ext>
+            </a:extLst>
+          </p:cNvPr>
+          <p:cNvSpPr txBox="1"/>
+          <p:nvPr/>
+        </p:nvSpPr>
+        <p:spPr>
+          <a:xfrm>
+            <a:off x="508991" y="1102222"/>
+            <a:ext cx="1995996" cy="954107"/>
+          </a:xfrm>
+          <a:prstGeom prst="rect">
+            <a:avLst/>
+          </a:prstGeom>
+          <a:solidFill>
+            <a:schemeClr val="bg1">
+              <a:lumMod val="95000"/>
+            </a:schemeClr>
+          </a:solidFill>
+          <a:ln>
+            <a:noFill/>
+          </a:ln>
+        </p:spPr>
+        <p:style>
+          <a:lnRef idx="2">
+            <a:schemeClr val="dk1"/>
+          </a:lnRef>
+          <a:fillRef idx="1">
+            <a:schemeClr val="lt1"/>
+          </a:fillRef>
+          <a:effectRef idx="0">
+            <a:schemeClr val="dk1"/>
+          </a:effectRef>
+          <a:fontRef idx="minor">
+            <a:schemeClr val="dk1"/>
+          </a:fontRef>
+        </p:style>
+        <p:txBody>
+          <a:bodyPr wrap="square" rtlCol="0">
+            <a:spAutoFit/>
+          </a:bodyPr>
+          <a:lstStyle/>
+          <a:p>
+            <a:pPr>
+              <a:tabLst>
+                <a:tab pos="233363" algn="l"/>
+              </a:tabLst>
+            </a:pPr>
+            <a:r>
+              <a:rPr lang="en-US" sz="1400" b="1" dirty="0">
+                <a:solidFill>
+                  <a:schemeClr val="tx1"/>
+                </a:solidFill>
+              </a:rPr>
+              <a:t>	Total Fatal Injuries</a:t>
+            </a:r>
+          </a:p>
+          <a:p>
+            <a:pPr>
+              <a:tabLst>
+                <a:tab pos="233363" algn="l"/>
+              </a:tabLst>
+            </a:pPr>
+            <a:r>
+              <a:rPr lang="en-US" sz="1400" b="1" dirty="0">
+                <a:solidFill>
+                  <a:schemeClr val="tx1"/>
+                </a:solidFill>
+              </a:rPr>
+              <a:t>	Total Serious Injuries</a:t>
+            </a:r>
+          </a:p>
+          <a:p>
+            <a:pPr>
+              <a:tabLst>
+                <a:tab pos="233363" algn="l"/>
+              </a:tabLst>
+            </a:pPr>
+            <a:r>
+              <a:rPr lang="en-US" sz="1400" b="1" dirty="0">
+                <a:solidFill>
+                  <a:schemeClr val="tx1"/>
+                </a:solidFill>
+              </a:rPr>
+              <a:t>	Total  Minor Injuries</a:t>
+            </a:r>
+          </a:p>
+          <a:p>
+            <a:pPr>
+              <a:tabLst>
+                <a:tab pos="233363" algn="l"/>
+              </a:tabLst>
+            </a:pPr>
+            <a:r>
+              <a:rPr lang="en-US" sz="1400" b="1" dirty="0">
+                <a:solidFill>
+                  <a:schemeClr val="tx1"/>
+                </a:solidFill>
+              </a:rPr>
+              <a:t>	Total Injured    </a:t>
+            </a:r>
+          </a:p>
+        </p:txBody>
+      </p:sp>
+      <p:sp>
+        <p:nvSpPr>
+          <p:cNvPr id="19" name="TextBox 18">
+            <a:extLst>
+              <a:ext uri="{FF2B5EF4-FFF2-40B4-BE49-F238E27FC236}">
+                <a16:creationId xmlns:a16="http://schemas.microsoft.com/office/drawing/2014/main" id="{E8B11A2F-8F2C-4B42-A263-CD36E46967DD}"/>
+              </a:ext>
+            </a:extLst>
+          </p:cNvPr>
+          <p:cNvSpPr txBox="1"/>
+          <p:nvPr/>
+        </p:nvSpPr>
+        <p:spPr>
+          <a:xfrm>
+            <a:off x="134213" y="2314533"/>
+            <a:ext cx="3613212" cy="3585597"/>
+          </a:xfrm>
+          <a:prstGeom prst="rect">
+            <a:avLst/>
+          </a:prstGeom>
+          <a:noFill/>
+        </p:spPr>
+        <p:txBody>
+          <a:bodyPr wrap="square" rtlCol="0">
+            <a:spAutoFit/>
+          </a:bodyPr>
+          <a:lstStyle/>
+          <a:p>
+            <a:r>
+              <a:rPr lang="en-US" sz="1100" dirty="0" err="1"/>
+              <a:t>Pellentesque</a:t>
+            </a:r>
+            <a:r>
+              <a:rPr lang="en-US" sz="1100" dirty="0"/>
+              <a:t> habitant </a:t>
+            </a:r>
+            <a:r>
+              <a:rPr lang="en-US" sz="1100" dirty="0" err="1"/>
+              <a:t>morbi</a:t>
+            </a:r>
+            <a:r>
+              <a:rPr lang="en-US" sz="1100" dirty="0"/>
+              <a:t> </a:t>
+            </a:r>
+            <a:r>
+              <a:rPr lang="en-US" sz="1100" dirty="0" err="1"/>
+              <a:t>tristique</a:t>
+            </a:r>
+            <a:r>
+              <a:rPr lang="en-US" sz="1100" dirty="0"/>
+              <a:t> </a:t>
+            </a:r>
+            <a:r>
+              <a:rPr lang="en-US" sz="1100" dirty="0" err="1"/>
+              <a:t>senectus</a:t>
+            </a:r>
+            <a:r>
+              <a:rPr lang="en-US" sz="1100" dirty="0"/>
+              <a:t> et </a:t>
+            </a:r>
+            <a:r>
+              <a:rPr lang="en-US" sz="1100" dirty="0" err="1"/>
+              <a:t>netus</a:t>
+            </a:r>
+            <a:r>
+              <a:rPr lang="en-US" sz="1100" dirty="0"/>
+              <a:t> et </a:t>
+            </a:r>
+            <a:r>
+              <a:rPr lang="en-US" sz="1100" dirty="0" err="1"/>
+              <a:t>malesuada</a:t>
+            </a:r>
+            <a:r>
+              <a:rPr lang="en-US" sz="1100" dirty="0"/>
+              <a:t> fames ac </a:t>
+            </a:r>
+            <a:r>
+              <a:rPr lang="en-US" sz="1100" dirty="0" err="1"/>
+              <a:t>turpis</a:t>
+            </a:r>
+            <a:r>
+              <a:rPr lang="en-US" sz="1100" dirty="0"/>
+              <a:t> </a:t>
+            </a:r>
+            <a:r>
+              <a:rPr lang="en-US" sz="1100" dirty="0" err="1"/>
+              <a:t>egestas</a:t>
+            </a:r>
+            <a:r>
+              <a:rPr lang="en-US" sz="1100" dirty="0"/>
+              <a:t>. Vestibulum </a:t>
+            </a:r>
+            <a:r>
+              <a:rPr lang="en-US" sz="1100" dirty="0" err="1"/>
+              <a:t>tortor</a:t>
+            </a:r>
+            <a:r>
+              <a:rPr lang="en-US" sz="1100" dirty="0"/>
+              <a:t> </a:t>
+            </a:r>
+            <a:r>
+              <a:rPr lang="en-US" sz="1100" dirty="0" err="1"/>
+              <a:t>quam</a:t>
+            </a:r>
+            <a:r>
+              <a:rPr lang="en-US" sz="1100" dirty="0"/>
+              <a:t>, </a:t>
+            </a:r>
+            <a:r>
+              <a:rPr lang="en-US" sz="1100" dirty="0" err="1"/>
+              <a:t>feugiat</a:t>
+            </a:r>
+            <a:r>
+              <a:rPr lang="en-US" sz="1100" dirty="0"/>
+              <a:t> vitae, </a:t>
+            </a:r>
+            <a:r>
+              <a:rPr lang="en-US" sz="1100" dirty="0" err="1"/>
+              <a:t>ultricies</a:t>
+            </a:r>
+            <a:r>
+              <a:rPr lang="en-US" sz="1100" dirty="0"/>
+              <a:t> </a:t>
+            </a:r>
+            <a:r>
+              <a:rPr lang="en-US" sz="1100" dirty="0" err="1"/>
+              <a:t>eget</a:t>
+            </a:r>
+            <a:r>
+              <a:rPr lang="en-US" sz="1100" dirty="0"/>
+              <a:t>, </a:t>
+            </a:r>
+            <a:r>
+              <a:rPr lang="en-US" sz="1100" dirty="0" err="1"/>
+              <a:t>tempor</a:t>
+            </a:r>
+            <a:r>
+              <a:rPr lang="en-US" sz="1100" dirty="0"/>
+              <a:t> sit </a:t>
+            </a:r>
+            <a:r>
+              <a:rPr lang="en-US" sz="1100" dirty="0" err="1"/>
+              <a:t>amet</a:t>
+            </a:r>
+            <a:r>
+              <a:rPr lang="en-US" sz="1100" dirty="0"/>
+              <a:t>, ante. </a:t>
+            </a:r>
+            <a:r>
+              <a:rPr lang="en-US" sz="1100" dirty="0" err="1"/>
+              <a:t>Donec</a:t>
+            </a:r>
+            <a:r>
+              <a:rPr lang="en-US" sz="1100" dirty="0"/>
+              <a:t> </a:t>
+            </a:r>
+            <a:r>
+              <a:rPr lang="en-US" sz="1100" dirty="0" err="1"/>
+              <a:t>eu</a:t>
+            </a:r>
+            <a:r>
+              <a:rPr lang="en-US" sz="1100" dirty="0"/>
+              <a:t> libero sit </a:t>
+            </a:r>
+            <a:r>
+              <a:rPr lang="en-US" sz="1100" dirty="0" err="1"/>
+              <a:t>amet</a:t>
+            </a:r>
+            <a:r>
+              <a:rPr lang="en-US" sz="1100" dirty="0"/>
+              <a:t> </a:t>
+            </a:r>
+            <a:r>
+              <a:rPr lang="en-US" sz="1100" dirty="0" err="1"/>
+              <a:t>quam</a:t>
+            </a:r>
+            <a:r>
+              <a:rPr lang="en-US" sz="1100" dirty="0"/>
+              <a:t> </a:t>
+            </a:r>
+            <a:r>
+              <a:rPr lang="en-US" sz="1100" dirty="0" err="1"/>
+              <a:t>egestas</a:t>
+            </a:r>
+            <a:r>
+              <a:rPr lang="en-US" sz="1100" dirty="0"/>
+              <a:t> semper. </a:t>
+            </a:r>
+            <a:r>
+              <a:rPr lang="en-US" sz="1100" dirty="0" err="1"/>
+              <a:t>Aenean</a:t>
+            </a:r>
+            <a:r>
+              <a:rPr lang="en-US" sz="1100" dirty="0"/>
+              <a:t> </a:t>
+            </a:r>
+            <a:r>
+              <a:rPr lang="en-US" sz="1100" dirty="0" err="1"/>
+              <a:t>ultricies</a:t>
+            </a:r>
+            <a:r>
+              <a:rPr lang="en-US" sz="1100" dirty="0"/>
+              <a:t> mi vitae est. </a:t>
+            </a:r>
+            <a:r>
+              <a:rPr lang="en-US" sz="1100" dirty="0" err="1"/>
+              <a:t>Mauris</a:t>
+            </a:r>
+            <a:r>
+              <a:rPr lang="en-US" sz="1100" dirty="0"/>
+              <a:t> </a:t>
+            </a:r>
+            <a:r>
+              <a:rPr lang="en-US" sz="1100" dirty="0" err="1"/>
+              <a:t>placerat</a:t>
+            </a:r>
+            <a:r>
+              <a:rPr lang="en-US" sz="1100" dirty="0"/>
+              <a:t> </a:t>
+            </a:r>
+            <a:r>
+              <a:rPr lang="en-US" sz="1100" dirty="0" err="1"/>
+              <a:t>eleifend</a:t>
+            </a:r>
+            <a:r>
+              <a:rPr lang="en-US" sz="1100" dirty="0"/>
+              <a:t> </a:t>
+            </a:r>
+            <a:r>
+              <a:rPr lang="en-US" sz="1100" dirty="0" err="1"/>
+              <a:t>leo</a:t>
+            </a:r>
+            <a:r>
+              <a:rPr lang="en-US" sz="1100" dirty="0"/>
+              <a:t>.</a:t>
+            </a:r>
+          </a:p>
+          <a:p>
+            <a:endParaRPr lang="en-US" sz="1100" dirty="0"/>
+          </a:p>
+          <a:p>
+            <a:r>
+              <a:rPr lang="en-US" sz="1100" dirty="0" err="1"/>
+              <a:t>Pellentesque</a:t>
+            </a:r>
+            <a:r>
+              <a:rPr lang="en-US" sz="1100" dirty="0"/>
+              <a:t> habitant </a:t>
+            </a:r>
+            <a:r>
+              <a:rPr lang="en-US" sz="1100" dirty="0" err="1"/>
+              <a:t>morbi</a:t>
+            </a:r>
+            <a:r>
+              <a:rPr lang="en-US" sz="1100" dirty="0"/>
+              <a:t> </a:t>
+            </a:r>
+            <a:r>
+              <a:rPr lang="en-US" sz="1100" dirty="0" err="1"/>
+              <a:t>tristique</a:t>
+            </a:r>
+            <a:r>
+              <a:rPr lang="en-US" sz="1100" dirty="0"/>
+              <a:t> </a:t>
+            </a:r>
+            <a:r>
+              <a:rPr lang="en-US" sz="1100" dirty="0" err="1"/>
+              <a:t>senectus</a:t>
+            </a:r>
+            <a:r>
+              <a:rPr lang="en-US" sz="1100" dirty="0"/>
+              <a:t> et </a:t>
+            </a:r>
+            <a:r>
+              <a:rPr lang="en-US" sz="1100" dirty="0" err="1"/>
+              <a:t>netus</a:t>
+            </a:r>
+            <a:r>
+              <a:rPr lang="en-US" sz="1100" dirty="0"/>
+              <a:t> et </a:t>
+            </a:r>
+            <a:r>
+              <a:rPr lang="en-US" sz="1100" dirty="0" err="1"/>
+              <a:t>malesuada</a:t>
+            </a:r>
+            <a:r>
+              <a:rPr lang="en-US" sz="1100" dirty="0"/>
+              <a:t> fames ac </a:t>
+            </a:r>
+            <a:r>
+              <a:rPr lang="en-US" sz="1100" dirty="0" err="1"/>
+              <a:t>turpis</a:t>
+            </a:r>
+            <a:r>
+              <a:rPr lang="en-US" sz="1100" dirty="0"/>
+              <a:t> </a:t>
+            </a:r>
+            <a:r>
+              <a:rPr lang="en-US" sz="1100" dirty="0" err="1"/>
+              <a:t>egestas</a:t>
+            </a:r>
+            <a:r>
+              <a:rPr lang="en-US" sz="1100" dirty="0"/>
+              <a:t>. Vestibulum </a:t>
+            </a:r>
+            <a:r>
+              <a:rPr lang="en-US" sz="1100" dirty="0" err="1"/>
+              <a:t>tortor</a:t>
+            </a:r>
+            <a:r>
+              <a:rPr lang="en-US" sz="1100" dirty="0"/>
+              <a:t> </a:t>
+            </a:r>
+            <a:r>
+              <a:rPr lang="en-US" sz="1100" dirty="0" err="1"/>
+              <a:t>quam</a:t>
+            </a:r>
+            <a:r>
+              <a:rPr lang="en-US" sz="1100" dirty="0"/>
+              <a:t>, </a:t>
+            </a:r>
+            <a:r>
+              <a:rPr lang="en-US" sz="1100" dirty="0" err="1"/>
+              <a:t>feugiat</a:t>
+            </a:r>
+            <a:r>
+              <a:rPr lang="en-US" sz="1100" dirty="0"/>
+              <a:t> vitae, </a:t>
+            </a:r>
+            <a:r>
+              <a:rPr lang="en-US" sz="1100" dirty="0" err="1"/>
+              <a:t>ultricies</a:t>
+            </a:r>
+            <a:r>
+              <a:rPr lang="en-US" sz="1100" dirty="0"/>
+              <a:t> </a:t>
+            </a:r>
+            <a:r>
+              <a:rPr lang="en-US" sz="1100" dirty="0" err="1"/>
+              <a:t>eget</a:t>
+            </a:r>
+            <a:r>
+              <a:rPr lang="en-US" sz="1100" dirty="0"/>
+              <a:t>, </a:t>
+            </a:r>
+            <a:r>
+              <a:rPr lang="en-US" sz="1100" dirty="0" err="1"/>
+              <a:t>tempor</a:t>
+            </a:r>
+            <a:r>
+              <a:rPr lang="en-US" sz="1100" dirty="0"/>
+              <a:t> sit </a:t>
+            </a:r>
+            <a:r>
+              <a:rPr lang="en-US" sz="1100" dirty="0" err="1"/>
+              <a:t>amet</a:t>
+            </a:r>
+            <a:r>
+              <a:rPr lang="en-US" sz="1100" dirty="0"/>
+              <a:t>, ante. </a:t>
+            </a:r>
+            <a:r>
+              <a:rPr lang="en-US" sz="1100" dirty="0" err="1"/>
+              <a:t>Donec</a:t>
+            </a:r>
+            <a:r>
+              <a:rPr lang="en-US" sz="1100" dirty="0"/>
+              <a:t> </a:t>
+            </a:r>
+            <a:r>
+              <a:rPr lang="en-US" sz="1100" dirty="0" err="1"/>
+              <a:t>eu</a:t>
+            </a:r>
+            <a:r>
+              <a:rPr lang="en-US" sz="1100" dirty="0"/>
+              <a:t> libero sit </a:t>
+            </a:r>
+            <a:r>
+              <a:rPr lang="en-US" sz="1100" dirty="0" err="1"/>
+              <a:t>amet</a:t>
+            </a:r>
+            <a:r>
+              <a:rPr lang="en-US" sz="1100" dirty="0"/>
+              <a:t> </a:t>
+            </a:r>
+            <a:r>
+              <a:rPr lang="en-US" sz="1100" dirty="0" err="1"/>
+              <a:t>quam</a:t>
+            </a:r>
+            <a:r>
+              <a:rPr lang="en-US" sz="1100" dirty="0"/>
+              <a:t> </a:t>
+            </a:r>
+            <a:r>
+              <a:rPr lang="en-US" sz="1100" dirty="0" err="1"/>
+              <a:t>egestas</a:t>
+            </a:r>
+            <a:r>
+              <a:rPr lang="en-US" sz="1100" dirty="0"/>
+              <a:t> semper. </a:t>
+            </a:r>
+            <a:r>
+              <a:rPr lang="en-US" sz="1100" dirty="0" err="1"/>
+              <a:t>Aenean</a:t>
+            </a:r>
+            <a:r>
+              <a:rPr lang="en-US" sz="1100" dirty="0"/>
+              <a:t> </a:t>
+            </a:r>
+            <a:r>
+              <a:rPr lang="en-US" sz="1100" dirty="0" err="1"/>
+              <a:t>ultricies</a:t>
+            </a:r>
+            <a:r>
+              <a:rPr lang="en-US" sz="1100" dirty="0"/>
+              <a:t> mi vitae est. </a:t>
+            </a:r>
+            <a:r>
+              <a:rPr lang="en-US" sz="1100" dirty="0" err="1"/>
+              <a:t>Mauris</a:t>
+            </a:r>
+            <a:r>
+              <a:rPr lang="en-US" sz="1100" dirty="0"/>
+              <a:t> </a:t>
+            </a:r>
+            <a:r>
+              <a:rPr lang="en-US" sz="1100" dirty="0" err="1"/>
+              <a:t>placerat</a:t>
+            </a:r>
+            <a:r>
+              <a:rPr lang="en-US" sz="1100" dirty="0"/>
+              <a:t> </a:t>
+            </a:r>
+            <a:r>
+              <a:rPr lang="en-US" sz="1100" dirty="0" err="1"/>
+              <a:t>eleifend</a:t>
+            </a:r>
+            <a:r>
+              <a:rPr lang="en-US" sz="1100" dirty="0"/>
+              <a:t> </a:t>
+            </a:r>
+            <a:r>
+              <a:rPr lang="en-US" sz="1100" dirty="0" err="1"/>
+              <a:t>leo</a:t>
+            </a:r>
+            <a:r>
+              <a:rPr lang="en-US" sz="1100" dirty="0"/>
+              <a:t>.</a:t>
+            </a:r>
+          </a:p>
+          <a:p>
+            <a:endParaRPr lang="en-US" sz="1100" dirty="0"/>
+          </a:p>
+          <a:p>
+            <a:r>
+              <a:rPr lang="en-US" sz="1100" dirty="0" err="1"/>
+              <a:t>Pellentesque</a:t>
+            </a:r>
+            <a:r>
+              <a:rPr lang="en-US" sz="1100" dirty="0"/>
+              <a:t> habitant </a:t>
+            </a:r>
+            <a:r>
+              <a:rPr lang="en-US" sz="1100" dirty="0" err="1"/>
+              <a:t>morbi</a:t>
+            </a:r>
+            <a:r>
+              <a:rPr lang="en-US" sz="1100" dirty="0"/>
+              <a:t> </a:t>
+            </a:r>
+            <a:r>
+              <a:rPr lang="en-US" sz="1100" dirty="0" err="1"/>
+              <a:t>tristique</a:t>
+            </a:r>
+            <a:r>
+              <a:rPr lang="en-US" sz="1100" dirty="0"/>
+              <a:t> </a:t>
+            </a:r>
+            <a:r>
+              <a:rPr lang="en-US" sz="1100" dirty="0" err="1"/>
+              <a:t>senectus</a:t>
+            </a:r>
+            <a:r>
+              <a:rPr lang="en-US" sz="1100" dirty="0"/>
+              <a:t> et </a:t>
+            </a:r>
+            <a:r>
+              <a:rPr lang="en-US" sz="1100" dirty="0" err="1"/>
+              <a:t>netus</a:t>
+            </a:r>
+            <a:r>
+              <a:rPr lang="en-US" sz="1100" dirty="0"/>
+              <a:t> et </a:t>
+            </a:r>
+            <a:r>
+              <a:rPr lang="en-US" sz="1100" dirty="0" err="1"/>
+              <a:t>malesuada</a:t>
+            </a:r>
+            <a:r>
+              <a:rPr lang="en-US" sz="1100" dirty="0"/>
+              <a:t> fames ac </a:t>
+            </a:r>
+            <a:r>
+              <a:rPr lang="en-US" sz="1100" dirty="0" err="1"/>
+              <a:t>turpis</a:t>
+            </a:r>
+            <a:r>
+              <a:rPr lang="en-US" sz="1100" dirty="0"/>
+              <a:t> </a:t>
+            </a:r>
+            <a:r>
+              <a:rPr lang="en-US" sz="1100" dirty="0" err="1"/>
+              <a:t>egestas</a:t>
+            </a:r>
+            <a:r>
+              <a:rPr lang="en-US" sz="1100" dirty="0"/>
+              <a:t>. Vestibulum </a:t>
+            </a:r>
+            <a:r>
+              <a:rPr lang="en-US" sz="1100" dirty="0" err="1"/>
+              <a:t>tortor</a:t>
+            </a:r>
+            <a:r>
+              <a:rPr lang="en-US" sz="1100" dirty="0"/>
+              <a:t> </a:t>
+            </a:r>
+            <a:r>
+              <a:rPr lang="en-US" sz="1100" dirty="0" err="1"/>
+              <a:t>quam</a:t>
+            </a:r>
+            <a:r>
+              <a:rPr lang="en-US" sz="1100" dirty="0"/>
+              <a:t>, </a:t>
+            </a:r>
+            <a:r>
+              <a:rPr lang="en-US" sz="1100" dirty="0" err="1"/>
+              <a:t>feugiat</a:t>
+            </a:r>
+            <a:r>
+              <a:rPr lang="en-US" sz="1100" dirty="0"/>
+              <a:t> vitae, </a:t>
+            </a:r>
+            <a:r>
+              <a:rPr lang="en-US" sz="1100" dirty="0" err="1"/>
+              <a:t>ultricies</a:t>
+            </a:r>
+            <a:r>
+              <a:rPr lang="en-US" sz="1100" dirty="0"/>
+              <a:t> </a:t>
+            </a:r>
+            <a:r>
+              <a:rPr lang="en-US" sz="1100" dirty="0" err="1"/>
+              <a:t>eget</a:t>
+            </a:r>
+            <a:r>
+              <a:rPr lang="en-US" sz="1100" dirty="0"/>
+              <a:t>, </a:t>
+            </a:r>
+            <a:r>
+              <a:rPr lang="en-US" sz="1100" dirty="0" err="1"/>
+              <a:t>tempor</a:t>
+            </a:r>
+            <a:r>
+              <a:rPr lang="en-US" sz="1100" dirty="0"/>
+              <a:t> sit </a:t>
+            </a:r>
+            <a:r>
+              <a:rPr lang="en-US" sz="1100" dirty="0" err="1"/>
+              <a:t>amet</a:t>
+            </a:r>
+            <a:r>
+              <a:rPr lang="en-US" sz="1100" dirty="0"/>
+              <a:t>, ante. </a:t>
+            </a:r>
+            <a:r>
+              <a:rPr lang="en-US" sz="1100" dirty="0" err="1"/>
+              <a:t>Donec</a:t>
+            </a:r>
+            <a:r>
+              <a:rPr lang="en-US" sz="1100" dirty="0"/>
+              <a:t> </a:t>
+            </a:r>
+            <a:r>
+              <a:rPr lang="en-US" sz="1100" dirty="0" err="1"/>
+              <a:t>eu</a:t>
+            </a:r>
+            <a:r>
+              <a:rPr lang="en-US" sz="1100" dirty="0"/>
+              <a:t> libero sit </a:t>
+            </a:r>
+            <a:r>
+              <a:rPr lang="en-US" sz="1100" dirty="0" err="1"/>
+              <a:t>amet</a:t>
+            </a:r>
+            <a:r>
+              <a:rPr lang="en-US" sz="1100" dirty="0"/>
+              <a:t> </a:t>
+            </a:r>
+            <a:r>
+              <a:rPr lang="en-US" sz="1100" dirty="0" err="1"/>
+              <a:t>quam</a:t>
+            </a:r>
+            <a:r>
+              <a:rPr lang="en-US" sz="1100" dirty="0"/>
+              <a:t> </a:t>
+            </a:r>
+            <a:r>
+              <a:rPr lang="en-US" sz="1100" dirty="0" err="1"/>
+              <a:t>egestas</a:t>
+            </a:r>
+            <a:r>
+              <a:rPr lang="en-US" sz="1100" dirty="0"/>
+              <a:t> semper. </a:t>
+            </a:r>
+            <a:r>
+              <a:rPr lang="en-US" sz="1100" dirty="0" err="1"/>
+              <a:t>Aenean</a:t>
+            </a:r>
+            <a:r>
+              <a:rPr lang="en-US" sz="1100" dirty="0"/>
+              <a:t> </a:t>
+            </a:r>
+            <a:r>
+              <a:rPr lang="en-US" sz="1100" dirty="0" err="1"/>
+              <a:t>ultricies</a:t>
+            </a:r>
+            <a:r>
+              <a:rPr lang="en-US" sz="1100" dirty="0"/>
+              <a:t> mi vitae est. </a:t>
+            </a:r>
+            <a:r>
+              <a:rPr lang="en-US" sz="1100" dirty="0" err="1"/>
+              <a:t>Mauris</a:t>
+            </a:r>
+            <a:r>
+              <a:rPr lang="en-US" sz="1100" dirty="0"/>
+              <a:t> </a:t>
+            </a:r>
+            <a:r>
+              <a:rPr lang="en-US" sz="1100" dirty="0" err="1"/>
+              <a:t>placerat</a:t>
+            </a:r>
+            <a:r>
+              <a:rPr lang="en-US" sz="1100" dirty="0"/>
+              <a:t> </a:t>
+            </a:r>
+            <a:r>
+              <a:rPr lang="en-US" sz="1100" dirty="0" err="1"/>
+              <a:t>eleifend</a:t>
+            </a:r>
+            <a:r>
+              <a:rPr lang="en-US" sz="1100" dirty="0"/>
+              <a:t> </a:t>
+            </a:r>
+            <a:r>
+              <a:rPr lang="en-US" sz="1100" dirty="0" err="1"/>
+              <a:t>leo</a:t>
+            </a:r>
+            <a:r>
+              <a:rPr lang="en-US" sz="1100" dirty="0"/>
+              <a:t>.</a:t>
+            </a:r>
+          </a:p>
+          <a:p>
+            <a:endParaRPr lang="en-US" sz="800" dirty="0"/>
+          </a:p>
+          <a:p>
+            <a:endParaRPr lang="en-US" sz="800" dirty="0"/>
+          </a:p>
+          <a:p>
+            <a:endParaRPr lang="en-US" sz="800" dirty="0"/>
+          </a:p>
+          <a:p>
+            <a:endParaRPr lang="en-US" sz="800" dirty="0"/>
+          </a:p>
+          <a:p>
+            <a:endParaRPr lang="en-US" sz="800" dirty="0"/>
+          </a:p>
+        </p:txBody>
+      </p:sp>
+      <p:sp>
+        <p:nvSpPr>
+          <p:cNvPr id="20" name="TextBox 19">
+            <a:extLst>
+              <a:ext uri="{FF2B5EF4-FFF2-40B4-BE49-F238E27FC236}">
+                <a16:creationId xmlns:a16="http://schemas.microsoft.com/office/drawing/2014/main" id="{FA1F7ED2-6B74-4EF0-B30A-29F20174E4A5}"/>
+              </a:ext>
+            </a:extLst>
+          </p:cNvPr>
+          <p:cNvSpPr txBox="1"/>
+          <p:nvPr/>
+        </p:nvSpPr>
+        <p:spPr>
+          <a:xfrm>
+            <a:off x="319261" y="454376"/>
+            <a:ext cx="10662082" cy="648070"/>
+          </a:xfrm>
+          <a:prstGeom prst="rect">
+            <a:avLst/>
+          </a:prstGeom>
+          <a:solidFill>
+            <a:schemeClr val="tx2">
+              <a:lumMod val="60000"/>
+              <a:lumOff val="40000"/>
+            </a:schemeClr>
+          </a:solidFill>
+        </p:spPr>
+        <p:txBody>
+          <a:bodyPr wrap="square" rtlCol="0">
+            <a:spAutoFit/>
+          </a:bodyPr>
+          <a:lstStyle/>
+          <a:p>
+            <a:endParaRPr lang="en-US" dirty="0"/>
+          </a:p>
+        </p:txBody>
+      </p:sp>
+      <p:sp>
+        <p:nvSpPr>
+          <p:cNvPr id="24" name="TextBox 23">
+            <a:extLst>
+              <a:ext uri="{FF2B5EF4-FFF2-40B4-BE49-F238E27FC236}">
+                <a16:creationId xmlns:a16="http://schemas.microsoft.com/office/drawing/2014/main" id="{34DA516D-9054-40AC-A466-4335401811E1}"/>
+              </a:ext>
+            </a:extLst>
+          </p:cNvPr>
+          <p:cNvSpPr txBox="1"/>
+          <p:nvPr/>
+        </p:nvSpPr>
+        <p:spPr>
+          <a:xfrm>
+            <a:off x="9100283" y="586145"/>
+            <a:ext cx="1546195" cy="400110"/>
+          </a:xfrm>
+          <a:prstGeom prst="rect">
+            <a:avLst/>
+          </a:prstGeom>
+          <a:noFill/>
+        </p:spPr>
+        <p:txBody>
+          <a:bodyPr wrap="square" rtlCol="0">
+            <a:spAutoFit/>
+          </a:bodyPr>
+          <a:lstStyle/>
+          <a:p>
+            <a:r>
+              <a:rPr lang="en-US" sz="2000" b="1" dirty="0">
+                <a:solidFill>
+                  <a:schemeClr val="bg1">
+                    <a:lumMod val="85000"/>
+                  </a:schemeClr>
+                </a:solidFill>
+              </a:rPr>
+              <a:t>What’s New</a:t>
+            </a:r>
+          </a:p>
+        </p:txBody>
+      </p:sp>
+      <p:sp>
+        <p:nvSpPr>
+          <p:cNvPr id="25" name="TextBox 24">
+            <a:extLst>
+              <a:ext uri="{FF2B5EF4-FFF2-40B4-BE49-F238E27FC236}">
+                <a16:creationId xmlns:a16="http://schemas.microsoft.com/office/drawing/2014/main" id="{ED478554-0E45-46BA-8D80-2A50C8B1FEF9}"/>
+              </a:ext>
+            </a:extLst>
+          </p:cNvPr>
+          <p:cNvSpPr txBox="1"/>
+          <p:nvPr/>
+        </p:nvSpPr>
+        <p:spPr>
+          <a:xfrm>
+            <a:off x="756218" y="578356"/>
+            <a:ext cx="856921" cy="400110"/>
+          </a:xfrm>
+          <a:prstGeom prst="rect">
+            <a:avLst/>
+          </a:prstGeom>
+          <a:noFill/>
+        </p:spPr>
+        <p:txBody>
+          <a:bodyPr wrap="square" rtlCol="0">
+            <a:spAutoFit/>
+          </a:bodyPr>
+          <a:lstStyle/>
+          <a:p>
+            <a:r>
+              <a:rPr lang="en-US" sz="2000" b="1" dirty="0"/>
+              <a:t>Chart</a:t>
+            </a:r>
+          </a:p>
+        </p:txBody>
+      </p:sp>
+      <p:sp>
+        <p:nvSpPr>
+          <p:cNvPr id="26" name="TextBox 25">
+            <a:extLst>
+              <a:ext uri="{FF2B5EF4-FFF2-40B4-BE49-F238E27FC236}">
+                <a16:creationId xmlns:a16="http://schemas.microsoft.com/office/drawing/2014/main" id="{3680F9B3-9EA6-4892-8BA0-C4F55C8CA613}"/>
+              </a:ext>
+            </a:extLst>
+          </p:cNvPr>
+          <p:cNvSpPr txBox="1"/>
+          <p:nvPr/>
+        </p:nvSpPr>
+        <p:spPr>
+          <a:xfrm>
+            <a:off x="6960888" y="602309"/>
+            <a:ext cx="983942" cy="400110"/>
+          </a:xfrm>
+          <a:prstGeom prst="rect">
+            <a:avLst/>
+          </a:prstGeom>
+          <a:noFill/>
+        </p:spPr>
+        <p:txBody>
+          <a:bodyPr wrap="square" rtlCol="0">
+            <a:spAutoFit/>
+          </a:bodyPr>
+          <a:lstStyle/>
+          <a:p>
+            <a:r>
+              <a:rPr lang="en-US" sz="2000" b="1" dirty="0">
+                <a:solidFill>
+                  <a:schemeClr val="bg1">
+                    <a:lumMod val="85000"/>
+                  </a:schemeClr>
+                </a:solidFill>
+              </a:rPr>
+              <a:t>Map</a:t>
+            </a:r>
+          </a:p>
+        </p:txBody>
+      </p:sp>
+      <p:sp>
+        <p:nvSpPr>
+          <p:cNvPr id="27" name="TextBox 26">
+            <a:extLst>
+              <a:ext uri="{FF2B5EF4-FFF2-40B4-BE49-F238E27FC236}">
+                <a16:creationId xmlns:a16="http://schemas.microsoft.com/office/drawing/2014/main" id="{09AC6DC5-12EC-4D08-BF2A-A2ABF92A9EAB}"/>
+              </a:ext>
+            </a:extLst>
+          </p:cNvPr>
+          <p:cNvSpPr txBox="1"/>
+          <p:nvPr/>
+        </p:nvSpPr>
+        <p:spPr>
+          <a:xfrm>
+            <a:off x="8108060" y="578356"/>
+            <a:ext cx="983942" cy="400110"/>
+          </a:xfrm>
+          <a:prstGeom prst="rect">
+            <a:avLst/>
+          </a:prstGeom>
+          <a:noFill/>
+        </p:spPr>
+        <p:txBody>
+          <a:bodyPr wrap="square" rtlCol="0">
+            <a:spAutoFit/>
+          </a:bodyPr>
+          <a:lstStyle/>
+          <a:p>
+            <a:r>
+              <a:rPr lang="en-US" sz="2000" b="1" dirty="0">
+                <a:solidFill>
+                  <a:schemeClr val="bg1">
+                    <a:lumMod val="95000"/>
+                  </a:schemeClr>
+                </a:solidFill>
+              </a:rPr>
+              <a:t>Data</a:t>
+            </a:r>
+          </a:p>
+        </p:txBody>
+      </p:sp>
+      <mc:AlternateContent xmlns:mc="http://schemas.openxmlformats.org/markup-compatibility/2006">
+        <mc:Choice xmlns:cx1="http://schemas.microsoft.com/office/drawing/2015/9/8/chartex" Requires="cx1">
+          <p:graphicFrame>
+            <p:nvGraphicFramePr>
+              <p:cNvPr id="12" name="Chart 11">
+                <a:extLst>
+                  <a:ext uri="{FF2B5EF4-FFF2-40B4-BE49-F238E27FC236}">
+                    <a16:creationId xmlns:a16="http://schemas.microsoft.com/office/drawing/2014/main" id="{F38FA387-E3F2-49BD-BE3C-BBAEFC2CB8BD}"/>
+                  </a:ext>
+                </a:extLst>
+              </p:cNvPr>
+              <p:cNvGraphicFramePr/>
+              <p:nvPr>
+                <p:extLst>
+                  <p:ext uri="{D42A27DB-BD31-4B8C-83A1-F6EECF244321}">
+                    <p14:modId xmlns:p14="http://schemas.microsoft.com/office/powerpoint/2010/main" val="2654741477"/>
+                  </p:ext>
+                </p:extLst>
+              </p:nvPr>
+            </p:nvGraphicFramePr>
+            <p:xfrm>
+              <a:off x="3937155" y="1361901"/>
+              <a:ext cx="7540016" cy="4352925"/>
+            </p:xfrm>
+            <a:graphic>
+              <a:graphicData uri="http://schemas.microsoft.com/office/drawing/2014/chartex">
+                <cx:chart xmlns:cx="http://schemas.microsoft.com/office/drawing/2014/chartex" xmlns:r="http://schemas.openxmlformats.org/officeDocument/2006/relationships" r:id="rId2"/>
+              </a:graphicData>
+            </a:graphic>
+          </p:graphicFrame>
+        </mc:Choice>
+        <mc:Fallback>
+          <p:pic>
+            <p:nvPicPr>
+              <p:cNvPr id="12" name="Chart 11">
+                <a:extLst>
+                  <a:ext uri="{FF2B5EF4-FFF2-40B4-BE49-F238E27FC236}">
+                    <a16:creationId xmlns:a16="http://schemas.microsoft.com/office/drawing/2014/main" id="{F38FA387-E3F2-49BD-BE3C-BBAEFC2CB8BD}"/>
+                  </a:ext>
+                </a:extLst>
+              </p:cNvPr>
+              <p:cNvPicPr>
+                <a:picLocks noGrp="1" noRot="1" noChangeAspect="1" noMove="1" noResize="1" noEditPoints="1" noAdjustHandles="1" noChangeArrowheads="1" noChangeShapeType="1"/>
+              </p:cNvPicPr>
+              <p:nvPr/>
+            </p:nvPicPr>
+            <p:blipFill>
+              <a:blip r:embed="rId3"/>
+              <a:stretch>
+                <a:fillRect/>
+              </a:stretch>
+            </p:blipFill>
+            <p:spPr>
+              <a:xfrm>
+                <a:off x="3937155" y="1361901"/>
+                <a:ext cx="7540016" cy="4352925"/>
+              </a:xfrm>
+              <a:prstGeom prst="rect">
+                <a:avLst/>
+              </a:prstGeom>
+            </p:spPr>
+          </p:pic>
+        </mc:Fallback>
+      </mc:AlternateContent>
+    </p:spTree>
+    <p:extLst>
+      <p:ext uri="{BB962C8B-B14F-4D97-AF65-F5344CB8AC3E}">
+        <p14:creationId xmlns:p14="http://schemas.microsoft.com/office/powerpoint/2010/main" val="4056557499"/>
+      </p:ext>
+    </p:extLst>
+  </p:cSld>
+  <p:clrMapOvr>
+    <a:masterClrMapping/>
+  </p:clrMapOvr>
+</p:sld>
+</file>
+
+<file path=ppt/slides/slide15.xml><?xml version="1.0" encoding="utf-8"?>
+<p:sld xmlns:a="http://schemas.openxmlformats.org/drawingml/2006/main" xmlns:r="http://schemas.openxmlformats.org/officeDocument/2006/relationships" xmlns:p="http://schemas.openxmlformats.org/presentationml/2006/main">
+  <p:cSld>
+    <p:spTree>
+      <p:nvGrpSpPr>
+        <p:cNvPr id="1" name=""/>
+        <p:cNvGrpSpPr/>
+        <p:nvPr/>
+      </p:nvGrpSpPr>
+      <p:grpSpPr>
+        <a:xfrm>
+          <a:off x="0" y="0"/>
+          <a:ext cx="0" cy="0"/>
+          <a:chOff x="0" y="0"/>
+          <a:chExt cx="0" cy="0"/>
+        </a:xfrm>
+      </p:grpSpPr>
+      <p:sp>
+        <p:nvSpPr>
+          <p:cNvPr id="11" name="Title 1">
+            <a:extLst>
+              <a:ext uri="{FF2B5EF4-FFF2-40B4-BE49-F238E27FC236}">
+                <a16:creationId xmlns:a16="http://schemas.microsoft.com/office/drawing/2014/main" id="{2E2A498E-DB6B-4E9E-91BA-F2ED5E11A287}"/>
+              </a:ext>
+            </a:extLst>
+          </p:cNvPr>
+          <p:cNvSpPr>
+            <a:spLocks noGrp="1"/>
+          </p:cNvSpPr>
+          <p:nvPr>
+            <p:ph type="title"/>
+          </p:nvPr>
+        </p:nvSpPr>
+        <p:spPr>
+          <a:xfrm>
+            <a:off x="536359" y="-416523"/>
+            <a:ext cx="10515600" cy="1325563"/>
+          </a:xfrm>
+        </p:spPr>
+        <p:txBody>
+          <a:bodyPr>
+            <a:normAutofit/>
+          </a:bodyPr>
+          <a:lstStyle/>
+          <a:p>
+            <a:r>
+              <a:rPr lang="en-US" sz="3100" b="1" dirty="0">
+                <a:solidFill>
+                  <a:schemeClr val="tx2">
+                    <a:lumMod val="60000"/>
+                    <a:lumOff val="40000"/>
+                  </a:schemeClr>
+                </a:solidFill>
+                <a:latin typeface="Arial Black" panose="020B0A04020102020204" pitchFamily="34" charset="0"/>
+              </a:rPr>
+              <a:t>Chart – Event by country or Make or Model ??</a:t>
+            </a:r>
+            <a:endParaRPr lang="en-US" b="1" dirty="0">
+              <a:latin typeface="+mn-lt"/>
+            </a:endParaRPr>
+          </a:p>
+        </p:txBody>
+      </p:sp>
+      <p:sp>
+        <p:nvSpPr>
+          <p:cNvPr id="17" name="TextBox 16">
+            <a:extLst>
+              <a:ext uri="{FF2B5EF4-FFF2-40B4-BE49-F238E27FC236}">
+                <a16:creationId xmlns:a16="http://schemas.microsoft.com/office/drawing/2014/main" id="{AA91CDCA-A381-4E1A-BD6E-414FACEA9D7B}"/>
+              </a:ext>
+            </a:extLst>
+          </p:cNvPr>
+          <p:cNvSpPr txBox="1"/>
+          <p:nvPr/>
+        </p:nvSpPr>
+        <p:spPr>
+          <a:xfrm>
+            <a:off x="508991" y="1102222"/>
+            <a:ext cx="1995996" cy="954107"/>
+          </a:xfrm>
+          <a:prstGeom prst="rect">
+            <a:avLst/>
+          </a:prstGeom>
+          <a:solidFill>
+            <a:schemeClr val="bg1">
+              <a:lumMod val="95000"/>
+            </a:schemeClr>
+          </a:solidFill>
+          <a:ln>
+            <a:noFill/>
+          </a:ln>
+        </p:spPr>
+        <p:style>
+          <a:lnRef idx="2">
+            <a:schemeClr val="dk1"/>
+          </a:lnRef>
+          <a:fillRef idx="1">
+            <a:schemeClr val="lt1"/>
+          </a:fillRef>
+          <a:effectRef idx="0">
+            <a:schemeClr val="dk1"/>
+          </a:effectRef>
+          <a:fontRef idx="minor">
+            <a:schemeClr val="dk1"/>
+          </a:fontRef>
+        </p:style>
+        <p:txBody>
+          <a:bodyPr wrap="square" rtlCol="0">
+            <a:spAutoFit/>
+          </a:bodyPr>
+          <a:lstStyle/>
+          <a:p>
+            <a:pPr>
+              <a:tabLst>
+                <a:tab pos="233363" algn="l"/>
+              </a:tabLst>
+            </a:pPr>
+            <a:r>
+              <a:rPr lang="en-US" sz="1400" b="1" dirty="0">
+                <a:solidFill>
+                  <a:schemeClr val="tx1"/>
+                </a:solidFill>
+              </a:rPr>
+              <a:t>	Total Fatal Injuries</a:t>
+            </a:r>
+          </a:p>
+          <a:p>
+            <a:pPr>
+              <a:tabLst>
+                <a:tab pos="233363" algn="l"/>
+              </a:tabLst>
+            </a:pPr>
+            <a:r>
+              <a:rPr lang="en-US" sz="1400" b="1" dirty="0">
+                <a:solidFill>
+                  <a:schemeClr val="tx1"/>
+                </a:solidFill>
+              </a:rPr>
+              <a:t>	Total Serious Injuries</a:t>
+            </a:r>
+          </a:p>
+          <a:p>
+            <a:pPr>
+              <a:tabLst>
+                <a:tab pos="233363" algn="l"/>
+              </a:tabLst>
+            </a:pPr>
+            <a:r>
+              <a:rPr lang="en-US" sz="1400" b="1" dirty="0">
+                <a:solidFill>
+                  <a:schemeClr val="tx1"/>
+                </a:solidFill>
+              </a:rPr>
+              <a:t>	Total  Minor Injuries</a:t>
+            </a:r>
+          </a:p>
+          <a:p>
+            <a:pPr>
+              <a:tabLst>
+                <a:tab pos="233363" algn="l"/>
+              </a:tabLst>
+            </a:pPr>
+            <a:r>
+              <a:rPr lang="en-US" sz="1400" b="1" dirty="0">
+                <a:solidFill>
+                  <a:schemeClr val="tx1"/>
+                </a:solidFill>
+              </a:rPr>
+              <a:t>	Total Injured    </a:t>
+            </a:r>
+          </a:p>
+        </p:txBody>
+      </p:sp>
+      <p:sp>
+        <p:nvSpPr>
+          <p:cNvPr id="19" name="TextBox 18">
+            <a:extLst>
+              <a:ext uri="{FF2B5EF4-FFF2-40B4-BE49-F238E27FC236}">
+                <a16:creationId xmlns:a16="http://schemas.microsoft.com/office/drawing/2014/main" id="{E8B11A2F-8F2C-4B42-A263-CD36E46967DD}"/>
+              </a:ext>
+            </a:extLst>
+          </p:cNvPr>
+          <p:cNvSpPr txBox="1"/>
+          <p:nvPr/>
+        </p:nvSpPr>
+        <p:spPr>
+          <a:xfrm>
+            <a:off x="134213" y="2314533"/>
+            <a:ext cx="3613212" cy="3585597"/>
+          </a:xfrm>
+          <a:prstGeom prst="rect">
+            <a:avLst/>
+          </a:prstGeom>
+          <a:noFill/>
+        </p:spPr>
+        <p:txBody>
+          <a:bodyPr wrap="square" rtlCol="0">
+            <a:spAutoFit/>
+          </a:bodyPr>
+          <a:lstStyle/>
+          <a:p>
+            <a:r>
+              <a:rPr lang="en-US" sz="1100" dirty="0" err="1"/>
+              <a:t>Pellentesque</a:t>
+            </a:r>
+            <a:r>
+              <a:rPr lang="en-US" sz="1100" dirty="0"/>
+              <a:t> habitant </a:t>
+            </a:r>
+            <a:r>
+              <a:rPr lang="en-US" sz="1100" dirty="0" err="1"/>
+              <a:t>morbi</a:t>
+            </a:r>
+            <a:r>
+              <a:rPr lang="en-US" sz="1100" dirty="0"/>
+              <a:t> </a:t>
+            </a:r>
+            <a:r>
+              <a:rPr lang="en-US" sz="1100" dirty="0" err="1"/>
+              <a:t>tristique</a:t>
+            </a:r>
+            <a:r>
+              <a:rPr lang="en-US" sz="1100" dirty="0"/>
+              <a:t> </a:t>
+            </a:r>
+            <a:r>
+              <a:rPr lang="en-US" sz="1100" dirty="0" err="1"/>
+              <a:t>senectus</a:t>
+            </a:r>
+            <a:r>
+              <a:rPr lang="en-US" sz="1100" dirty="0"/>
+              <a:t> et </a:t>
+            </a:r>
+            <a:r>
+              <a:rPr lang="en-US" sz="1100" dirty="0" err="1"/>
+              <a:t>netus</a:t>
+            </a:r>
+            <a:r>
+              <a:rPr lang="en-US" sz="1100" dirty="0"/>
+              <a:t> et </a:t>
+            </a:r>
+            <a:r>
+              <a:rPr lang="en-US" sz="1100" dirty="0" err="1"/>
+              <a:t>malesuada</a:t>
+            </a:r>
+            <a:r>
+              <a:rPr lang="en-US" sz="1100" dirty="0"/>
+              <a:t> fames ac </a:t>
+            </a:r>
+            <a:r>
+              <a:rPr lang="en-US" sz="1100" dirty="0" err="1"/>
+              <a:t>turpis</a:t>
+            </a:r>
+            <a:r>
+              <a:rPr lang="en-US" sz="1100" dirty="0"/>
+              <a:t> </a:t>
+            </a:r>
+            <a:r>
+              <a:rPr lang="en-US" sz="1100" dirty="0" err="1"/>
+              <a:t>egestas</a:t>
+            </a:r>
+            <a:r>
+              <a:rPr lang="en-US" sz="1100" dirty="0"/>
+              <a:t>. Vestibulum </a:t>
+            </a:r>
+            <a:r>
+              <a:rPr lang="en-US" sz="1100" dirty="0" err="1"/>
+              <a:t>tortor</a:t>
+            </a:r>
+            <a:r>
+              <a:rPr lang="en-US" sz="1100" dirty="0"/>
+              <a:t> </a:t>
+            </a:r>
+            <a:r>
+              <a:rPr lang="en-US" sz="1100" dirty="0" err="1"/>
+              <a:t>quam</a:t>
+            </a:r>
+            <a:r>
+              <a:rPr lang="en-US" sz="1100" dirty="0"/>
+              <a:t>, </a:t>
+            </a:r>
+            <a:r>
+              <a:rPr lang="en-US" sz="1100" dirty="0" err="1"/>
+              <a:t>feugiat</a:t>
+            </a:r>
+            <a:r>
+              <a:rPr lang="en-US" sz="1100" dirty="0"/>
+              <a:t> vitae, </a:t>
+            </a:r>
+            <a:r>
+              <a:rPr lang="en-US" sz="1100" dirty="0" err="1"/>
+              <a:t>ultricies</a:t>
+            </a:r>
+            <a:r>
+              <a:rPr lang="en-US" sz="1100" dirty="0"/>
+              <a:t> </a:t>
+            </a:r>
+            <a:r>
+              <a:rPr lang="en-US" sz="1100" dirty="0" err="1"/>
+              <a:t>eget</a:t>
+            </a:r>
+            <a:r>
+              <a:rPr lang="en-US" sz="1100" dirty="0"/>
+              <a:t>, </a:t>
+            </a:r>
+            <a:r>
+              <a:rPr lang="en-US" sz="1100" dirty="0" err="1"/>
+              <a:t>tempor</a:t>
+            </a:r>
+            <a:r>
+              <a:rPr lang="en-US" sz="1100" dirty="0"/>
+              <a:t> sit </a:t>
+            </a:r>
+            <a:r>
+              <a:rPr lang="en-US" sz="1100" dirty="0" err="1"/>
+              <a:t>amet</a:t>
+            </a:r>
+            <a:r>
+              <a:rPr lang="en-US" sz="1100" dirty="0"/>
+              <a:t>, ante. </a:t>
+            </a:r>
+            <a:r>
+              <a:rPr lang="en-US" sz="1100" dirty="0" err="1"/>
+              <a:t>Donec</a:t>
+            </a:r>
+            <a:r>
+              <a:rPr lang="en-US" sz="1100" dirty="0"/>
+              <a:t> </a:t>
+            </a:r>
+            <a:r>
+              <a:rPr lang="en-US" sz="1100" dirty="0" err="1"/>
+              <a:t>eu</a:t>
+            </a:r>
+            <a:r>
+              <a:rPr lang="en-US" sz="1100" dirty="0"/>
+              <a:t> libero sit </a:t>
+            </a:r>
+            <a:r>
+              <a:rPr lang="en-US" sz="1100" dirty="0" err="1"/>
+              <a:t>amet</a:t>
+            </a:r>
+            <a:r>
+              <a:rPr lang="en-US" sz="1100" dirty="0"/>
+              <a:t> </a:t>
+            </a:r>
+            <a:r>
+              <a:rPr lang="en-US" sz="1100" dirty="0" err="1"/>
+              <a:t>quam</a:t>
+            </a:r>
+            <a:r>
+              <a:rPr lang="en-US" sz="1100" dirty="0"/>
+              <a:t> </a:t>
+            </a:r>
+            <a:r>
+              <a:rPr lang="en-US" sz="1100" dirty="0" err="1"/>
+              <a:t>egestas</a:t>
+            </a:r>
+            <a:r>
+              <a:rPr lang="en-US" sz="1100" dirty="0"/>
+              <a:t> semper. </a:t>
+            </a:r>
+            <a:r>
+              <a:rPr lang="en-US" sz="1100" dirty="0" err="1"/>
+              <a:t>Aenean</a:t>
+            </a:r>
+            <a:r>
+              <a:rPr lang="en-US" sz="1100" dirty="0"/>
+              <a:t> </a:t>
+            </a:r>
+            <a:r>
+              <a:rPr lang="en-US" sz="1100" dirty="0" err="1"/>
+              <a:t>ultricies</a:t>
+            </a:r>
+            <a:r>
+              <a:rPr lang="en-US" sz="1100" dirty="0"/>
+              <a:t> mi vitae est. </a:t>
+            </a:r>
+            <a:r>
+              <a:rPr lang="en-US" sz="1100" dirty="0" err="1"/>
+              <a:t>Mauris</a:t>
+            </a:r>
+            <a:r>
+              <a:rPr lang="en-US" sz="1100" dirty="0"/>
+              <a:t> </a:t>
+            </a:r>
+            <a:r>
+              <a:rPr lang="en-US" sz="1100" dirty="0" err="1"/>
+              <a:t>placerat</a:t>
+            </a:r>
+            <a:r>
+              <a:rPr lang="en-US" sz="1100" dirty="0"/>
+              <a:t> </a:t>
+            </a:r>
+            <a:r>
+              <a:rPr lang="en-US" sz="1100" dirty="0" err="1"/>
+              <a:t>eleifend</a:t>
+            </a:r>
+            <a:r>
+              <a:rPr lang="en-US" sz="1100" dirty="0"/>
+              <a:t> </a:t>
+            </a:r>
+            <a:r>
+              <a:rPr lang="en-US" sz="1100" dirty="0" err="1"/>
+              <a:t>leo</a:t>
+            </a:r>
+            <a:r>
+              <a:rPr lang="en-US" sz="1100" dirty="0"/>
+              <a:t>.</a:t>
+            </a:r>
+          </a:p>
+          <a:p>
+            <a:endParaRPr lang="en-US" sz="1100" dirty="0"/>
+          </a:p>
+          <a:p>
+            <a:r>
+              <a:rPr lang="en-US" sz="1100" dirty="0" err="1"/>
+              <a:t>Pellentesque</a:t>
+            </a:r>
+            <a:r>
+              <a:rPr lang="en-US" sz="1100" dirty="0"/>
+              <a:t> habitant </a:t>
+            </a:r>
+            <a:r>
+              <a:rPr lang="en-US" sz="1100" dirty="0" err="1"/>
+              <a:t>morbi</a:t>
+            </a:r>
+            <a:r>
+              <a:rPr lang="en-US" sz="1100" dirty="0"/>
+              <a:t> </a:t>
+            </a:r>
+            <a:r>
+              <a:rPr lang="en-US" sz="1100" dirty="0" err="1"/>
+              <a:t>tristique</a:t>
+            </a:r>
+            <a:r>
+              <a:rPr lang="en-US" sz="1100" dirty="0"/>
+              <a:t> </a:t>
+            </a:r>
+            <a:r>
+              <a:rPr lang="en-US" sz="1100" dirty="0" err="1"/>
+              <a:t>senectus</a:t>
+            </a:r>
+            <a:r>
+              <a:rPr lang="en-US" sz="1100" dirty="0"/>
+              <a:t> et </a:t>
+            </a:r>
+            <a:r>
+              <a:rPr lang="en-US" sz="1100" dirty="0" err="1"/>
+              <a:t>netus</a:t>
+            </a:r>
+            <a:r>
+              <a:rPr lang="en-US" sz="1100" dirty="0"/>
+              <a:t> et </a:t>
+            </a:r>
+            <a:r>
+              <a:rPr lang="en-US" sz="1100" dirty="0" err="1"/>
+              <a:t>malesuada</a:t>
+            </a:r>
+            <a:r>
+              <a:rPr lang="en-US" sz="1100" dirty="0"/>
+              <a:t> fames ac </a:t>
+            </a:r>
+            <a:r>
+              <a:rPr lang="en-US" sz="1100" dirty="0" err="1"/>
+              <a:t>turpis</a:t>
+            </a:r>
+            <a:r>
+              <a:rPr lang="en-US" sz="1100" dirty="0"/>
+              <a:t> </a:t>
+            </a:r>
+            <a:r>
+              <a:rPr lang="en-US" sz="1100" dirty="0" err="1"/>
+              <a:t>egestas</a:t>
+            </a:r>
+            <a:r>
+              <a:rPr lang="en-US" sz="1100" dirty="0"/>
+              <a:t>. Vestibulum </a:t>
+            </a:r>
+            <a:r>
+              <a:rPr lang="en-US" sz="1100" dirty="0" err="1"/>
+              <a:t>tortor</a:t>
+            </a:r>
+            <a:r>
+              <a:rPr lang="en-US" sz="1100" dirty="0"/>
+              <a:t> </a:t>
+            </a:r>
+            <a:r>
+              <a:rPr lang="en-US" sz="1100" dirty="0" err="1"/>
+              <a:t>quam</a:t>
+            </a:r>
+            <a:r>
+              <a:rPr lang="en-US" sz="1100" dirty="0"/>
+              <a:t>, </a:t>
+            </a:r>
+            <a:r>
+              <a:rPr lang="en-US" sz="1100" dirty="0" err="1"/>
+              <a:t>feugiat</a:t>
+            </a:r>
+            <a:r>
+              <a:rPr lang="en-US" sz="1100" dirty="0"/>
+              <a:t> vitae, </a:t>
+            </a:r>
+            <a:r>
+              <a:rPr lang="en-US" sz="1100" dirty="0" err="1"/>
+              <a:t>ultricies</a:t>
+            </a:r>
+            <a:r>
+              <a:rPr lang="en-US" sz="1100" dirty="0"/>
+              <a:t> </a:t>
+            </a:r>
+            <a:r>
+              <a:rPr lang="en-US" sz="1100" dirty="0" err="1"/>
+              <a:t>eget</a:t>
+            </a:r>
+            <a:r>
+              <a:rPr lang="en-US" sz="1100" dirty="0"/>
+              <a:t>, </a:t>
+            </a:r>
+            <a:r>
+              <a:rPr lang="en-US" sz="1100" dirty="0" err="1"/>
+              <a:t>tempor</a:t>
+            </a:r>
+            <a:r>
+              <a:rPr lang="en-US" sz="1100" dirty="0"/>
+              <a:t> sit </a:t>
+            </a:r>
+            <a:r>
+              <a:rPr lang="en-US" sz="1100" dirty="0" err="1"/>
+              <a:t>amet</a:t>
+            </a:r>
+            <a:r>
+              <a:rPr lang="en-US" sz="1100" dirty="0"/>
+              <a:t>, ante. </a:t>
+            </a:r>
+            <a:r>
+              <a:rPr lang="en-US" sz="1100" dirty="0" err="1"/>
+              <a:t>Donec</a:t>
+            </a:r>
+            <a:r>
+              <a:rPr lang="en-US" sz="1100" dirty="0"/>
+              <a:t> </a:t>
+            </a:r>
+            <a:r>
+              <a:rPr lang="en-US" sz="1100" dirty="0" err="1"/>
+              <a:t>eu</a:t>
+            </a:r>
+            <a:r>
+              <a:rPr lang="en-US" sz="1100" dirty="0"/>
+              <a:t> libero sit </a:t>
+            </a:r>
+            <a:r>
+              <a:rPr lang="en-US" sz="1100" dirty="0" err="1"/>
+              <a:t>amet</a:t>
+            </a:r>
+            <a:r>
+              <a:rPr lang="en-US" sz="1100" dirty="0"/>
+              <a:t> </a:t>
+            </a:r>
+            <a:r>
+              <a:rPr lang="en-US" sz="1100" dirty="0" err="1"/>
+              <a:t>quam</a:t>
+            </a:r>
+            <a:r>
+              <a:rPr lang="en-US" sz="1100" dirty="0"/>
+              <a:t> </a:t>
+            </a:r>
+            <a:r>
+              <a:rPr lang="en-US" sz="1100" dirty="0" err="1"/>
+              <a:t>egestas</a:t>
+            </a:r>
+            <a:r>
+              <a:rPr lang="en-US" sz="1100" dirty="0"/>
+              <a:t> semper. </a:t>
+            </a:r>
+            <a:r>
+              <a:rPr lang="en-US" sz="1100" dirty="0" err="1"/>
+              <a:t>Aenean</a:t>
+            </a:r>
+            <a:r>
+              <a:rPr lang="en-US" sz="1100" dirty="0"/>
+              <a:t> </a:t>
+            </a:r>
+            <a:r>
+              <a:rPr lang="en-US" sz="1100" dirty="0" err="1"/>
+              <a:t>ultricies</a:t>
+            </a:r>
+            <a:r>
+              <a:rPr lang="en-US" sz="1100" dirty="0"/>
+              <a:t> mi vitae est. </a:t>
+            </a:r>
+            <a:r>
+              <a:rPr lang="en-US" sz="1100" dirty="0" err="1"/>
+              <a:t>Mauris</a:t>
+            </a:r>
+            <a:r>
+              <a:rPr lang="en-US" sz="1100" dirty="0"/>
+              <a:t> </a:t>
+            </a:r>
+            <a:r>
+              <a:rPr lang="en-US" sz="1100" dirty="0" err="1"/>
+              <a:t>placerat</a:t>
+            </a:r>
+            <a:r>
+              <a:rPr lang="en-US" sz="1100" dirty="0"/>
+              <a:t> </a:t>
+            </a:r>
+            <a:r>
+              <a:rPr lang="en-US" sz="1100" dirty="0" err="1"/>
+              <a:t>eleifend</a:t>
+            </a:r>
+            <a:r>
+              <a:rPr lang="en-US" sz="1100" dirty="0"/>
+              <a:t> </a:t>
+            </a:r>
+            <a:r>
+              <a:rPr lang="en-US" sz="1100" dirty="0" err="1"/>
+              <a:t>leo</a:t>
+            </a:r>
+            <a:r>
+              <a:rPr lang="en-US" sz="1100" dirty="0"/>
+              <a:t>.</a:t>
+            </a:r>
+          </a:p>
+          <a:p>
+            <a:endParaRPr lang="en-US" sz="1100" dirty="0"/>
+          </a:p>
+          <a:p>
+            <a:r>
+              <a:rPr lang="en-US" sz="1100" dirty="0" err="1"/>
+              <a:t>Pellentesque</a:t>
+            </a:r>
+            <a:r>
+              <a:rPr lang="en-US" sz="1100" dirty="0"/>
+              <a:t> habitant </a:t>
+            </a:r>
+            <a:r>
+              <a:rPr lang="en-US" sz="1100" dirty="0" err="1"/>
+              <a:t>morbi</a:t>
+            </a:r>
+            <a:r>
+              <a:rPr lang="en-US" sz="1100" dirty="0"/>
+              <a:t> </a:t>
+            </a:r>
+            <a:r>
+              <a:rPr lang="en-US" sz="1100" dirty="0" err="1"/>
+              <a:t>tristique</a:t>
+            </a:r>
+            <a:r>
+              <a:rPr lang="en-US" sz="1100" dirty="0"/>
+              <a:t> </a:t>
+            </a:r>
+            <a:r>
+              <a:rPr lang="en-US" sz="1100" dirty="0" err="1"/>
+              <a:t>senectus</a:t>
+            </a:r>
+            <a:r>
+              <a:rPr lang="en-US" sz="1100" dirty="0"/>
+              <a:t> et </a:t>
+            </a:r>
+            <a:r>
+              <a:rPr lang="en-US" sz="1100" dirty="0" err="1"/>
+              <a:t>netus</a:t>
+            </a:r>
+            <a:r>
+              <a:rPr lang="en-US" sz="1100" dirty="0"/>
+              <a:t> et </a:t>
+            </a:r>
+            <a:r>
+              <a:rPr lang="en-US" sz="1100" dirty="0" err="1"/>
+              <a:t>malesuada</a:t>
+            </a:r>
+            <a:r>
+              <a:rPr lang="en-US" sz="1100" dirty="0"/>
+              <a:t> fames ac </a:t>
+            </a:r>
+            <a:r>
+              <a:rPr lang="en-US" sz="1100" dirty="0" err="1"/>
+              <a:t>turpis</a:t>
+            </a:r>
+            <a:r>
+              <a:rPr lang="en-US" sz="1100" dirty="0"/>
+              <a:t> </a:t>
+            </a:r>
+            <a:r>
+              <a:rPr lang="en-US" sz="1100" dirty="0" err="1"/>
+              <a:t>egestas</a:t>
+            </a:r>
+            <a:r>
+              <a:rPr lang="en-US" sz="1100" dirty="0"/>
+              <a:t>. Vestibulum </a:t>
+            </a:r>
+            <a:r>
+              <a:rPr lang="en-US" sz="1100" dirty="0" err="1"/>
+              <a:t>tortor</a:t>
+            </a:r>
+            <a:r>
+              <a:rPr lang="en-US" sz="1100" dirty="0"/>
+              <a:t> </a:t>
+            </a:r>
+            <a:r>
+              <a:rPr lang="en-US" sz="1100" dirty="0" err="1"/>
+              <a:t>quam</a:t>
+            </a:r>
+            <a:r>
+              <a:rPr lang="en-US" sz="1100" dirty="0"/>
+              <a:t>, </a:t>
+            </a:r>
+            <a:r>
+              <a:rPr lang="en-US" sz="1100" dirty="0" err="1"/>
+              <a:t>feugiat</a:t>
+            </a:r>
+            <a:r>
+              <a:rPr lang="en-US" sz="1100" dirty="0"/>
+              <a:t> vitae, </a:t>
+            </a:r>
+            <a:r>
+              <a:rPr lang="en-US" sz="1100" dirty="0" err="1"/>
+              <a:t>ultricies</a:t>
+            </a:r>
+            <a:r>
+              <a:rPr lang="en-US" sz="1100" dirty="0"/>
+              <a:t> </a:t>
+            </a:r>
+            <a:r>
+              <a:rPr lang="en-US" sz="1100" dirty="0" err="1"/>
+              <a:t>eget</a:t>
+            </a:r>
+            <a:r>
+              <a:rPr lang="en-US" sz="1100" dirty="0"/>
+              <a:t>, </a:t>
+            </a:r>
+            <a:r>
+              <a:rPr lang="en-US" sz="1100" dirty="0" err="1"/>
+              <a:t>tempor</a:t>
+            </a:r>
+            <a:r>
+              <a:rPr lang="en-US" sz="1100" dirty="0"/>
+              <a:t> sit </a:t>
+            </a:r>
+            <a:r>
+              <a:rPr lang="en-US" sz="1100" dirty="0" err="1"/>
+              <a:t>amet</a:t>
+            </a:r>
+            <a:r>
+              <a:rPr lang="en-US" sz="1100" dirty="0"/>
+              <a:t>, ante. </a:t>
+            </a:r>
+            <a:r>
+              <a:rPr lang="en-US" sz="1100" dirty="0" err="1"/>
+              <a:t>Donec</a:t>
+            </a:r>
+            <a:r>
+              <a:rPr lang="en-US" sz="1100" dirty="0"/>
+              <a:t> </a:t>
+            </a:r>
+            <a:r>
+              <a:rPr lang="en-US" sz="1100" dirty="0" err="1"/>
+              <a:t>eu</a:t>
+            </a:r>
+            <a:r>
+              <a:rPr lang="en-US" sz="1100" dirty="0"/>
+              <a:t> libero sit </a:t>
+            </a:r>
+            <a:r>
+              <a:rPr lang="en-US" sz="1100" dirty="0" err="1"/>
+              <a:t>amet</a:t>
+            </a:r>
+            <a:r>
+              <a:rPr lang="en-US" sz="1100" dirty="0"/>
+              <a:t> </a:t>
+            </a:r>
+            <a:r>
+              <a:rPr lang="en-US" sz="1100" dirty="0" err="1"/>
+              <a:t>quam</a:t>
+            </a:r>
+            <a:r>
+              <a:rPr lang="en-US" sz="1100" dirty="0"/>
+              <a:t> </a:t>
+            </a:r>
+            <a:r>
+              <a:rPr lang="en-US" sz="1100" dirty="0" err="1"/>
+              <a:t>egestas</a:t>
+            </a:r>
+            <a:r>
+              <a:rPr lang="en-US" sz="1100" dirty="0"/>
+              <a:t> semper. </a:t>
+            </a:r>
+            <a:r>
+              <a:rPr lang="en-US" sz="1100" dirty="0" err="1"/>
+              <a:t>Aenean</a:t>
+            </a:r>
+            <a:r>
+              <a:rPr lang="en-US" sz="1100" dirty="0"/>
+              <a:t> </a:t>
+            </a:r>
+            <a:r>
+              <a:rPr lang="en-US" sz="1100" dirty="0" err="1"/>
+              <a:t>ultricies</a:t>
+            </a:r>
+            <a:r>
+              <a:rPr lang="en-US" sz="1100" dirty="0"/>
+              <a:t> mi vitae est. </a:t>
+            </a:r>
+            <a:r>
+              <a:rPr lang="en-US" sz="1100" dirty="0" err="1"/>
+              <a:t>Mauris</a:t>
+            </a:r>
+            <a:r>
+              <a:rPr lang="en-US" sz="1100" dirty="0"/>
+              <a:t> </a:t>
+            </a:r>
+            <a:r>
+              <a:rPr lang="en-US" sz="1100" dirty="0" err="1"/>
+              <a:t>placerat</a:t>
+            </a:r>
+            <a:r>
+              <a:rPr lang="en-US" sz="1100" dirty="0"/>
+              <a:t> </a:t>
+            </a:r>
+            <a:r>
+              <a:rPr lang="en-US" sz="1100" dirty="0" err="1"/>
+              <a:t>eleifend</a:t>
+            </a:r>
+            <a:r>
+              <a:rPr lang="en-US" sz="1100" dirty="0"/>
+              <a:t> </a:t>
+            </a:r>
+            <a:r>
+              <a:rPr lang="en-US" sz="1100" dirty="0" err="1"/>
+              <a:t>leo</a:t>
+            </a:r>
+            <a:r>
+              <a:rPr lang="en-US" sz="1100" dirty="0"/>
+              <a:t>.</a:t>
+            </a:r>
+          </a:p>
+          <a:p>
+            <a:endParaRPr lang="en-US" sz="800" dirty="0"/>
+          </a:p>
+          <a:p>
+            <a:endParaRPr lang="en-US" sz="800" dirty="0"/>
+          </a:p>
+          <a:p>
+            <a:endParaRPr lang="en-US" sz="800" dirty="0"/>
+          </a:p>
+          <a:p>
+            <a:endParaRPr lang="en-US" sz="800" dirty="0"/>
+          </a:p>
+          <a:p>
+            <a:endParaRPr lang="en-US" sz="800" dirty="0"/>
+          </a:p>
+        </p:txBody>
+      </p:sp>
+      <p:sp>
+        <p:nvSpPr>
+          <p:cNvPr id="20" name="TextBox 19">
+            <a:extLst>
+              <a:ext uri="{FF2B5EF4-FFF2-40B4-BE49-F238E27FC236}">
+                <a16:creationId xmlns:a16="http://schemas.microsoft.com/office/drawing/2014/main" id="{FA1F7ED2-6B74-4EF0-B30A-29F20174E4A5}"/>
+              </a:ext>
+            </a:extLst>
+          </p:cNvPr>
+          <p:cNvSpPr txBox="1"/>
+          <p:nvPr/>
+        </p:nvSpPr>
+        <p:spPr>
+          <a:xfrm>
+            <a:off x="319261" y="454376"/>
+            <a:ext cx="10662082" cy="648070"/>
+          </a:xfrm>
+          <a:prstGeom prst="rect">
+            <a:avLst/>
+          </a:prstGeom>
+          <a:solidFill>
+            <a:schemeClr val="tx2">
+              <a:lumMod val="60000"/>
+              <a:lumOff val="40000"/>
+            </a:schemeClr>
+          </a:solidFill>
+        </p:spPr>
+        <p:txBody>
+          <a:bodyPr wrap="square" rtlCol="0">
+            <a:spAutoFit/>
+          </a:bodyPr>
+          <a:lstStyle/>
+          <a:p>
+            <a:endParaRPr lang="en-US" dirty="0"/>
+          </a:p>
+        </p:txBody>
+      </p:sp>
+      <p:sp>
+        <p:nvSpPr>
+          <p:cNvPr id="24" name="TextBox 23">
+            <a:extLst>
+              <a:ext uri="{FF2B5EF4-FFF2-40B4-BE49-F238E27FC236}">
+                <a16:creationId xmlns:a16="http://schemas.microsoft.com/office/drawing/2014/main" id="{34DA516D-9054-40AC-A466-4335401811E1}"/>
+              </a:ext>
+            </a:extLst>
+          </p:cNvPr>
+          <p:cNvSpPr txBox="1"/>
+          <p:nvPr/>
+        </p:nvSpPr>
+        <p:spPr>
+          <a:xfrm>
+            <a:off x="9100283" y="586145"/>
+            <a:ext cx="1546195" cy="400110"/>
+          </a:xfrm>
+          <a:prstGeom prst="rect">
+            <a:avLst/>
+          </a:prstGeom>
+          <a:noFill/>
+        </p:spPr>
+        <p:txBody>
+          <a:bodyPr wrap="square" rtlCol="0">
+            <a:spAutoFit/>
+          </a:bodyPr>
+          <a:lstStyle/>
+          <a:p>
+            <a:r>
+              <a:rPr lang="en-US" sz="2000" b="1" dirty="0">
+                <a:solidFill>
+                  <a:schemeClr val="bg1">
+                    <a:lumMod val="85000"/>
+                  </a:schemeClr>
+                </a:solidFill>
+              </a:rPr>
+              <a:t>What’s New</a:t>
+            </a:r>
+          </a:p>
+        </p:txBody>
+      </p:sp>
+      <p:sp>
+        <p:nvSpPr>
+          <p:cNvPr id="25" name="TextBox 24">
+            <a:extLst>
+              <a:ext uri="{FF2B5EF4-FFF2-40B4-BE49-F238E27FC236}">
+                <a16:creationId xmlns:a16="http://schemas.microsoft.com/office/drawing/2014/main" id="{ED478554-0E45-46BA-8D80-2A50C8B1FEF9}"/>
+              </a:ext>
+            </a:extLst>
+          </p:cNvPr>
+          <p:cNvSpPr txBox="1"/>
+          <p:nvPr/>
+        </p:nvSpPr>
+        <p:spPr>
+          <a:xfrm>
+            <a:off x="756218" y="578356"/>
+            <a:ext cx="856921" cy="400110"/>
+          </a:xfrm>
+          <a:prstGeom prst="rect">
+            <a:avLst/>
+          </a:prstGeom>
+          <a:noFill/>
+        </p:spPr>
+        <p:txBody>
+          <a:bodyPr wrap="square" rtlCol="0">
+            <a:spAutoFit/>
+          </a:bodyPr>
+          <a:lstStyle/>
+          <a:p>
+            <a:r>
+              <a:rPr lang="en-US" sz="2000" b="1" dirty="0"/>
+              <a:t>Chart</a:t>
+            </a:r>
+          </a:p>
+        </p:txBody>
+      </p:sp>
+      <p:sp>
+        <p:nvSpPr>
+          <p:cNvPr id="26" name="TextBox 25">
+            <a:extLst>
+              <a:ext uri="{FF2B5EF4-FFF2-40B4-BE49-F238E27FC236}">
+                <a16:creationId xmlns:a16="http://schemas.microsoft.com/office/drawing/2014/main" id="{3680F9B3-9EA6-4892-8BA0-C4F55C8CA613}"/>
+              </a:ext>
+            </a:extLst>
+          </p:cNvPr>
+          <p:cNvSpPr txBox="1"/>
+          <p:nvPr/>
+        </p:nvSpPr>
+        <p:spPr>
+          <a:xfrm>
+            <a:off x="6960888" y="602309"/>
+            <a:ext cx="983942" cy="400110"/>
+          </a:xfrm>
+          <a:prstGeom prst="rect">
+            <a:avLst/>
+          </a:prstGeom>
+          <a:noFill/>
+        </p:spPr>
+        <p:txBody>
+          <a:bodyPr wrap="square" rtlCol="0">
+            <a:spAutoFit/>
+          </a:bodyPr>
+          <a:lstStyle/>
+          <a:p>
+            <a:r>
+              <a:rPr lang="en-US" sz="2000" b="1" dirty="0">
+                <a:solidFill>
+                  <a:schemeClr val="bg1">
+                    <a:lumMod val="85000"/>
+                  </a:schemeClr>
+                </a:solidFill>
+              </a:rPr>
+              <a:t>Map</a:t>
+            </a:r>
+          </a:p>
+        </p:txBody>
+      </p:sp>
+      <p:sp>
+        <p:nvSpPr>
+          <p:cNvPr id="27" name="TextBox 26">
+            <a:extLst>
+              <a:ext uri="{FF2B5EF4-FFF2-40B4-BE49-F238E27FC236}">
+                <a16:creationId xmlns:a16="http://schemas.microsoft.com/office/drawing/2014/main" id="{09AC6DC5-12EC-4D08-BF2A-A2ABF92A9EAB}"/>
+              </a:ext>
+            </a:extLst>
+          </p:cNvPr>
+          <p:cNvSpPr txBox="1"/>
+          <p:nvPr/>
+        </p:nvSpPr>
+        <p:spPr>
+          <a:xfrm>
+            <a:off x="8108060" y="578356"/>
+            <a:ext cx="983942" cy="400110"/>
+          </a:xfrm>
+          <a:prstGeom prst="rect">
+            <a:avLst/>
+          </a:prstGeom>
+          <a:noFill/>
+        </p:spPr>
+        <p:txBody>
+          <a:bodyPr wrap="square" rtlCol="0">
+            <a:spAutoFit/>
+          </a:bodyPr>
+          <a:lstStyle/>
+          <a:p>
+            <a:r>
+              <a:rPr lang="en-US" sz="2000" b="1" dirty="0">
+                <a:solidFill>
+                  <a:schemeClr val="bg1">
+                    <a:lumMod val="95000"/>
+                  </a:schemeClr>
+                </a:solidFill>
+              </a:rPr>
+              <a:t>Data</a:t>
+            </a:r>
+          </a:p>
+        </p:txBody>
+      </p:sp>
+      <p:graphicFrame>
+        <p:nvGraphicFramePr>
+          <p:cNvPr id="13" name="Chart 12">
+            <a:extLst>
+              <a:ext uri="{FF2B5EF4-FFF2-40B4-BE49-F238E27FC236}">
+                <a16:creationId xmlns:a16="http://schemas.microsoft.com/office/drawing/2014/main" id="{882B8D6C-686B-4AC9-85ED-F95402E68CB6}"/>
+              </a:ext>
+            </a:extLst>
+          </p:cNvPr>
+          <p:cNvGraphicFramePr>
+            <a:graphicFrameLocks/>
+          </p:cNvGraphicFramePr>
+          <p:nvPr>
+            <p:extLst>
+              <p:ext uri="{D42A27DB-BD31-4B8C-83A1-F6EECF244321}">
+                <p14:modId xmlns:p14="http://schemas.microsoft.com/office/powerpoint/2010/main" val="2311205513"/>
+              </p:ext>
+            </p:extLst>
+          </p:nvPr>
+        </p:nvGraphicFramePr>
+        <p:xfrm>
+          <a:off x="3428546" y="1547205"/>
+          <a:ext cx="8048625" cy="4352925"/>
+        </p:xfrm>
+        <a:graphic>
+          <a:graphicData uri="http://schemas.openxmlformats.org/drawingml/2006/chart">
+            <c:chart xmlns:c="http://schemas.openxmlformats.org/drawingml/2006/chart" xmlns:r="http://schemas.openxmlformats.org/officeDocument/2006/relationships" r:id="rId2"/>
+          </a:graphicData>
+        </a:graphic>
+      </p:graphicFrame>
+    </p:spTree>
+    <p:extLst>
+      <p:ext uri="{BB962C8B-B14F-4D97-AF65-F5344CB8AC3E}">
+        <p14:creationId xmlns:p14="http://schemas.microsoft.com/office/powerpoint/2010/main" val="1525678797"/>
       </p:ext>
     </p:extLst>
   </p:cSld>
@@ -8723,36 +17005,6 @@
           </a:p>
         </p:txBody>
       </p:sp>
-      <p:pic>
-        <p:nvPicPr>
-          <p:cNvPr id="28" name="Picture 27">
-            <a:extLst>
-              <a:ext uri="{FF2B5EF4-FFF2-40B4-BE49-F238E27FC236}">
-                <a16:creationId xmlns:a16="http://schemas.microsoft.com/office/drawing/2014/main" id="{31DA628D-DA93-43F3-AED8-4DF1876F6D36}"/>
-              </a:ext>
-            </a:extLst>
-          </p:cNvPr>
-          <p:cNvPicPr>
-            <a:picLocks noChangeAspect="1"/>
-          </p:cNvPicPr>
-          <p:nvPr/>
-        </p:nvPicPr>
-        <p:blipFill>
-          <a:blip r:embed="rId2"/>
-          <a:stretch>
-            <a:fillRect/>
-          </a:stretch>
-        </p:blipFill>
-        <p:spPr>
-          <a:xfrm>
-            <a:off x="2684755" y="1286085"/>
-            <a:ext cx="8589970" cy="3964160"/>
-          </a:xfrm>
-          <a:prstGeom prst="rect">
-            <a:avLst/>
-          </a:prstGeom>
-        </p:spPr>
-      </p:pic>
       <p:sp>
         <p:nvSpPr>
           <p:cNvPr id="29" name="TextBox 28">
@@ -9614,6 +17866,36 @@
           </a:p>
         </p:txBody>
       </p:sp>
+      <p:graphicFrame>
+        <p:nvGraphicFramePr>
+          <p:cNvPr id="13" name="Chart 12">
+            <a:extLst>
+              <a:ext uri="{FF2B5EF4-FFF2-40B4-BE49-F238E27FC236}">
+                <a16:creationId xmlns:a16="http://schemas.microsoft.com/office/drawing/2014/main" id="{9518AE70-431A-45F6-AB24-9362B0B5B2D9}"/>
+              </a:ext>
+            </a:extLst>
+          </p:cNvPr>
+          <p:cNvGraphicFramePr>
+            <a:graphicFrameLocks/>
+          </p:cNvGraphicFramePr>
+          <p:nvPr>
+            <p:extLst>
+              <p:ext uri="{D42A27DB-BD31-4B8C-83A1-F6EECF244321}">
+                <p14:modId xmlns:p14="http://schemas.microsoft.com/office/powerpoint/2010/main" val="1679629815"/>
+              </p:ext>
+            </p:extLst>
+          </p:nvPr>
+        </p:nvGraphicFramePr>
+        <p:xfrm>
+          <a:off x="3304321" y="1394524"/>
+          <a:ext cx="6376988" cy="3686175"/>
+        </p:xfrm>
+        <a:graphic>
+          <a:graphicData uri="http://schemas.openxmlformats.org/drawingml/2006/chart">
+            <c:chart xmlns:c="http://schemas.openxmlformats.org/drawingml/2006/chart" xmlns:r="http://schemas.openxmlformats.org/officeDocument/2006/relationships" r:id="rId2"/>
+          </a:graphicData>
+        </a:graphic>
+      </p:graphicFrame>
     </p:spTree>
     <p:extLst>
       <p:ext uri="{BB962C8B-B14F-4D97-AF65-F5344CB8AC3E}">
@@ -9912,8 +18194,8 @@
         </p:nvSpPr>
         <p:spPr>
           <a:xfrm>
-            <a:off x="827814" y="5250245"/>
-            <a:ext cx="9932690" cy="1446550"/>
+            <a:off x="827814" y="5667900"/>
+            <a:ext cx="9932690" cy="1107996"/>
           </a:xfrm>
           <a:prstGeom prst="rect">
             <a:avLst/>
@@ -10136,9 +18418,6 @@
             </a:r>
           </a:p>
           <a:p>
-            <a:endParaRPr lang="en-US" sz="1100" dirty="0"/>
-          </a:p>
-          <a:p>
             <a:r>
               <a:rPr lang="en-US" sz="1100" dirty="0" err="1"/>
               <a:t>Pellentesque</a:t>
@@ -10347,9 +18626,6 @@
               <a:rPr lang="en-US" sz="1100" dirty="0"/>
               <a:t>.</a:t>
             </a:r>
-          </a:p>
-          <a:p>
-            <a:endParaRPr lang="en-US" sz="1100" dirty="0"/>
           </a:p>
           <a:p>
             <a:r>
@@ -10759,36 +19035,36 @@
           </a:p>
         </p:txBody>
       </p:sp>
-      <p:pic>
-        <p:nvPicPr>
-          <p:cNvPr id="2" name="Picture 1">
-            <a:extLst>
-              <a:ext uri="{FF2B5EF4-FFF2-40B4-BE49-F238E27FC236}">
-                <a16:creationId xmlns:a16="http://schemas.microsoft.com/office/drawing/2014/main" id="{EFC5DA0A-38C5-4E72-A72F-6B84AF5FB78E}"/>
-              </a:ext>
-            </a:extLst>
-          </p:cNvPr>
-          <p:cNvPicPr>
-            <a:picLocks noChangeAspect="1"/>
-          </p:cNvPicPr>
-          <p:nvPr/>
-        </p:nvPicPr>
-        <p:blipFill>
-          <a:blip r:embed="rId2"/>
-          <a:stretch>
-            <a:fillRect/>
-          </a:stretch>
-        </p:blipFill>
-        <p:spPr>
-          <a:xfrm>
-            <a:off x="2800350" y="1171575"/>
-            <a:ext cx="6591300" cy="4514850"/>
-          </a:xfrm>
-          <a:prstGeom prst="rect">
-            <a:avLst/>
-          </a:prstGeom>
-        </p:spPr>
-      </p:pic>
+      <p:graphicFrame>
+        <p:nvGraphicFramePr>
+          <p:cNvPr id="13" name="Chart 12">
+            <a:extLst>
+              <a:ext uri="{FF2B5EF4-FFF2-40B4-BE49-F238E27FC236}">
+                <a16:creationId xmlns:a16="http://schemas.microsoft.com/office/drawing/2014/main" id="{4DF2E67A-45CB-4021-92E6-8FB35F592CE4}"/>
+              </a:ext>
+            </a:extLst>
+          </p:cNvPr>
+          <p:cNvGraphicFramePr>
+            <a:graphicFrameLocks/>
+          </p:cNvGraphicFramePr>
+          <p:nvPr>
+            <p:extLst>
+              <p:ext uri="{D42A27DB-BD31-4B8C-83A1-F6EECF244321}">
+                <p14:modId xmlns:p14="http://schemas.microsoft.com/office/powerpoint/2010/main" val="1306188619"/>
+              </p:ext>
+            </p:extLst>
+          </p:nvPr>
+        </p:nvGraphicFramePr>
+        <p:xfrm>
+          <a:off x="2561123" y="1086375"/>
+          <a:ext cx="8372474" cy="4581525"/>
+        </p:xfrm>
+        <a:graphic>
+          <a:graphicData uri="http://schemas.openxmlformats.org/drawingml/2006/chart">
+            <c:chart xmlns:c="http://schemas.openxmlformats.org/drawingml/2006/chart" xmlns:r="http://schemas.openxmlformats.org/officeDocument/2006/relationships" r:id="rId2"/>
+          </a:graphicData>
+        </a:graphic>
+      </p:graphicFrame>
     </p:spTree>
     <p:extLst>
       <p:ext uri="{BB962C8B-B14F-4D97-AF65-F5344CB8AC3E}">
